--- a/Cyber Security.pptx
+++ b/Cyber Security.pptx
@@ -35,28 +35,24 @@
     <p:sldId id="294" r:id="rId29"/>
     <p:sldId id="295" r:id="rId30"/>
     <p:sldId id="296" r:id="rId31"/>
-    <p:sldId id="297" r:id="rId32"/>
-    <p:sldId id="298" r:id="rId33"/>
-    <p:sldId id="299" r:id="rId34"/>
-    <p:sldId id="300" r:id="rId35"/>
-    <p:sldId id="301" r:id="rId36"/>
-    <p:sldId id="302" r:id="rId37"/>
-    <p:sldId id="303" r:id="rId38"/>
-    <p:sldId id="304" r:id="rId39"/>
-    <p:sldId id="275" r:id="rId40"/>
-    <p:sldId id="305" r:id="rId41"/>
-    <p:sldId id="306" r:id="rId42"/>
-    <p:sldId id="274" r:id="rId43"/>
-    <p:sldId id="277" r:id="rId44"/>
-    <p:sldId id="284" r:id="rId45"/>
-    <p:sldId id="278" r:id="rId46"/>
-    <p:sldId id="279" r:id="rId47"/>
-    <p:sldId id="280" r:id="rId48"/>
-    <p:sldId id="281" r:id="rId49"/>
-    <p:sldId id="282" r:id="rId50"/>
-    <p:sldId id="283" r:id="rId51"/>
-    <p:sldId id="307" r:id="rId52"/>
-    <p:sldId id="308" r:id="rId53"/>
+    <p:sldId id="301" r:id="rId32"/>
+    <p:sldId id="302" r:id="rId33"/>
+    <p:sldId id="303" r:id="rId34"/>
+    <p:sldId id="304" r:id="rId35"/>
+    <p:sldId id="275" r:id="rId36"/>
+    <p:sldId id="305" r:id="rId37"/>
+    <p:sldId id="306" r:id="rId38"/>
+    <p:sldId id="274" r:id="rId39"/>
+    <p:sldId id="277" r:id="rId40"/>
+    <p:sldId id="284" r:id="rId41"/>
+    <p:sldId id="278" r:id="rId42"/>
+    <p:sldId id="279" r:id="rId43"/>
+    <p:sldId id="280" r:id="rId44"/>
+    <p:sldId id="281" r:id="rId45"/>
+    <p:sldId id="282" r:id="rId46"/>
+    <p:sldId id="283" r:id="rId47"/>
+    <p:sldId id="307" r:id="rId48"/>
+    <p:sldId id="308" r:id="rId49"/>
   </p:sldIdLst>
   <p:sldSz cx="12192000" cy="6858000"/>
   <p:notesSz cx="6858000" cy="9144000"/>
@@ -4439,7 +4435,7 @@
           <a:p>
             <a:fld id="{9318CF01-2EC1-40B6-9CFD-D6FDEDF71867}" type="datetimeFigureOut">
               <a:rPr lang="en-IN" smtClean="0"/>
-              <a:t>02-10-2024</a:t>
+              <a:t>04-10-2024</a:t>
             </a:fld>
             <a:endParaRPr lang="en-IN"/>
           </a:p>
@@ -4706,7 +4702,7 @@
           <a:p>
             <a:fld id="{9318CF01-2EC1-40B6-9CFD-D6FDEDF71867}" type="datetimeFigureOut">
               <a:rPr lang="en-IN" smtClean="0"/>
-              <a:t>02-10-2024</a:t>
+              <a:t>04-10-2024</a:t>
             </a:fld>
             <a:endParaRPr lang="en-IN"/>
           </a:p>
@@ -4902,7 +4898,7 @@
           <a:p>
             <a:fld id="{9318CF01-2EC1-40B6-9CFD-D6FDEDF71867}" type="datetimeFigureOut">
               <a:rPr lang="en-IN" smtClean="0"/>
-              <a:t>02-10-2024</a:t>
+              <a:t>04-10-2024</a:t>
             </a:fld>
             <a:endParaRPr lang="en-IN"/>
           </a:p>
@@ -5165,7 +5161,7 @@
           <a:p>
             <a:fld id="{9318CF01-2EC1-40B6-9CFD-D6FDEDF71867}" type="datetimeFigureOut">
               <a:rPr lang="en-IN" smtClean="0"/>
-              <a:t>02-10-2024</a:t>
+              <a:t>04-10-2024</a:t>
             </a:fld>
             <a:endParaRPr lang="en-IN"/>
           </a:p>
@@ -5599,7 +5595,7 @@
           <a:p>
             <a:fld id="{9318CF01-2EC1-40B6-9CFD-D6FDEDF71867}" type="datetimeFigureOut">
               <a:rPr lang="en-IN" smtClean="0"/>
-              <a:t>02-10-2024</a:t>
+              <a:t>04-10-2024</a:t>
             </a:fld>
             <a:endParaRPr lang="en-IN"/>
           </a:p>
@@ -6145,7 +6141,7 @@
           <a:p>
             <a:fld id="{9318CF01-2EC1-40B6-9CFD-D6FDEDF71867}" type="datetimeFigureOut">
               <a:rPr lang="en-IN" smtClean="0"/>
-              <a:t>02-10-2024</a:t>
+              <a:t>04-10-2024</a:t>
             </a:fld>
             <a:endParaRPr lang="en-IN"/>
           </a:p>
@@ -6865,7 +6861,7 @@
           <a:p>
             <a:fld id="{9318CF01-2EC1-40B6-9CFD-D6FDEDF71867}" type="datetimeFigureOut">
               <a:rPr lang="en-IN" smtClean="0"/>
-              <a:t>02-10-2024</a:t>
+              <a:t>04-10-2024</a:t>
             </a:fld>
             <a:endParaRPr lang="en-IN"/>
           </a:p>
@@ -7035,7 +7031,7 @@
           <a:p>
             <a:fld id="{9318CF01-2EC1-40B6-9CFD-D6FDEDF71867}" type="datetimeFigureOut">
               <a:rPr lang="en-IN" smtClean="0"/>
-              <a:t>02-10-2024</a:t>
+              <a:t>04-10-2024</a:t>
             </a:fld>
             <a:endParaRPr lang="en-IN"/>
           </a:p>
@@ -7215,7 +7211,7 @@
           <a:p>
             <a:fld id="{9318CF01-2EC1-40B6-9CFD-D6FDEDF71867}" type="datetimeFigureOut">
               <a:rPr lang="en-IN" smtClean="0"/>
-              <a:t>02-10-2024</a:t>
+              <a:t>04-10-2024</a:t>
             </a:fld>
             <a:endParaRPr lang="en-IN"/>
           </a:p>
@@ -7385,7 +7381,7 @@
           <a:p>
             <a:fld id="{9318CF01-2EC1-40B6-9CFD-D6FDEDF71867}" type="datetimeFigureOut">
               <a:rPr lang="en-IN" smtClean="0"/>
-              <a:t>02-10-2024</a:t>
+              <a:t>04-10-2024</a:t>
             </a:fld>
             <a:endParaRPr lang="en-IN"/>
           </a:p>
@@ -7635,7 +7631,7 @@
           <a:p>
             <a:fld id="{9318CF01-2EC1-40B6-9CFD-D6FDEDF71867}" type="datetimeFigureOut">
               <a:rPr lang="en-IN" smtClean="0"/>
-              <a:t>02-10-2024</a:t>
+              <a:t>04-10-2024</a:t>
             </a:fld>
             <a:endParaRPr lang="en-IN"/>
           </a:p>
@@ -7867,7 +7863,7 @@
           <a:p>
             <a:fld id="{9318CF01-2EC1-40B6-9CFD-D6FDEDF71867}" type="datetimeFigureOut">
               <a:rPr lang="en-IN" smtClean="0"/>
-              <a:t>02-10-2024</a:t>
+              <a:t>04-10-2024</a:t>
             </a:fld>
             <a:endParaRPr lang="en-IN"/>
           </a:p>
@@ -8248,7 +8244,7 @@
           <a:p>
             <a:fld id="{9318CF01-2EC1-40B6-9CFD-D6FDEDF71867}" type="datetimeFigureOut">
               <a:rPr lang="en-IN" smtClean="0"/>
-              <a:t>02-10-2024</a:t>
+              <a:t>04-10-2024</a:t>
             </a:fld>
             <a:endParaRPr lang="en-IN"/>
           </a:p>
@@ -8366,7 +8362,7 @@
           <a:p>
             <a:fld id="{9318CF01-2EC1-40B6-9CFD-D6FDEDF71867}" type="datetimeFigureOut">
               <a:rPr lang="en-IN" smtClean="0"/>
-              <a:t>02-10-2024</a:t>
+              <a:t>04-10-2024</a:t>
             </a:fld>
             <a:endParaRPr lang="en-IN"/>
           </a:p>
@@ -8461,7 +8457,7 @@
           <a:p>
             <a:fld id="{9318CF01-2EC1-40B6-9CFD-D6FDEDF71867}" type="datetimeFigureOut">
               <a:rPr lang="en-IN" smtClean="0"/>
-              <a:t>02-10-2024</a:t>
+              <a:t>04-10-2024</a:t>
             </a:fld>
             <a:endParaRPr lang="en-IN"/>
           </a:p>
@@ -8710,7 +8706,7 @@
           <a:p>
             <a:fld id="{9318CF01-2EC1-40B6-9CFD-D6FDEDF71867}" type="datetimeFigureOut">
               <a:rPr lang="en-IN" smtClean="0"/>
-              <a:t>02-10-2024</a:t>
+              <a:t>04-10-2024</a:t>
             </a:fld>
             <a:endParaRPr lang="en-IN"/>
           </a:p>
@@ -8990,7 +8986,7 @@
           <a:p>
             <a:fld id="{9318CF01-2EC1-40B6-9CFD-D6FDEDF71867}" type="datetimeFigureOut">
               <a:rPr lang="en-IN" smtClean="0"/>
-              <a:t>02-10-2024</a:t>
+              <a:t>04-10-2024</a:t>
             </a:fld>
             <a:endParaRPr lang="en-IN"/>
           </a:p>
@@ -12067,7 +12063,7 @@
           <a:p>
             <a:fld id="{9318CF01-2EC1-40B6-9CFD-D6FDEDF71867}" type="datetimeFigureOut">
               <a:rPr lang="en-IN" smtClean="0"/>
-              <a:t>02-10-2024</a:t>
+              <a:t>04-10-2024</a:t>
             </a:fld>
             <a:endParaRPr lang="en-IN"/>
           </a:p>
@@ -12978,15 +12974,20 @@
             <p:ph idx="1"/>
           </p:nvPr>
         </p:nvSpPr>
-        <p:spPr/>
+        <p:spPr>
+          <a:xfrm>
+            <a:off x="1141412" y="1582615"/>
+            <a:ext cx="9905999" cy="4208586"/>
+          </a:xfrm>
+        </p:spPr>
         <p:txBody>
           <a:bodyPr>
-            <a:normAutofit fontScale="85000" lnSpcReduction="20000"/>
+            <a:noAutofit/>
           </a:bodyPr>
           <a:lstStyle/>
           <a:p>
             <a:r>
-              <a:rPr lang="en-US" dirty="0">
+              <a:rPr lang="en-US" sz="2000" dirty="0">
                 <a:latin typeface="Calibri" panose="020F0502020204030204" pitchFamily="34" charset="0"/>
                 <a:ea typeface="Calibri" panose="020F0502020204030204" pitchFamily="34" charset="0"/>
                 <a:cs typeface="Calibri" panose="020F0502020204030204" pitchFamily="34" charset="0"/>
@@ -12995,11 +12996,21 @@
             </a:r>
           </a:p>
           <a:p>
+            <a:r>
+              <a:rPr lang="en-US" sz="2000" dirty="0">
+                <a:latin typeface="Calibri" panose="020F0502020204030204" pitchFamily="34" charset="0"/>
+                <a:ea typeface="Calibri" panose="020F0502020204030204" pitchFamily="34" charset="0"/>
+                <a:cs typeface="Calibri" panose="020F0502020204030204" pitchFamily="34" charset="0"/>
+              </a:rPr>
+              <a:t>It's important because it can help the model better capture the underlying patterns in the cybersecurity incident data.</a:t>
+            </a:r>
+          </a:p>
+          <a:p>
             <a:pPr marL="0" indent="0">
               <a:buNone/>
             </a:pPr>
             <a:r>
-              <a:rPr lang="en-US" dirty="0">
+              <a:rPr lang="en-US" sz="2000" dirty="0">
                 <a:solidFill>
                   <a:schemeClr val="bg1"/>
                 </a:solidFill>
@@ -13012,7 +13023,7 @@
           </a:p>
           <a:p>
             <a:r>
-              <a:rPr lang="en-US" dirty="0">
+              <a:rPr lang="en-US" sz="2000" dirty="0">
                 <a:solidFill>
                   <a:schemeClr val="accent4">
                     <a:lumMod val="50000"/>
@@ -13030,7 +13041,7 @@
               <a:buNone/>
             </a:pPr>
             <a:r>
-              <a:rPr lang="en-US" dirty="0">
+              <a:rPr lang="en-US" sz="2000" dirty="0">
                 <a:latin typeface="Calibri" panose="020F0502020204030204" pitchFamily="34" charset="0"/>
                 <a:ea typeface="Calibri" panose="020F0502020204030204" pitchFamily="34" charset="0"/>
                 <a:cs typeface="Calibri" panose="020F0502020204030204" pitchFamily="34" charset="0"/>
@@ -13040,7 +13051,7 @@
           </a:p>
           <a:p>
             <a:r>
-              <a:rPr lang="en-US" dirty="0">
+              <a:rPr lang="en-US" sz="2000" dirty="0">
                 <a:solidFill>
                   <a:schemeClr val="accent4">
                     <a:lumMod val="50000"/>
@@ -13058,7 +13069,7 @@
               <a:buNone/>
             </a:pPr>
             <a:r>
-              <a:rPr lang="en-US" dirty="0">
+              <a:rPr lang="en-US" sz="2000" dirty="0">
                 <a:latin typeface="Calibri" panose="020F0502020204030204" pitchFamily="34" charset="0"/>
                 <a:ea typeface="Calibri" panose="020F0502020204030204" pitchFamily="34" charset="0"/>
                 <a:cs typeface="Calibri" panose="020F0502020204030204" pitchFamily="34" charset="0"/>
@@ -13068,7 +13079,7 @@
           </a:p>
           <a:p>
             <a:r>
-              <a:rPr lang="en-US" dirty="0">
+              <a:rPr lang="en-US" sz="2000" dirty="0">
                 <a:solidFill>
                   <a:schemeClr val="accent4">
                     <a:lumMod val="50000"/>
@@ -13086,14 +13097,14 @@
               <a:buNone/>
             </a:pPr>
             <a:r>
-              <a:rPr lang="en-US" dirty="0">
+              <a:rPr lang="en-US" sz="2000" dirty="0">
                 <a:latin typeface="Calibri" panose="020F0502020204030204" pitchFamily="34" charset="0"/>
                 <a:ea typeface="Calibri" panose="020F0502020204030204" pitchFamily="34" charset="0"/>
                 <a:cs typeface="Calibri" panose="020F0502020204030204" pitchFamily="34" charset="0"/>
               </a:rPr>
               <a:t>	Scaling features (e.g., Min-Max scaling or Standardization)</a:t>
             </a:r>
-            <a:endParaRPr lang="en-IN" dirty="0">
+            <a:endParaRPr lang="en-IN" sz="2000" dirty="0">
               <a:latin typeface="Calibri" panose="020F0502020204030204" pitchFamily="34" charset="0"/>
               <a:ea typeface="Calibri" panose="020F0502020204030204" pitchFamily="34" charset="0"/>
               <a:cs typeface="Calibri" panose="020F0502020204030204" pitchFamily="34" charset="0"/>
@@ -14839,10 +14850,10 @@
       </p:sp>
       <p:pic>
         <p:nvPicPr>
-          <p:cNvPr id="5" name="Picture 4">
+          <p:cNvPr id="7" name="Picture 6">
             <a:extLst>
               <a:ext uri="{FF2B5EF4-FFF2-40B4-BE49-F238E27FC236}">
-                <a16:creationId xmlns:a16="http://schemas.microsoft.com/office/drawing/2014/main" id="{F3884DEA-C280-CBFA-0F72-748D148F0528}"/>
+                <a16:creationId xmlns:a16="http://schemas.microsoft.com/office/drawing/2014/main" id="{F3BCBDC1-60B9-B27F-506E-7DAAC0740CC2}"/>
               </a:ext>
             </a:extLst>
           </p:cNvPr>
@@ -14865,8 +14876,8 @@
         </p:blipFill>
         <p:spPr>
           <a:xfrm>
-            <a:off x="2860431" y="3540369"/>
-            <a:ext cx="5861538" cy="2016369"/>
+            <a:off x="2555631" y="3341077"/>
+            <a:ext cx="6693877" cy="2450123"/>
           </a:xfrm>
           <a:prstGeom prst="rect">
             <a:avLst/>
@@ -15265,10 +15276,10 @@
       </p:sp>
       <p:pic>
         <p:nvPicPr>
-          <p:cNvPr id="5" name="Picture 4">
+          <p:cNvPr id="4" name="Picture 3">
             <a:extLst>
               <a:ext uri="{FF2B5EF4-FFF2-40B4-BE49-F238E27FC236}">
-                <a16:creationId xmlns:a16="http://schemas.microsoft.com/office/drawing/2014/main" id="{E8DF30A3-1C1D-28D1-F2A3-464470BF8747}"/>
+                <a16:creationId xmlns:a16="http://schemas.microsoft.com/office/drawing/2014/main" id="{DAA819A2-854E-24E1-2C6A-619B4747A36F}"/>
               </a:ext>
             </a:extLst>
           </p:cNvPr>
@@ -15291,8 +15302,8 @@
         </p:blipFill>
         <p:spPr>
           <a:xfrm>
-            <a:off x="3805392" y="3739238"/>
-            <a:ext cx="4564885" cy="2051963"/>
+            <a:off x="2121877" y="3428999"/>
+            <a:ext cx="7725508" cy="2233247"/>
           </a:xfrm>
           <a:prstGeom prst="rect">
             <a:avLst/>
@@ -15660,10 +15671,10 @@
       </p:sp>
       <p:pic>
         <p:nvPicPr>
-          <p:cNvPr id="4" name="Picture 3">
+          <p:cNvPr id="5" name="Picture 4">
             <a:extLst>
               <a:ext uri="{FF2B5EF4-FFF2-40B4-BE49-F238E27FC236}">
-                <a16:creationId xmlns:a16="http://schemas.microsoft.com/office/drawing/2014/main" id="{FA7B15F4-F62D-6841-1C99-A161088AED43}"/>
+                <a16:creationId xmlns:a16="http://schemas.microsoft.com/office/drawing/2014/main" id="{AE0708A8-B26C-EC90-ED14-7FD0FBA0C934}"/>
               </a:ext>
             </a:extLst>
           </p:cNvPr>
@@ -15686,8 +15697,8 @@
         </p:blipFill>
         <p:spPr>
           <a:xfrm>
-            <a:off x="2719754" y="3428999"/>
-            <a:ext cx="5533292" cy="2362201"/>
+            <a:off x="2473569" y="3610708"/>
+            <a:ext cx="7115908" cy="2426677"/>
           </a:xfrm>
           <a:prstGeom prst="rect">
             <a:avLst/>
@@ -16058,10 +16069,10 @@
       </p:grpSpPr>
       <p:pic>
         <p:nvPicPr>
-          <p:cNvPr id="5" name="Content Placeholder 4">
+          <p:cNvPr id="6" name="Content Placeholder 5">
             <a:extLst>
               <a:ext uri="{FF2B5EF4-FFF2-40B4-BE49-F238E27FC236}">
-                <a16:creationId xmlns:a16="http://schemas.microsoft.com/office/drawing/2014/main" id="{E707F06C-985B-A7BF-176B-849593C7F204}"/>
+                <a16:creationId xmlns:a16="http://schemas.microsoft.com/office/drawing/2014/main" id="{D0A3E20C-6E08-74E8-A5E1-57E4BD4591B5}"/>
               </a:ext>
             </a:extLst>
           </p:cNvPr>
@@ -16086,8 +16097,8 @@
         </p:blipFill>
         <p:spPr>
           <a:xfrm>
-            <a:off x="2356338" y="2637692"/>
-            <a:ext cx="6482862" cy="2123221"/>
+            <a:off x="1957754" y="1195754"/>
+            <a:ext cx="7690338" cy="3317631"/>
           </a:xfrm>
         </p:spPr>
       </p:pic>
@@ -16126,608 +16137,6 @@
           <p:cNvPr id="2" name="Title 1">
             <a:extLst>
               <a:ext uri="{FF2B5EF4-FFF2-40B4-BE49-F238E27FC236}">
-                <a16:creationId xmlns:a16="http://schemas.microsoft.com/office/drawing/2014/main" id="{7BFAF517-FAAB-7381-DD7A-BA402DF38C54}"/>
-              </a:ext>
-            </a:extLst>
-          </p:cNvPr>
-          <p:cNvSpPr>
-            <a:spLocks noGrp="1"/>
-          </p:cNvSpPr>
-          <p:nvPr>
-            <p:ph type="title"/>
-          </p:nvPr>
-        </p:nvSpPr>
-        <p:spPr/>
-        <p:txBody>
-          <a:bodyPr>
-            <a:normAutofit/>
-          </a:bodyPr>
-          <a:lstStyle/>
-          <a:p>
-            <a:r>
-              <a:rPr lang="en-US" sz="3200" dirty="0">
-                <a:solidFill>
-                  <a:schemeClr val="bg1"/>
-                </a:solidFill>
-                <a:latin typeface="Calibri" panose="020F0502020204030204" pitchFamily="34" charset="0"/>
-                <a:ea typeface="Calibri" panose="020F0502020204030204" pitchFamily="34" charset="0"/>
-                <a:cs typeface="Calibri" panose="020F0502020204030204" pitchFamily="34" charset="0"/>
-              </a:rPr>
-              <a:t>CatBoost</a:t>
-            </a:r>
-            <a:endParaRPr lang="en-IN" sz="3200" dirty="0">
-              <a:solidFill>
-                <a:schemeClr val="bg1"/>
-              </a:solidFill>
-            </a:endParaRPr>
-          </a:p>
-        </p:txBody>
-      </p:sp>
-      <p:sp>
-        <p:nvSpPr>
-          <p:cNvPr id="3" name="Content Placeholder 2">
-            <a:extLst>
-              <a:ext uri="{FF2B5EF4-FFF2-40B4-BE49-F238E27FC236}">
-                <a16:creationId xmlns:a16="http://schemas.microsoft.com/office/drawing/2014/main" id="{1BD09D04-2E3C-4D30-EDC5-B715E5BEBA75}"/>
-              </a:ext>
-            </a:extLst>
-          </p:cNvPr>
-          <p:cNvSpPr>
-            <a:spLocks noGrp="1"/>
-          </p:cNvSpPr>
-          <p:nvPr>
-            <p:ph idx="1"/>
-          </p:nvPr>
-        </p:nvSpPr>
-        <p:spPr/>
-        <p:txBody>
-          <a:bodyPr/>
-          <a:lstStyle/>
-          <a:p>
-            <a:pPr marL="0" indent="0">
-              <a:buNone/>
-            </a:pPr>
-            <a:r>
-              <a:rPr lang="en-US" dirty="0">
-                <a:solidFill>
-                  <a:schemeClr val="accent4">
-                    <a:lumMod val="50000"/>
-                  </a:schemeClr>
-                </a:solidFill>
-                <a:latin typeface="Calibri" panose="020F0502020204030204" pitchFamily="34" charset="0"/>
-                <a:ea typeface="Calibri" panose="020F0502020204030204" pitchFamily="34" charset="0"/>
-                <a:cs typeface="Calibri" panose="020F0502020204030204" pitchFamily="34" charset="0"/>
-              </a:rPr>
-              <a:t>Definition: </a:t>
-            </a:r>
-          </a:p>
-          <a:p>
-            <a:pPr marL="0" indent="0">
-              <a:buNone/>
-            </a:pPr>
-            <a:r>
-              <a:rPr lang="en-US" dirty="0">
-                <a:solidFill>
-                  <a:schemeClr val="accent4">
-                    <a:lumMod val="50000"/>
-                  </a:schemeClr>
-                </a:solidFill>
-                <a:latin typeface="Calibri" panose="020F0502020204030204" pitchFamily="34" charset="0"/>
-                <a:ea typeface="Calibri" panose="020F0502020204030204" pitchFamily="34" charset="0"/>
-                <a:cs typeface="Calibri" panose="020F0502020204030204" pitchFamily="34" charset="0"/>
-              </a:rPr>
-              <a:t>	</a:t>
-            </a:r>
-            <a:r>
-              <a:rPr lang="en-US" dirty="0">
-                <a:latin typeface="Calibri" panose="020F0502020204030204" pitchFamily="34" charset="0"/>
-                <a:ea typeface="Calibri" panose="020F0502020204030204" pitchFamily="34" charset="0"/>
-                <a:cs typeface="Calibri" panose="020F0502020204030204" pitchFamily="34" charset="0"/>
-              </a:rPr>
-              <a:t>CatBoost (Categorical Boosting) is a gradient boosting library developed by Yandex, designed to handle categorical features effectively.</a:t>
-            </a:r>
-          </a:p>
-          <a:p>
-            <a:pPr marL="0" indent="0">
-              <a:buNone/>
-            </a:pPr>
-            <a:r>
-              <a:rPr lang="en-US" dirty="0">
-                <a:solidFill>
-                  <a:schemeClr val="accent4">
-                    <a:lumMod val="50000"/>
-                  </a:schemeClr>
-                </a:solidFill>
-                <a:latin typeface="Calibri" panose="020F0502020204030204" pitchFamily="34" charset="0"/>
-                <a:ea typeface="Calibri" panose="020F0502020204030204" pitchFamily="34" charset="0"/>
-                <a:cs typeface="Calibri" panose="020F0502020204030204" pitchFamily="34" charset="0"/>
-              </a:rPr>
-              <a:t>Purpose: </a:t>
-            </a:r>
-          </a:p>
-          <a:p>
-            <a:pPr marL="0" indent="0">
-              <a:buNone/>
-            </a:pPr>
-            <a:r>
-              <a:rPr lang="en-US" dirty="0">
-                <a:solidFill>
-                  <a:schemeClr val="accent4">
-                    <a:lumMod val="50000"/>
-                  </a:schemeClr>
-                </a:solidFill>
-                <a:latin typeface="Calibri" panose="020F0502020204030204" pitchFamily="34" charset="0"/>
-                <a:ea typeface="Calibri" panose="020F0502020204030204" pitchFamily="34" charset="0"/>
-                <a:cs typeface="Calibri" panose="020F0502020204030204" pitchFamily="34" charset="0"/>
-              </a:rPr>
-              <a:t>	</a:t>
-            </a:r>
-            <a:r>
-              <a:rPr lang="en-US" dirty="0">
-                <a:latin typeface="Calibri" panose="020F0502020204030204" pitchFamily="34" charset="0"/>
-                <a:ea typeface="Calibri" panose="020F0502020204030204" pitchFamily="34" charset="0"/>
-                <a:cs typeface="Calibri" panose="020F0502020204030204" pitchFamily="34" charset="0"/>
-              </a:rPr>
-              <a:t>Optimizes performance and speeds up training, especially with datasets containing categorical variables.</a:t>
-            </a:r>
-            <a:endParaRPr lang="en-IN" dirty="0">
-              <a:latin typeface="Calibri" panose="020F0502020204030204" pitchFamily="34" charset="0"/>
-              <a:ea typeface="Calibri" panose="020F0502020204030204" pitchFamily="34" charset="0"/>
-              <a:cs typeface="Calibri" panose="020F0502020204030204" pitchFamily="34" charset="0"/>
-            </a:endParaRPr>
-          </a:p>
-        </p:txBody>
-      </p:sp>
-    </p:spTree>
-    <p:extLst>
-      <p:ext uri="{BB962C8B-B14F-4D97-AF65-F5344CB8AC3E}">
-        <p14:creationId xmlns:p14="http://schemas.microsoft.com/office/powerpoint/2010/main" val="2235567166"/>
-      </p:ext>
-    </p:extLst>
-  </p:cSld>
-  <p:clrMapOvr>
-    <a:masterClrMapping/>
-  </p:clrMapOvr>
-</p:sld>
-</file>
-
-<file path=ppt/slides/slide32.xml><?xml version="1.0" encoding="utf-8"?>
-<p:sld xmlns:a="http://schemas.openxmlformats.org/drawingml/2006/main" xmlns:r="http://schemas.openxmlformats.org/officeDocument/2006/relationships" xmlns:p="http://schemas.openxmlformats.org/presentationml/2006/main">
-  <p:cSld>
-    <p:spTree>
-      <p:nvGrpSpPr>
-        <p:cNvPr id="1" name=""/>
-        <p:cNvGrpSpPr/>
-        <p:nvPr/>
-      </p:nvGrpSpPr>
-      <p:grpSpPr>
-        <a:xfrm>
-          <a:off x="0" y="0"/>
-          <a:ext cx="0" cy="0"/>
-          <a:chOff x="0" y="0"/>
-          <a:chExt cx="0" cy="0"/>
-        </a:xfrm>
-      </p:grpSpPr>
-      <p:sp>
-        <p:nvSpPr>
-          <p:cNvPr id="2" name="Title 1">
-            <a:extLst>
-              <a:ext uri="{FF2B5EF4-FFF2-40B4-BE49-F238E27FC236}">
-                <a16:creationId xmlns:a16="http://schemas.microsoft.com/office/drawing/2014/main" id="{DC7A7316-DA43-F715-8729-4106C5E254AF}"/>
-              </a:ext>
-            </a:extLst>
-          </p:cNvPr>
-          <p:cNvSpPr>
-            <a:spLocks noGrp="1"/>
-          </p:cNvSpPr>
-          <p:nvPr>
-            <p:ph type="title"/>
-          </p:nvPr>
-        </p:nvSpPr>
-        <p:spPr/>
-        <p:txBody>
-          <a:bodyPr>
-            <a:normAutofit/>
-          </a:bodyPr>
-          <a:lstStyle/>
-          <a:p>
-            <a:r>
-              <a:rPr lang="en-IN" sz="3200" dirty="0">
-                <a:solidFill>
-                  <a:schemeClr val="bg1"/>
-                </a:solidFill>
-                <a:latin typeface="Calibri" panose="020F0502020204030204" pitchFamily="34" charset="0"/>
-                <a:ea typeface="Calibri" panose="020F0502020204030204" pitchFamily="34" charset="0"/>
-                <a:cs typeface="Calibri" panose="020F0502020204030204" pitchFamily="34" charset="0"/>
-              </a:rPr>
-              <a:t>Key Features of CatBoost</a:t>
-            </a:r>
-          </a:p>
-        </p:txBody>
-      </p:sp>
-      <p:sp>
-        <p:nvSpPr>
-          <p:cNvPr id="3" name="Content Placeholder 2">
-            <a:extLst>
-              <a:ext uri="{FF2B5EF4-FFF2-40B4-BE49-F238E27FC236}">
-                <a16:creationId xmlns:a16="http://schemas.microsoft.com/office/drawing/2014/main" id="{3E28D0D9-7C21-FFEF-F35B-8C34EBA12237}"/>
-              </a:ext>
-            </a:extLst>
-          </p:cNvPr>
-          <p:cNvSpPr>
-            <a:spLocks noGrp="1"/>
-          </p:cNvSpPr>
-          <p:nvPr>
-            <p:ph idx="1"/>
-          </p:nvPr>
-        </p:nvSpPr>
-        <p:spPr/>
-        <p:txBody>
-          <a:bodyPr/>
-          <a:lstStyle/>
-          <a:p>
-            <a:r>
-              <a:rPr lang="en-US" dirty="0">
-                <a:solidFill>
-                  <a:schemeClr val="accent4">
-                    <a:lumMod val="50000"/>
-                  </a:schemeClr>
-                </a:solidFill>
-                <a:latin typeface="Calibri" panose="020F0502020204030204" pitchFamily="34" charset="0"/>
-                <a:ea typeface="Calibri" panose="020F0502020204030204" pitchFamily="34" charset="0"/>
-                <a:cs typeface="Calibri" panose="020F0502020204030204" pitchFamily="34" charset="0"/>
-              </a:rPr>
-              <a:t>Automatic Handling of Categorical Variables: </a:t>
-            </a:r>
-            <a:r>
-              <a:rPr lang="en-US" dirty="0">
-                <a:latin typeface="Calibri" panose="020F0502020204030204" pitchFamily="34" charset="0"/>
-                <a:ea typeface="Calibri" panose="020F0502020204030204" pitchFamily="34" charset="0"/>
-                <a:cs typeface="Calibri" panose="020F0502020204030204" pitchFamily="34" charset="0"/>
-              </a:rPr>
-              <a:t>Directly processes categorical features without extensive preprocessing.</a:t>
-            </a:r>
-          </a:p>
-          <a:p>
-            <a:r>
-              <a:rPr lang="en-US" dirty="0">
-                <a:solidFill>
-                  <a:schemeClr val="accent4">
-                    <a:lumMod val="50000"/>
-                  </a:schemeClr>
-                </a:solidFill>
-                <a:latin typeface="Calibri" panose="020F0502020204030204" pitchFamily="34" charset="0"/>
-                <a:ea typeface="Calibri" panose="020F0502020204030204" pitchFamily="34" charset="0"/>
-                <a:cs typeface="Calibri" panose="020F0502020204030204" pitchFamily="34" charset="0"/>
-              </a:rPr>
-              <a:t>Robust to Overfitting: </a:t>
-            </a:r>
-            <a:r>
-              <a:rPr lang="en-US" dirty="0">
-                <a:latin typeface="Calibri" panose="020F0502020204030204" pitchFamily="34" charset="0"/>
-                <a:ea typeface="Calibri" panose="020F0502020204030204" pitchFamily="34" charset="0"/>
-                <a:cs typeface="Calibri" panose="020F0502020204030204" pitchFamily="34" charset="0"/>
-              </a:rPr>
-              <a:t>Built-in mechanisms to prevent overfitting.</a:t>
-            </a:r>
-          </a:p>
-          <a:p>
-            <a:r>
-              <a:rPr lang="en-US" dirty="0">
-                <a:solidFill>
-                  <a:schemeClr val="accent4">
-                    <a:lumMod val="50000"/>
-                  </a:schemeClr>
-                </a:solidFill>
-                <a:latin typeface="Calibri" panose="020F0502020204030204" pitchFamily="34" charset="0"/>
-                <a:ea typeface="Calibri" panose="020F0502020204030204" pitchFamily="34" charset="0"/>
-                <a:cs typeface="Calibri" panose="020F0502020204030204" pitchFamily="34" charset="0"/>
-              </a:rPr>
-              <a:t>High Performance: </a:t>
-            </a:r>
-            <a:r>
-              <a:rPr lang="en-US" dirty="0">
-                <a:latin typeface="Calibri" panose="020F0502020204030204" pitchFamily="34" charset="0"/>
-                <a:ea typeface="Calibri" panose="020F0502020204030204" pitchFamily="34" charset="0"/>
-                <a:cs typeface="Calibri" panose="020F0502020204030204" pitchFamily="34" charset="0"/>
-              </a:rPr>
-              <a:t>Fast training and prediction times.</a:t>
-            </a:r>
-          </a:p>
-          <a:p>
-            <a:r>
-              <a:rPr lang="en-US" dirty="0">
-                <a:solidFill>
-                  <a:schemeClr val="accent4">
-                    <a:lumMod val="50000"/>
-                  </a:schemeClr>
-                </a:solidFill>
-                <a:latin typeface="Calibri" panose="020F0502020204030204" pitchFamily="34" charset="0"/>
-                <a:ea typeface="Calibri" panose="020F0502020204030204" pitchFamily="34" charset="0"/>
-                <a:cs typeface="Calibri" panose="020F0502020204030204" pitchFamily="34" charset="0"/>
-              </a:rPr>
-              <a:t>Support for Different Objective Functions: </a:t>
-            </a:r>
-            <a:r>
-              <a:rPr lang="en-US" dirty="0">
-                <a:latin typeface="Calibri" panose="020F0502020204030204" pitchFamily="34" charset="0"/>
-                <a:ea typeface="Calibri" panose="020F0502020204030204" pitchFamily="34" charset="0"/>
-                <a:cs typeface="Calibri" panose="020F0502020204030204" pitchFamily="34" charset="0"/>
-              </a:rPr>
-              <a:t>Versatile in handling various types of machine learning problems.</a:t>
-            </a:r>
-            <a:endParaRPr lang="en-IN" dirty="0">
-              <a:latin typeface="Calibri" panose="020F0502020204030204" pitchFamily="34" charset="0"/>
-              <a:ea typeface="Calibri" panose="020F0502020204030204" pitchFamily="34" charset="0"/>
-              <a:cs typeface="Calibri" panose="020F0502020204030204" pitchFamily="34" charset="0"/>
-            </a:endParaRPr>
-          </a:p>
-        </p:txBody>
-      </p:sp>
-    </p:spTree>
-    <p:extLst>
-      <p:ext uri="{BB962C8B-B14F-4D97-AF65-F5344CB8AC3E}">
-        <p14:creationId xmlns:p14="http://schemas.microsoft.com/office/powerpoint/2010/main" val="714735575"/>
-      </p:ext>
-    </p:extLst>
-  </p:cSld>
-  <p:clrMapOvr>
-    <a:masterClrMapping/>
-  </p:clrMapOvr>
-</p:sld>
-</file>
-
-<file path=ppt/slides/slide33.xml><?xml version="1.0" encoding="utf-8"?>
-<p:sld xmlns:a="http://schemas.openxmlformats.org/drawingml/2006/main" xmlns:r="http://schemas.openxmlformats.org/officeDocument/2006/relationships" xmlns:p="http://schemas.openxmlformats.org/presentationml/2006/main">
-  <p:cSld>
-    <p:spTree>
-      <p:nvGrpSpPr>
-        <p:cNvPr id="1" name=""/>
-        <p:cNvGrpSpPr/>
-        <p:nvPr/>
-      </p:nvGrpSpPr>
-      <p:grpSpPr>
-        <a:xfrm>
-          <a:off x="0" y="0"/>
-          <a:ext cx="0" cy="0"/>
-          <a:chOff x="0" y="0"/>
-          <a:chExt cx="0" cy="0"/>
-        </a:xfrm>
-      </p:grpSpPr>
-      <p:sp>
-        <p:nvSpPr>
-          <p:cNvPr id="2" name="Title 1">
-            <a:extLst>
-              <a:ext uri="{FF2B5EF4-FFF2-40B4-BE49-F238E27FC236}">
-                <a16:creationId xmlns:a16="http://schemas.microsoft.com/office/drawing/2014/main" id="{BA55F504-375C-C973-B4DA-6F7E3A148017}"/>
-              </a:ext>
-            </a:extLst>
-          </p:cNvPr>
-          <p:cNvSpPr>
-            <a:spLocks noGrp="1"/>
-          </p:cNvSpPr>
-          <p:nvPr>
-            <p:ph type="title"/>
-          </p:nvPr>
-        </p:nvSpPr>
-        <p:spPr/>
-        <p:txBody>
-          <a:bodyPr>
-            <a:normAutofit/>
-          </a:bodyPr>
-          <a:lstStyle/>
-          <a:p>
-            <a:r>
-              <a:rPr lang="en-IN" sz="3200" dirty="0">
-                <a:solidFill>
-                  <a:schemeClr val="bg1"/>
-                </a:solidFill>
-                <a:latin typeface="Calibri" panose="020F0502020204030204" pitchFamily="34" charset="0"/>
-                <a:ea typeface="Calibri" panose="020F0502020204030204" pitchFamily="34" charset="0"/>
-                <a:cs typeface="Calibri" panose="020F0502020204030204" pitchFamily="34" charset="0"/>
-              </a:rPr>
-              <a:t>Limitations of CatBoost</a:t>
-            </a:r>
-          </a:p>
-        </p:txBody>
-      </p:sp>
-      <p:sp>
-        <p:nvSpPr>
-          <p:cNvPr id="3" name="Content Placeholder 2">
-            <a:extLst>
-              <a:ext uri="{FF2B5EF4-FFF2-40B4-BE49-F238E27FC236}">
-                <a16:creationId xmlns:a16="http://schemas.microsoft.com/office/drawing/2014/main" id="{9EA88154-E5CE-A179-B9CF-24DA0508733C}"/>
-              </a:ext>
-            </a:extLst>
-          </p:cNvPr>
-          <p:cNvSpPr>
-            <a:spLocks noGrp="1"/>
-          </p:cNvSpPr>
-          <p:nvPr>
-            <p:ph idx="1"/>
-          </p:nvPr>
-        </p:nvSpPr>
-        <p:spPr/>
-        <p:txBody>
-          <a:bodyPr/>
-          <a:lstStyle/>
-          <a:p>
-            <a:r>
-              <a:rPr lang="en-US" dirty="0">
-                <a:solidFill>
-                  <a:schemeClr val="accent4">
-                    <a:lumMod val="50000"/>
-                  </a:schemeClr>
-                </a:solidFill>
-                <a:latin typeface="Calibri" panose="020F0502020204030204" pitchFamily="34" charset="0"/>
-                <a:ea typeface="Calibri" panose="020F0502020204030204" pitchFamily="34" charset="0"/>
-                <a:cs typeface="Calibri" panose="020F0502020204030204" pitchFamily="34" charset="0"/>
-              </a:rPr>
-              <a:t>Memory Usage: </a:t>
-            </a:r>
-            <a:r>
-              <a:rPr lang="en-US" dirty="0">
-                <a:latin typeface="Calibri" panose="020F0502020204030204" pitchFamily="34" charset="0"/>
-                <a:ea typeface="Calibri" panose="020F0502020204030204" pitchFamily="34" charset="0"/>
-                <a:cs typeface="Calibri" panose="020F0502020204030204" pitchFamily="34" charset="0"/>
-              </a:rPr>
-              <a:t>Can be memory-intensive for very large datasets.</a:t>
-            </a:r>
-          </a:p>
-          <a:p>
-            <a:r>
-              <a:rPr lang="en-US" dirty="0">
-                <a:solidFill>
-                  <a:schemeClr val="accent4">
-                    <a:lumMod val="50000"/>
-                  </a:schemeClr>
-                </a:solidFill>
-                <a:latin typeface="Calibri" panose="020F0502020204030204" pitchFamily="34" charset="0"/>
-                <a:ea typeface="Calibri" panose="020F0502020204030204" pitchFamily="34" charset="0"/>
-                <a:cs typeface="Calibri" panose="020F0502020204030204" pitchFamily="34" charset="0"/>
-              </a:rPr>
-              <a:t>Complexity in Tuning: </a:t>
-            </a:r>
-            <a:r>
-              <a:rPr lang="en-US" dirty="0">
-                <a:latin typeface="Calibri" panose="020F0502020204030204" pitchFamily="34" charset="0"/>
-                <a:ea typeface="Calibri" panose="020F0502020204030204" pitchFamily="34" charset="0"/>
-                <a:cs typeface="Calibri" panose="020F0502020204030204" pitchFamily="34" charset="0"/>
-              </a:rPr>
-              <a:t>Requires careful parameter tuning for optimal performance.</a:t>
-            </a:r>
-          </a:p>
-          <a:p>
-            <a:r>
-              <a:rPr lang="en-US" dirty="0">
-                <a:solidFill>
-                  <a:schemeClr val="accent4">
-                    <a:lumMod val="50000"/>
-                  </a:schemeClr>
-                </a:solidFill>
-                <a:latin typeface="Calibri" panose="020F0502020204030204" pitchFamily="34" charset="0"/>
-                <a:ea typeface="Calibri" panose="020F0502020204030204" pitchFamily="34" charset="0"/>
-                <a:cs typeface="Calibri" panose="020F0502020204030204" pitchFamily="34" charset="0"/>
-              </a:rPr>
-              <a:t>Dependency on Categorical Encoding: </a:t>
-            </a:r>
-            <a:r>
-              <a:rPr lang="en-US" dirty="0">
-                <a:latin typeface="Calibri" panose="020F0502020204030204" pitchFamily="34" charset="0"/>
-                <a:ea typeface="Calibri" panose="020F0502020204030204" pitchFamily="34" charset="0"/>
-                <a:cs typeface="Calibri" panose="020F0502020204030204" pitchFamily="34" charset="0"/>
-              </a:rPr>
-              <a:t>Effectiveness depends on proper understanding of categorical features.</a:t>
-            </a:r>
-            <a:endParaRPr lang="en-IN" dirty="0">
-              <a:latin typeface="Calibri" panose="020F0502020204030204" pitchFamily="34" charset="0"/>
-              <a:ea typeface="Calibri" panose="020F0502020204030204" pitchFamily="34" charset="0"/>
-              <a:cs typeface="Calibri" panose="020F0502020204030204" pitchFamily="34" charset="0"/>
-            </a:endParaRPr>
-          </a:p>
-        </p:txBody>
-      </p:sp>
-    </p:spTree>
-    <p:extLst>
-      <p:ext uri="{BB962C8B-B14F-4D97-AF65-F5344CB8AC3E}">
-        <p14:creationId xmlns:p14="http://schemas.microsoft.com/office/powerpoint/2010/main" val="3246016025"/>
-      </p:ext>
-    </p:extLst>
-  </p:cSld>
-  <p:clrMapOvr>
-    <a:masterClrMapping/>
-  </p:clrMapOvr>
-</p:sld>
-</file>
-
-<file path=ppt/slides/slide34.xml><?xml version="1.0" encoding="utf-8"?>
-<p:sld xmlns:a="http://schemas.openxmlformats.org/drawingml/2006/main" xmlns:r="http://schemas.openxmlformats.org/officeDocument/2006/relationships" xmlns:p="http://schemas.openxmlformats.org/presentationml/2006/main">
-  <p:cSld>
-    <p:spTree>
-      <p:nvGrpSpPr>
-        <p:cNvPr id="1" name=""/>
-        <p:cNvGrpSpPr/>
-        <p:nvPr/>
-      </p:nvGrpSpPr>
-      <p:grpSpPr>
-        <a:xfrm>
-          <a:off x="0" y="0"/>
-          <a:ext cx="0" cy="0"/>
-          <a:chOff x="0" y="0"/>
-          <a:chExt cx="0" cy="0"/>
-        </a:xfrm>
-      </p:grpSpPr>
-      <p:pic>
-        <p:nvPicPr>
-          <p:cNvPr id="3" name="Picture 2">
-            <a:extLst>
-              <a:ext uri="{FF2B5EF4-FFF2-40B4-BE49-F238E27FC236}">
-                <a16:creationId xmlns:a16="http://schemas.microsoft.com/office/drawing/2014/main" id="{EC0B58AE-1749-2041-3722-70959C2AEA01}"/>
-              </a:ext>
-            </a:extLst>
-          </p:cNvPr>
-          <p:cNvPicPr>
-            <a:picLocks noChangeAspect="1"/>
-          </p:cNvPicPr>
-          <p:nvPr/>
-        </p:nvPicPr>
-        <p:blipFill>
-          <a:blip r:embed="rId2">
-            <a:extLst>
-              <a:ext uri="{28A0092B-C50C-407E-A947-70E740481C1C}">
-                <a14:useLocalDpi xmlns:a14="http://schemas.microsoft.com/office/drawing/2010/main" val="0"/>
-              </a:ext>
-            </a:extLst>
-          </a:blip>
-          <a:stretch>
-            <a:fillRect/>
-          </a:stretch>
-        </p:blipFill>
-        <p:spPr>
-          <a:xfrm>
-            <a:off x="2309445" y="1652955"/>
-            <a:ext cx="6951785" cy="3141784"/>
-          </a:xfrm>
-          <a:prstGeom prst="rect">
-            <a:avLst/>
-          </a:prstGeom>
-        </p:spPr>
-      </p:pic>
-    </p:spTree>
-    <p:extLst>
-      <p:ext uri="{BB962C8B-B14F-4D97-AF65-F5344CB8AC3E}">
-        <p14:creationId xmlns:p14="http://schemas.microsoft.com/office/powerpoint/2010/main" val="1235580003"/>
-      </p:ext>
-    </p:extLst>
-  </p:cSld>
-  <p:clrMapOvr>
-    <a:masterClrMapping/>
-  </p:clrMapOvr>
-</p:sld>
-</file>
-
-<file path=ppt/slides/slide35.xml><?xml version="1.0" encoding="utf-8"?>
-<p:sld xmlns:a="http://schemas.openxmlformats.org/drawingml/2006/main" xmlns:r="http://schemas.openxmlformats.org/officeDocument/2006/relationships" xmlns:p="http://schemas.openxmlformats.org/presentationml/2006/main">
-  <p:cSld>
-    <p:spTree>
-      <p:nvGrpSpPr>
-        <p:cNvPr id="1" name=""/>
-        <p:cNvGrpSpPr/>
-        <p:nvPr/>
-      </p:nvGrpSpPr>
-      <p:grpSpPr>
-        <a:xfrm>
-          <a:off x="0" y="0"/>
-          <a:ext cx="0" cy="0"/>
-          <a:chOff x="0" y="0"/>
-          <a:chExt cx="0" cy="0"/>
-        </a:xfrm>
-      </p:grpSpPr>
-      <p:sp>
-        <p:nvSpPr>
-          <p:cNvPr id="2" name="Title 1">
-            <a:extLst>
-              <a:ext uri="{FF2B5EF4-FFF2-40B4-BE49-F238E27FC236}">
                 <a16:creationId xmlns:a16="http://schemas.microsoft.com/office/drawing/2014/main" id="{32F59ABD-CFFE-30A3-8B1C-6A9A580A2A8B}"/>
               </a:ext>
             </a:extLst>
@@ -16870,7 +16279,7 @@
 </p:sld>
 </file>
 
-<file path=ppt/slides/slide36.xml><?xml version="1.0" encoding="utf-8"?>
+<file path=ppt/slides/slide32.xml><?xml version="1.0" encoding="utf-8"?>
 <p:sld xmlns:a="http://schemas.openxmlformats.org/drawingml/2006/main" xmlns:r="http://schemas.openxmlformats.org/officeDocument/2006/relationships" xmlns:p="http://schemas.openxmlformats.org/presentationml/2006/main">
   <p:cSld>
     <p:spTree>
@@ -17064,7 +16473,7 @@
 </p:sld>
 </file>
 
-<file path=ppt/slides/slide37.xml><?xml version="1.0" encoding="utf-8"?>
+<file path=ppt/slides/slide33.xml><?xml version="1.0" encoding="utf-8"?>
 <p:sld xmlns:a="http://schemas.openxmlformats.org/drawingml/2006/main" xmlns:r="http://schemas.openxmlformats.org/officeDocument/2006/relationships" xmlns:p="http://schemas.openxmlformats.org/presentationml/2006/main">
   <p:cSld>
     <p:spTree>
@@ -17250,7 +16659,7 @@
 </p:sld>
 </file>
 
-<file path=ppt/slides/slide38.xml><?xml version="1.0" encoding="utf-8"?>
+<file path=ppt/slides/slide34.xml><?xml version="1.0" encoding="utf-8"?>
 <p:sld xmlns:a="http://schemas.openxmlformats.org/drawingml/2006/main" xmlns:r="http://schemas.openxmlformats.org/officeDocument/2006/relationships" xmlns:p="http://schemas.openxmlformats.org/presentationml/2006/main">
   <p:cSld>
     <p:spTree>
@@ -17307,10 +16716,10 @@
       </p:sp>
       <p:pic>
         <p:nvPicPr>
-          <p:cNvPr id="5" name="Content Placeholder 4">
+          <p:cNvPr id="7" name="Content Placeholder 6">
             <a:extLst>
               <a:ext uri="{FF2B5EF4-FFF2-40B4-BE49-F238E27FC236}">
-                <a16:creationId xmlns:a16="http://schemas.microsoft.com/office/drawing/2014/main" id="{266BA918-483E-3BC9-AC7F-709C9BD8576B}"/>
+                <a16:creationId xmlns:a16="http://schemas.microsoft.com/office/drawing/2014/main" id="{A64B41F8-9C60-D017-7A0D-D50F1521FDB9}"/>
               </a:ext>
             </a:extLst>
           </p:cNvPr>
@@ -17335,8 +16744,8 @@
         </p:blipFill>
         <p:spPr>
           <a:xfrm>
-            <a:off x="1969477" y="2097089"/>
-            <a:ext cx="7889631" cy="2568696"/>
+            <a:off x="2063262" y="2274276"/>
+            <a:ext cx="7772400" cy="2860431"/>
           </a:xfrm>
         </p:spPr>
       </p:pic>
@@ -17353,7 +16762,7 @@
 </p:sld>
 </file>
 
-<file path=ppt/slides/slide39.xml><?xml version="1.0" encoding="utf-8"?>
+<file path=ppt/slides/slide35.xml><?xml version="1.0" encoding="utf-8"?>
 <p:sld xmlns:a="http://schemas.openxmlformats.org/drawingml/2006/main" xmlns:r="http://schemas.openxmlformats.org/officeDocument/2006/relationships" xmlns:p="http://schemas.openxmlformats.org/presentationml/2006/main">
   <p:cSld>
     <p:spTree>
@@ -17498,6 +16907,576 @@
     <p:extLst>
       <p:ext uri="{BB962C8B-B14F-4D97-AF65-F5344CB8AC3E}">
         <p14:creationId xmlns:p14="http://schemas.microsoft.com/office/powerpoint/2010/main" val="23149962"/>
+      </p:ext>
+    </p:extLst>
+  </p:cSld>
+  <p:clrMapOvr>
+    <a:masterClrMapping/>
+  </p:clrMapOvr>
+</p:sld>
+</file>
+
+<file path=ppt/slides/slide36.xml><?xml version="1.0" encoding="utf-8"?>
+<p:sld xmlns:a="http://schemas.openxmlformats.org/drawingml/2006/main" xmlns:r="http://schemas.openxmlformats.org/officeDocument/2006/relationships" xmlns:p="http://schemas.openxmlformats.org/presentationml/2006/main">
+  <p:cSld>
+    <p:spTree>
+      <p:nvGrpSpPr>
+        <p:cNvPr id="1" name=""/>
+        <p:cNvGrpSpPr/>
+        <p:nvPr/>
+      </p:nvGrpSpPr>
+      <p:grpSpPr>
+        <a:xfrm>
+          <a:off x="0" y="0"/>
+          <a:ext cx="0" cy="0"/>
+          <a:chOff x="0" y="0"/>
+          <a:chExt cx="0" cy="0"/>
+        </a:xfrm>
+      </p:grpSpPr>
+      <p:sp>
+        <p:nvSpPr>
+          <p:cNvPr id="2" name="Title 1">
+            <a:extLst>
+              <a:ext uri="{FF2B5EF4-FFF2-40B4-BE49-F238E27FC236}">
+                <a16:creationId xmlns:a16="http://schemas.microsoft.com/office/drawing/2014/main" id="{61F4D957-1185-755B-CAD7-8DD5770C0C58}"/>
+              </a:ext>
+            </a:extLst>
+          </p:cNvPr>
+          <p:cNvSpPr>
+            <a:spLocks noGrp="1"/>
+          </p:cNvSpPr>
+          <p:nvPr>
+            <p:ph type="title"/>
+          </p:nvPr>
+        </p:nvSpPr>
+        <p:spPr/>
+        <p:txBody>
+          <a:bodyPr>
+            <a:normAutofit/>
+          </a:bodyPr>
+          <a:lstStyle/>
+          <a:p>
+            <a:r>
+              <a:rPr lang="en-IN" sz="3200" dirty="0">
+                <a:solidFill>
+                  <a:schemeClr val="bg1"/>
+                </a:solidFill>
+                <a:latin typeface="Calibri" panose="020F0502020204030204" pitchFamily="34" charset="0"/>
+                <a:ea typeface="Calibri" panose="020F0502020204030204" pitchFamily="34" charset="0"/>
+                <a:cs typeface="Calibri" panose="020F0502020204030204" pitchFamily="34" charset="0"/>
+              </a:rPr>
+              <a:t>Comparison with Other Algorithms</a:t>
+            </a:r>
+          </a:p>
+        </p:txBody>
+      </p:sp>
+      <p:sp>
+        <p:nvSpPr>
+          <p:cNvPr id="3" name="Content Placeholder 2">
+            <a:extLst>
+              <a:ext uri="{FF2B5EF4-FFF2-40B4-BE49-F238E27FC236}">
+                <a16:creationId xmlns:a16="http://schemas.microsoft.com/office/drawing/2014/main" id="{C53E7230-F579-A644-422D-430174F8D25B}"/>
+              </a:ext>
+            </a:extLst>
+          </p:cNvPr>
+          <p:cNvSpPr>
+            <a:spLocks noGrp="1"/>
+          </p:cNvSpPr>
+          <p:nvPr>
+            <p:ph idx="1"/>
+          </p:nvPr>
+        </p:nvSpPr>
+        <p:spPr/>
+        <p:txBody>
+          <a:bodyPr>
+            <a:normAutofit lnSpcReduction="10000"/>
+          </a:bodyPr>
+          <a:lstStyle/>
+          <a:p>
+            <a:pPr marL="0" indent="0">
+              <a:buNone/>
+            </a:pPr>
+            <a:r>
+              <a:rPr lang="en-US" dirty="0">
+                <a:solidFill>
+                  <a:schemeClr val="accent4">
+                    <a:lumMod val="50000"/>
+                  </a:schemeClr>
+                </a:solidFill>
+              </a:rPr>
+              <a:t>Random Forest vs. Decision Trees:</a:t>
+            </a:r>
+          </a:p>
+          <a:p>
+            <a:pPr marL="0" indent="0">
+              <a:buNone/>
+            </a:pPr>
+            <a:r>
+              <a:rPr lang="en-US" dirty="0"/>
+              <a:t>	Decision Trees: Simple and interpretable, but prone to overfitting.</a:t>
+            </a:r>
+          </a:p>
+          <a:p>
+            <a:pPr marL="0" indent="0">
+              <a:buNone/>
+            </a:pPr>
+            <a:r>
+              <a:rPr lang="en-US" dirty="0"/>
+              <a:t>	Random Forest: More accurate and robust due to ensemble learning.</a:t>
+            </a:r>
+          </a:p>
+          <a:p>
+            <a:pPr marL="0" indent="0">
+              <a:buNone/>
+            </a:pPr>
+            <a:r>
+              <a:rPr lang="en-US" dirty="0">
+                <a:solidFill>
+                  <a:schemeClr val="accent4">
+                    <a:lumMod val="50000"/>
+                  </a:schemeClr>
+                </a:solidFill>
+              </a:rPr>
+              <a:t>Random Forest vs. Gradient Boosting:</a:t>
+            </a:r>
+          </a:p>
+          <a:p>
+            <a:pPr marL="0" indent="0">
+              <a:buNone/>
+            </a:pPr>
+            <a:r>
+              <a:rPr lang="en-US" dirty="0"/>
+              <a:t>	Gradient Boosting: Generally has better accuracy, but slower training times.</a:t>
+            </a:r>
+          </a:p>
+          <a:p>
+            <a:pPr marL="0" indent="0">
+              <a:buNone/>
+            </a:pPr>
+            <a:r>
+              <a:rPr lang="en-US" dirty="0"/>
+              <a:t>	Random Forest: Easier to tune and parallelize.</a:t>
+            </a:r>
+            <a:endParaRPr lang="en-IN" dirty="0"/>
+          </a:p>
+        </p:txBody>
+      </p:sp>
+    </p:spTree>
+    <p:extLst>
+      <p:ext uri="{BB962C8B-B14F-4D97-AF65-F5344CB8AC3E}">
+        <p14:creationId xmlns:p14="http://schemas.microsoft.com/office/powerpoint/2010/main" val="1486791272"/>
+      </p:ext>
+    </p:extLst>
+  </p:cSld>
+  <p:clrMapOvr>
+    <a:masterClrMapping/>
+  </p:clrMapOvr>
+</p:sld>
+</file>
+
+<file path=ppt/slides/slide37.xml><?xml version="1.0" encoding="utf-8"?>
+<p:sld xmlns:a="http://schemas.openxmlformats.org/drawingml/2006/main" xmlns:r="http://schemas.openxmlformats.org/officeDocument/2006/relationships" xmlns:p="http://schemas.openxmlformats.org/presentationml/2006/main">
+  <p:cSld>
+    <p:spTree>
+      <p:nvGrpSpPr>
+        <p:cNvPr id="1" name=""/>
+        <p:cNvGrpSpPr/>
+        <p:nvPr/>
+      </p:nvGrpSpPr>
+      <p:grpSpPr>
+        <a:xfrm>
+          <a:off x="0" y="0"/>
+          <a:ext cx="0" cy="0"/>
+          <a:chOff x="0" y="0"/>
+          <a:chExt cx="0" cy="0"/>
+        </a:xfrm>
+      </p:grpSpPr>
+      <p:pic>
+        <p:nvPicPr>
+          <p:cNvPr id="4" name="Picture 3">
+            <a:extLst>
+              <a:ext uri="{FF2B5EF4-FFF2-40B4-BE49-F238E27FC236}">
+                <a16:creationId xmlns:a16="http://schemas.microsoft.com/office/drawing/2014/main" id="{57E41102-D762-D460-0C4E-3A381639348B}"/>
+              </a:ext>
+            </a:extLst>
+          </p:cNvPr>
+          <p:cNvPicPr>
+            <a:picLocks noChangeAspect="1"/>
+          </p:cNvPicPr>
+          <p:nvPr/>
+        </p:nvPicPr>
+        <p:blipFill>
+          <a:blip r:embed="rId2">
+            <a:extLst>
+              <a:ext uri="{28A0092B-C50C-407E-A947-70E740481C1C}">
+                <a14:useLocalDpi xmlns:a14="http://schemas.microsoft.com/office/drawing/2010/main" val="0"/>
+              </a:ext>
+            </a:extLst>
+          </a:blip>
+          <a:stretch>
+            <a:fillRect/>
+          </a:stretch>
+        </p:blipFill>
+        <p:spPr>
+          <a:xfrm>
+            <a:off x="1535723" y="1301262"/>
+            <a:ext cx="9355015" cy="2954215"/>
+          </a:xfrm>
+          <a:prstGeom prst="rect">
+            <a:avLst/>
+          </a:prstGeom>
+        </p:spPr>
+      </p:pic>
+    </p:spTree>
+    <p:extLst>
+      <p:ext uri="{BB962C8B-B14F-4D97-AF65-F5344CB8AC3E}">
+        <p14:creationId xmlns:p14="http://schemas.microsoft.com/office/powerpoint/2010/main" val="982062668"/>
+      </p:ext>
+    </p:extLst>
+  </p:cSld>
+  <p:clrMapOvr>
+    <a:masterClrMapping/>
+  </p:clrMapOvr>
+</p:sld>
+</file>
+
+<file path=ppt/slides/slide38.xml><?xml version="1.0" encoding="utf-8"?>
+<p:sld xmlns:a="http://schemas.openxmlformats.org/drawingml/2006/main" xmlns:r="http://schemas.openxmlformats.org/officeDocument/2006/relationships" xmlns:p="http://schemas.openxmlformats.org/presentationml/2006/main">
+  <p:cSld>
+    <p:spTree>
+      <p:nvGrpSpPr>
+        <p:cNvPr id="1" name=""/>
+        <p:cNvGrpSpPr/>
+        <p:nvPr/>
+      </p:nvGrpSpPr>
+      <p:grpSpPr>
+        <a:xfrm>
+          <a:off x="0" y="0"/>
+          <a:ext cx="0" cy="0"/>
+          <a:chOff x="0" y="0"/>
+          <a:chExt cx="0" cy="0"/>
+        </a:xfrm>
+      </p:grpSpPr>
+      <p:sp>
+        <p:nvSpPr>
+          <p:cNvPr id="2" name="Title 1">
+            <a:extLst>
+              <a:ext uri="{FF2B5EF4-FFF2-40B4-BE49-F238E27FC236}">
+                <a16:creationId xmlns:a16="http://schemas.microsoft.com/office/drawing/2014/main" id="{6CDBD0B1-8995-E546-BF49-7BFFFA769A87}"/>
+              </a:ext>
+            </a:extLst>
+          </p:cNvPr>
+          <p:cNvSpPr>
+            <a:spLocks noGrp="1"/>
+          </p:cNvSpPr>
+          <p:nvPr>
+            <p:ph type="title"/>
+          </p:nvPr>
+        </p:nvSpPr>
+        <p:spPr/>
+        <p:txBody>
+          <a:bodyPr/>
+          <a:lstStyle/>
+          <a:p>
+            <a:r>
+              <a:rPr lang="en-IN" dirty="0"/>
+              <a:t> </a:t>
+            </a:r>
+            <a:r>
+              <a:rPr lang="en-IN" sz="3200" dirty="0">
+                <a:solidFill>
+                  <a:schemeClr val="bg1"/>
+                </a:solidFill>
+                <a:latin typeface="Calibri" panose="020F0502020204030204" pitchFamily="34" charset="0"/>
+                <a:ea typeface="Calibri" panose="020F0502020204030204" pitchFamily="34" charset="0"/>
+                <a:cs typeface="Calibri" panose="020F0502020204030204" pitchFamily="34" charset="0"/>
+              </a:rPr>
+              <a:t>Model Tuning</a:t>
+            </a:r>
+          </a:p>
+        </p:txBody>
+      </p:sp>
+      <p:sp>
+        <p:nvSpPr>
+          <p:cNvPr id="3" name="Content Placeholder 2">
+            <a:extLst>
+              <a:ext uri="{FF2B5EF4-FFF2-40B4-BE49-F238E27FC236}">
+                <a16:creationId xmlns:a16="http://schemas.microsoft.com/office/drawing/2014/main" id="{14F09801-A1D9-C262-9A03-6C133EE41E34}"/>
+              </a:ext>
+            </a:extLst>
+          </p:cNvPr>
+          <p:cNvSpPr>
+            <a:spLocks noGrp="1"/>
+          </p:cNvSpPr>
+          <p:nvPr>
+            <p:ph idx="1"/>
+          </p:nvPr>
+        </p:nvSpPr>
+        <p:spPr/>
+        <p:txBody>
+          <a:bodyPr>
+            <a:normAutofit fontScale="92500" lnSpcReduction="10000"/>
+          </a:bodyPr>
+          <a:lstStyle/>
+          <a:p>
+            <a:r>
+              <a:rPr lang="en-IN" dirty="0">
+                <a:solidFill>
+                  <a:schemeClr val="accent4">
+                    <a:lumMod val="50000"/>
+                  </a:schemeClr>
+                </a:solidFill>
+              </a:rPr>
+              <a:t>Importance of Hyperparameter Tuning</a:t>
+            </a:r>
+          </a:p>
+          <a:p>
+            <a:r>
+              <a:rPr lang="en-IN" dirty="0"/>
+              <a:t>Fine-tuning parameters to optimize model performance</a:t>
+            </a:r>
+          </a:p>
+          <a:p>
+            <a:r>
+              <a:rPr lang="en-IN" dirty="0"/>
+              <a:t>Techniques for Hyperparameter Tuning</a:t>
+            </a:r>
+          </a:p>
+          <a:p>
+            <a:r>
+              <a:rPr lang="en-IN" dirty="0">
+                <a:solidFill>
+                  <a:schemeClr val="accent4">
+                    <a:lumMod val="50000"/>
+                  </a:schemeClr>
+                </a:solidFill>
+              </a:rPr>
+              <a:t>Grid Search:</a:t>
+            </a:r>
+          </a:p>
+          <a:p>
+            <a:r>
+              <a:rPr lang="en-IN" dirty="0"/>
+              <a:t>Exhaustive search over specified parameter values</a:t>
+            </a:r>
+          </a:p>
+          <a:p>
+            <a:r>
+              <a:rPr lang="en-IN" dirty="0"/>
+              <a:t>Random Search:</a:t>
+            </a:r>
+          </a:p>
+          <a:p>
+            <a:r>
+              <a:rPr lang="en-IN" dirty="0"/>
+              <a:t>Randomly sample parameters, often faster than grid search</a:t>
+            </a:r>
+          </a:p>
+        </p:txBody>
+      </p:sp>
+    </p:spTree>
+    <p:extLst>
+      <p:ext uri="{BB962C8B-B14F-4D97-AF65-F5344CB8AC3E}">
+        <p14:creationId xmlns:p14="http://schemas.microsoft.com/office/powerpoint/2010/main" val="1161349790"/>
+      </p:ext>
+    </p:extLst>
+  </p:cSld>
+  <p:clrMapOvr>
+    <a:masterClrMapping/>
+  </p:clrMapOvr>
+</p:sld>
+</file>
+
+<file path=ppt/slides/slide39.xml><?xml version="1.0" encoding="utf-8"?>
+<p:sld xmlns:a="http://schemas.openxmlformats.org/drawingml/2006/main" xmlns:r="http://schemas.openxmlformats.org/officeDocument/2006/relationships" xmlns:p="http://schemas.openxmlformats.org/presentationml/2006/main">
+  <p:cSld>
+    <p:spTree>
+      <p:nvGrpSpPr>
+        <p:cNvPr id="1" name=""/>
+        <p:cNvGrpSpPr/>
+        <p:nvPr/>
+      </p:nvGrpSpPr>
+      <p:grpSpPr>
+        <a:xfrm>
+          <a:off x="0" y="0"/>
+          <a:ext cx="0" cy="0"/>
+          <a:chOff x="0" y="0"/>
+          <a:chExt cx="0" cy="0"/>
+        </a:xfrm>
+      </p:grpSpPr>
+      <p:sp>
+        <p:nvSpPr>
+          <p:cNvPr id="2" name="Title 1">
+            <a:extLst>
+              <a:ext uri="{FF2B5EF4-FFF2-40B4-BE49-F238E27FC236}">
+                <a16:creationId xmlns:a16="http://schemas.microsoft.com/office/drawing/2014/main" id="{0780CD9E-9EEE-7FA4-44EF-F177A13C978B}"/>
+              </a:ext>
+            </a:extLst>
+          </p:cNvPr>
+          <p:cNvSpPr>
+            <a:spLocks noGrp="1"/>
+          </p:cNvSpPr>
+          <p:nvPr>
+            <p:ph type="title"/>
+          </p:nvPr>
+        </p:nvSpPr>
+        <p:spPr/>
+        <p:txBody>
+          <a:bodyPr>
+            <a:normAutofit/>
+          </a:bodyPr>
+          <a:lstStyle/>
+          <a:p>
+            <a:r>
+              <a:rPr lang="en-IN" sz="3200" dirty="0">
+                <a:solidFill>
+                  <a:schemeClr val="bg1"/>
+                </a:solidFill>
+                <a:latin typeface="Calibri" panose="020F0502020204030204" pitchFamily="34" charset="0"/>
+                <a:ea typeface="Calibri" panose="020F0502020204030204" pitchFamily="34" charset="0"/>
+                <a:cs typeface="Calibri" panose="020F0502020204030204" pitchFamily="34" charset="0"/>
+              </a:rPr>
+              <a:t>Handling Class Imbalance</a:t>
+            </a:r>
+          </a:p>
+        </p:txBody>
+      </p:sp>
+      <p:sp>
+        <p:nvSpPr>
+          <p:cNvPr id="3" name="Content Placeholder 2">
+            <a:extLst>
+              <a:ext uri="{FF2B5EF4-FFF2-40B4-BE49-F238E27FC236}">
+                <a16:creationId xmlns:a16="http://schemas.microsoft.com/office/drawing/2014/main" id="{E2E53785-046E-593C-DF90-E46B1E7DE22D}"/>
+              </a:ext>
+            </a:extLst>
+          </p:cNvPr>
+          <p:cNvSpPr>
+            <a:spLocks noGrp="1"/>
+          </p:cNvSpPr>
+          <p:nvPr>
+            <p:ph idx="1"/>
+          </p:nvPr>
+        </p:nvSpPr>
+        <p:spPr/>
+        <p:txBody>
+          <a:bodyPr>
+            <a:normAutofit/>
+          </a:bodyPr>
+          <a:lstStyle/>
+          <a:p>
+            <a:r>
+              <a:rPr lang="en-US" sz="2000" dirty="0">
+                <a:solidFill>
+                  <a:schemeClr val="accent4">
+                    <a:lumMod val="50000"/>
+                  </a:schemeClr>
+                </a:solidFill>
+                <a:latin typeface="Calibri" panose="020F0502020204030204" pitchFamily="34" charset="0"/>
+                <a:ea typeface="Calibri" panose="020F0502020204030204" pitchFamily="34" charset="0"/>
+                <a:cs typeface="Calibri" panose="020F0502020204030204" pitchFamily="34" charset="0"/>
+              </a:rPr>
+              <a:t>Challenges of Class Imbalance</a:t>
+            </a:r>
+          </a:p>
+          <a:p>
+            <a:r>
+              <a:rPr lang="en-US" sz="2000" dirty="0">
+                <a:latin typeface="Calibri" panose="020F0502020204030204" pitchFamily="34" charset="0"/>
+                <a:ea typeface="Calibri" panose="020F0502020204030204" pitchFamily="34" charset="0"/>
+                <a:cs typeface="Calibri" panose="020F0502020204030204" pitchFamily="34" charset="0"/>
+              </a:rPr>
+              <a:t>Can lead to biased model performance favoring majority classes</a:t>
+            </a:r>
+          </a:p>
+          <a:p>
+            <a:r>
+              <a:rPr lang="en-US" sz="2000" dirty="0">
+                <a:solidFill>
+                  <a:schemeClr val="accent4">
+                    <a:lumMod val="50000"/>
+                  </a:schemeClr>
+                </a:solidFill>
+                <a:latin typeface="Calibri" panose="020F0502020204030204" pitchFamily="34" charset="0"/>
+                <a:ea typeface="Calibri" panose="020F0502020204030204" pitchFamily="34" charset="0"/>
+                <a:cs typeface="Calibri" panose="020F0502020204030204" pitchFamily="34" charset="0"/>
+              </a:rPr>
+              <a:t>Techniques to Address Imbalance</a:t>
+            </a:r>
+          </a:p>
+          <a:p>
+            <a:r>
+              <a:rPr lang="en-US" sz="2000" dirty="0">
+                <a:solidFill>
+                  <a:schemeClr val="bg1"/>
+                </a:solidFill>
+                <a:latin typeface="Calibri" panose="020F0502020204030204" pitchFamily="34" charset="0"/>
+                <a:ea typeface="Calibri" panose="020F0502020204030204" pitchFamily="34" charset="0"/>
+                <a:cs typeface="Calibri" panose="020F0502020204030204" pitchFamily="34" charset="0"/>
+              </a:rPr>
+              <a:t>SMOTE</a:t>
+            </a:r>
+            <a:r>
+              <a:rPr lang="en-US" sz="2000" dirty="0">
+                <a:latin typeface="Calibri" panose="020F0502020204030204" pitchFamily="34" charset="0"/>
+                <a:ea typeface="Calibri" panose="020F0502020204030204" pitchFamily="34" charset="0"/>
+                <a:cs typeface="Calibri" panose="020F0502020204030204" pitchFamily="34" charset="0"/>
+              </a:rPr>
+              <a:t> (Synthetic Minority Over-sampling Technique): Generates synthetic samples for minority classes</a:t>
+            </a:r>
+          </a:p>
+          <a:p>
+            <a:r>
+              <a:rPr lang="en-US" sz="2000" dirty="0">
+                <a:solidFill>
+                  <a:schemeClr val="bg1"/>
+                </a:solidFill>
+                <a:latin typeface="Calibri" panose="020F0502020204030204" pitchFamily="34" charset="0"/>
+                <a:ea typeface="Calibri" panose="020F0502020204030204" pitchFamily="34" charset="0"/>
+                <a:cs typeface="Calibri" panose="020F0502020204030204" pitchFamily="34" charset="0"/>
+              </a:rPr>
+              <a:t>Adjusting Class Weights</a:t>
+            </a:r>
+            <a:r>
+              <a:rPr lang="en-US" sz="2000" dirty="0">
+                <a:latin typeface="Calibri" panose="020F0502020204030204" pitchFamily="34" charset="0"/>
+                <a:ea typeface="Calibri" panose="020F0502020204030204" pitchFamily="34" charset="0"/>
+                <a:cs typeface="Calibri" panose="020F0502020204030204" pitchFamily="34" charset="0"/>
+              </a:rPr>
+              <a:t>: Penalizing the model more for misclassifying minority classes</a:t>
+            </a:r>
+          </a:p>
+          <a:p>
+            <a:r>
+              <a:rPr lang="en-US" sz="2000" dirty="0">
+                <a:solidFill>
+                  <a:schemeClr val="bg1"/>
+                </a:solidFill>
+                <a:latin typeface="Calibri" panose="020F0502020204030204" pitchFamily="34" charset="0"/>
+                <a:ea typeface="Calibri" panose="020F0502020204030204" pitchFamily="34" charset="0"/>
+                <a:cs typeface="Calibri" panose="020F0502020204030204" pitchFamily="34" charset="0"/>
+              </a:rPr>
+              <a:t>Ensemble Methods</a:t>
+            </a:r>
+            <a:r>
+              <a:rPr lang="en-US" sz="2000" dirty="0">
+                <a:latin typeface="Calibri" panose="020F0502020204030204" pitchFamily="34" charset="0"/>
+                <a:ea typeface="Calibri" panose="020F0502020204030204" pitchFamily="34" charset="0"/>
+                <a:cs typeface="Calibri" panose="020F0502020204030204" pitchFamily="34" charset="0"/>
+              </a:rPr>
+              <a:t>: Combining multiple models to improve minority class predictions</a:t>
+            </a:r>
+            <a:endParaRPr lang="en-IN" sz="2000" dirty="0">
+              <a:latin typeface="Calibri" panose="020F0502020204030204" pitchFamily="34" charset="0"/>
+              <a:ea typeface="Calibri" panose="020F0502020204030204" pitchFamily="34" charset="0"/>
+              <a:cs typeface="Calibri" panose="020F0502020204030204" pitchFamily="34" charset="0"/>
+            </a:endParaRPr>
+          </a:p>
+        </p:txBody>
+      </p:sp>
+    </p:spTree>
+    <p:extLst>
+      <p:ext uri="{BB962C8B-B14F-4D97-AF65-F5344CB8AC3E}">
+        <p14:creationId xmlns:p14="http://schemas.microsoft.com/office/powerpoint/2010/main" val="283918245"/>
       </p:ext>
     </p:extLst>
   </p:cSld>
@@ -17663,170 +17642,12 @@
           <a:chExt cx="0" cy="0"/>
         </a:xfrm>
       </p:grpSpPr>
-      <p:sp>
-        <p:nvSpPr>
-          <p:cNvPr id="2" name="Title 1">
+      <p:pic>
+        <p:nvPicPr>
+          <p:cNvPr id="6" name="Picture 5">
             <a:extLst>
               <a:ext uri="{FF2B5EF4-FFF2-40B4-BE49-F238E27FC236}">
-                <a16:creationId xmlns:a16="http://schemas.microsoft.com/office/drawing/2014/main" id="{61F4D957-1185-755B-CAD7-8DD5770C0C58}"/>
-              </a:ext>
-            </a:extLst>
-          </p:cNvPr>
-          <p:cNvSpPr>
-            <a:spLocks noGrp="1"/>
-          </p:cNvSpPr>
-          <p:nvPr>
-            <p:ph type="title"/>
-          </p:nvPr>
-        </p:nvSpPr>
-        <p:spPr/>
-        <p:txBody>
-          <a:bodyPr>
-            <a:normAutofit/>
-          </a:bodyPr>
-          <a:lstStyle/>
-          <a:p>
-            <a:r>
-              <a:rPr lang="en-IN" sz="3200" dirty="0">
-                <a:solidFill>
-                  <a:schemeClr val="bg1"/>
-                </a:solidFill>
-                <a:latin typeface="Calibri" panose="020F0502020204030204" pitchFamily="34" charset="0"/>
-                <a:ea typeface="Calibri" panose="020F0502020204030204" pitchFamily="34" charset="0"/>
-                <a:cs typeface="Calibri" panose="020F0502020204030204" pitchFamily="34" charset="0"/>
-              </a:rPr>
-              <a:t>Comparison with Other Algorithms</a:t>
-            </a:r>
-          </a:p>
-        </p:txBody>
-      </p:sp>
-      <p:sp>
-        <p:nvSpPr>
-          <p:cNvPr id="3" name="Content Placeholder 2">
-            <a:extLst>
-              <a:ext uri="{FF2B5EF4-FFF2-40B4-BE49-F238E27FC236}">
-                <a16:creationId xmlns:a16="http://schemas.microsoft.com/office/drawing/2014/main" id="{C53E7230-F579-A644-422D-430174F8D25B}"/>
-              </a:ext>
-            </a:extLst>
-          </p:cNvPr>
-          <p:cNvSpPr>
-            <a:spLocks noGrp="1"/>
-          </p:cNvSpPr>
-          <p:nvPr>
-            <p:ph idx="1"/>
-          </p:nvPr>
-        </p:nvSpPr>
-        <p:spPr/>
-        <p:txBody>
-          <a:bodyPr>
-            <a:normAutofit lnSpcReduction="10000"/>
-          </a:bodyPr>
-          <a:lstStyle/>
-          <a:p>
-            <a:pPr marL="0" indent="0">
-              <a:buNone/>
-            </a:pPr>
-            <a:r>
-              <a:rPr lang="en-US" dirty="0">
-                <a:solidFill>
-                  <a:schemeClr val="accent4">
-                    <a:lumMod val="50000"/>
-                  </a:schemeClr>
-                </a:solidFill>
-              </a:rPr>
-              <a:t>Random Forest vs. Decision Trees:</a:t>
-            </a:r>
-          </a:p>
-          <a:p>
-            <a:pPr marL="0" indent="0">
-              <a:buNone/>
-            </a:pPr>
-            <a:r>
-              <a:rPr lang="en-US" dirty="0"/>
-              <a:t>	Decision Trees: Simple and interpretable, but prone to overfitting.</a:t>
-            </a:r>
-          </a:p>
-          <a:p>
-            <a:pPr marL="0" indent="0">
-              <a:buNone/>
-            </a:pPr>
-            <a:r>
-              <a:rPr lang="en-US" dirty="0"/>
-              <a:t>	Random Forest: More accurate and robust due to ensemble learning.</a:t>
-            </a:r>
-          </a:p>
-          <a:p>
-            <a:pPr marL="0" indent="0">
-              <a:buNone/>
-            </a:pPr>
-            <a:r>
-              <a:rPr lang="en-US" dirty="0">
-                <a:solidFill>
-                  <a:schemeClr val="accent4">
-                    <a:lumMod val="50000"/>
-                  </a:schemeClr>
-                </a:solidFill>
-              </a:rPr>
-              <a:t>Random Forest vs. Gradient Boosting:</a:t>
-            </a:r>
-          </a:p>
-          <a:p>
-            <a:pPr marL="0" indent="0">
-              <a:buNone/>
-            </a:pPr>
-            <a:r>
-              <a:rPr lang="en-US" dirty="0"/>
-              <a:t>	Gradient Boosting: Generally has better accuracy, but slower training times.</a:t>
-            </a:r>
-          </a:p>
-          <a:p>
-            <a:pPr marL="0" indent="0">
-              <a:buNone/>
-            </a:pPr>
-            <a:r>
-              <a:rPr lang="en-US" dirty="0"/>
-              <a:t>	Random Forest: Easier to tune and parallelize.</a:t>
-            </a:r>
-            <a:endParaRPr lang="en-IN" dirty="0"/>
-          </a:p>
-        </p:txBody>
-      </p:sp>
-    </p:spTree>
-    <p:extLst>
-      <p:ext uri="{BB962C8B-B14F-4D97-AF65-F5344CB8AC3E}">
-        <p14:creationId xmlns:p14="http://schemas.microsoft.com/office/powerpoint/2010/main" val="1486791272"/>
-      </p:ext>
-    </p:extLst>
-  </p:cSld>
-  <p:clrMapOvr>
-    <a:masterClrMapping/>
-  </p:clrMapOvr>
-</p:sld>
-</file>
-
-<file path=ppt/slides/slide41.xml><?xml version="1.0" encoding="utf-8"?>
-<p:sld xmlns:a="http://schemas.openxmlformats.org/drawingml/2006/main" xmlns:r="http://schemas.openxmlformats.org/officeDocument/2006/relationships" xmlns:p="http://schemas.openxmlformats.org/presentationml/2006/main">
-  <p:cSld>
-    <p:spTree>
-      <p:nvGrpSpPr>
-        <p:cNvPr id="1" name=""/>
-        <p:cNvGrpSpPr/>
-        <p:nvPr/>
-      </p:nvGrpSpPr>
-      <p:grpSpPr>
-        <a:xfrm>
-          <a:off x="0" y="0"/>
-          <a:ext cx="0" cy="0"/>
-          <a:chOff x="0" y="0"/>
-          <a:chExt cx="0" cy="0"/>
-        </a:xfrm>
-      </p:grpSpPr>
-      <p:pic>
-        <p:nvPicPr>
-          <p:cNvPr id="3" name="Picture 2">
-            <a:extLst>
-              <a:ext uri="{FF2B5EF4-FFF2-40B4-BE49-F238E27FC236}">
-                <a16:creationId xmlns:a16="http://schemas.microsoft.com/office/drawing/2014/main" id="{93C7BA92-2A96-377D-161C-F3AA993B2B42}"/>
+                <a16:creationId xmlns:a16="http://schemas.microsoft.com/office/drawing/2014/main" id="{E8E41794-56A9-D859-17D3-F8EE091F86D2}"/>
               </a:ext>
             </a:extLst>
           </p:cNvPr>
@@ -17849,431 +17670,20 @@
         </p:blipFill>
         <p:spPr>
           <a:xfrm>
-            <a:off x="1383324" y="890954"/>
-            <a:ext cx="9355014" cy="3927231"/>
+            <a:off x="2133601" y="538818"/>
+            <a:ext cx="6037384" cy="2063705"/>
           </a:xfrm>
           <a:prstGeom prst="rect">
             <a:avLst/>
           </a:prstGeom>
         </p:spPr>
       </p:pic>
-    </p:spTree>
-    <p:extLst>
-      <p:ext uri="{BB962C8B-B14F-4D97-AF65-F5344CB8AC3E}">
-        <p14:creationId xmlns:p14="http://schemas.microsoft.com/office/powerpoint/2010/main" val="982062668"/>
-      </p:ext>
-    </p:extLst>
-  </p:cSld>
-  <p:clrMapOvr>
-    <a:masterClrMapping/>
-  </p:clrMapOvr>
-</p:sld>
-</file>
-
-<file path=ppt/slides/slide42.xml><?xml version="1.0" encoding="utf-8"?>
-<p:sld xmlns:a="http://schemas.openxmlformats.org/drawingml/2006/main" xmlns:r="http://schemas.openxmlformats.org/officeDocument/2006/relationships" xmlns:p="http://schemas.openxmlformats.org/presentationml/2006/main">
-  <p:cSld>
-    <p:spTree>
-      <p:nvGrpSpPr>
-        <p:cNvPr id="1" name=""/>
-        <p:cNvGrpSpPr/>
-        <p:nvPr/>
-      </p:nvGrpSpPr>
-      <p:grpSpPr>
-        <a:xfrm>
-          <a:off x="0" y="0"/>
-          <a:ext cx="0" cy="0"/>
-          <a:chOff x="0" y="0"/>
-          <a:chExt cx="0" cy="0"/>
-        </a:xfrm>
-      </p:grpSpPr>
-      <p:sp>
-        <p:nvSpPr>
-          <p:cNvPr id="2" name="Title 1">
+      <p:pic>
+        <p:nvPicPr>
+          <p:cNvPr id="9" name="Picture 8">
             <a:extLst>
               <a:ext uri="{FF2B5EF4-FFF2-40B4-BE49-F238E27FC236}">
-                <a16:creationId xmlns:a16="http://schemas.microsoft.com/office/drawing/2014/main" id="{6CDBD0B1-8995-E546-BF49-7BFFFA769A87}"/>
-              </a:ext>
-            </a:extLst>
-          </p:cNvPr>
-          <p:cNvSpPr>
-            <a:spLocks noGrp="1"/>
-          </p:cNvSpPr>
-          <p:nvPr>
-            <p:ph type="title"/>
-          </p:nvPr>
-        </p:nvSpPr>
-        <p:spPr/>
-        <p:txBody>
-          <a:bodyPr/>
-          <a:lstStyle/>
-          <a:p>
-            <a:r>
-              <a:rPr lang="en-IN" dirty="0"/>
-              <a:t> </a:t>
-            </a:r>
-            <a:r>
-              <a:rPr lang="en-IN" sz="3200" dirty="0">
-                <a:solidFill>
-                  <a:schemeClr val="bg1"/>
-                </a:solidFill>
-                <a:latin typeface="Calibri" panose="020F0502020204030204" pitchFamily="34" charset="0"/>
-                <a:ea typeface="Calibri" panose="020F0502020204030204" pitchFamily="34" charset="0"/>
-                <a:cs typeface="Calibri" panose="020F0502020204030204" pitchFamily="34" charset="0"/>
-              </a:rPr>
-              <a:t>Model Tuning</a:t>
-            </a:r>
-          </a:p>
-        </p:txBody>
-      </p:sp>
-      <p:sp>
-        <p:nvSpPr>
-          <p:cNvPr id="3" name="Content Placeholder 2">
-            <a:extLst>
-              <a:ext uri="{FF2B5EF4-FFF2-40B4-BE49-F238E27FC236}">
-                <a16:creationId xmlns:a16="http://schemas.microsoft.com/office/drawing/2014/main" id="{14F09801-A1D9-C262-9A03-6C133EE41E34}"/>
-              </a:ext>
-            </a:extLst>
-          </p:cNvPr>
-          <p:cNvSpPr>
-            <a:spLocks noGrp="1"/>
-          </p:cNvSpPr>
-          <p:nvPr>
-            <p:ph idx="1"/>
-          </p:nvPr>
-        </p:nvSpPr>
-        <p:spPr/>
-        <p:txBody>
-          <a:bodyPr>
-            <a:normAutofit fontScale="92500" lnSpcReduction="10000"/>
-          </a:bodyPr>
-          <a:lstStyle/>
-          <a:p>
-            <a:r>
-              <a:rPr lang="en-IN" dirty="0">
-                <a:solidFill>
-                  <a:schemeClr val="accent4">
-                    <a:lumMod val="50000"/>
-                  </a:schemeClr>
-                </a:solidFill>
-              </a:rPr>
-              <a:t>Importance of Hyperparameter Tuning</a:t>
-            </a:r>
-          </a:p>
-          <a:p>
-            <a:r>
-              <a:rPr lang="en-IN" dirty="0"/>
-              <a:t>Fine-tuning parameters to optimize model performance</a:t>
-            </a:r>
-          </a:p>
-          <a:p>
-            <a:r>
-              <a:rPr lang="en-IN" dirty="0"/>
-              <a:t>Techniques for Hyperparameter Tuning</a:t>
-            </a:r>
-          </a:p>
-          <a:p>
-            <a:r>
-              <a:rPr lang="en-IN" dirty="0">
-                <a:solidFill>
-                  <a:schemeClr val="accent4">
-                    <a:lumMod val="50000"/>
-                  </a:schemeClr>
-                </a:solidFill>
-              </a:rPr>
-              <a:t>Grid Search:</a:t>
-            </a:r>
-          </a:p>
-          <a:p>
-            <a:r>
-              <a:rPr lang="en-IN" dirty="0"/>
-              <a:t>Exhaustive search over specified parameter values</a:t>
-            </a:r>
-          </a:p>
-          <a:p>
-            <a:r>
-              <a:rPr lang="en-IN" dirty="0"/>
-              <a:t>Random Search:</a:t>
-            </a:r>
-          </a:p>
-          <a:p>
-            <a:r>
-              <a:rPr lang="en-IN" dirty="0"/>
-              <a:t>Randomly sample parameters, often faster than grid search</a:t>
-            </a:r>
-          </a:p>
-        </p:txBody>
-      </p:sp>
-    </p:spTree>
-    <p:extLst>
-      <p:ext uri="{BB962C8B-B14F-4D97-AF65-F5344CB8AC3E}">
-        <p14:creationId xmlns:p14="http://schemas.microsoft.com/office/powerpoint/2010/main" val="1161349790"/>
-      </p:ext>
-    </p:extLst>
-  </p:cSld>
-  <p:clrMapOvr>
-    <a:masterClrMapping/>
-  </p:clrMapOvr>
-</p:sld>
-</file>
-
-<file path=ppt/slides/slide43.xml><?xml version="1.0" encoding="utf-8"?>
-<p:sld xmlns:a="http://schemas.openxmlformats.org/drawingml/2006/main" xmlns:r="http://schemas.openxmlformats.org/officeDocument/2006/relationships" xmlns:p="http://schemas.openxmlformats.org/presentationml/2006/main">
-  <p:cSld>
-    <p:spTree>
-      <p:nvGrpSpPr>
-        <p:cNvPr id="1" name=""/>
-        <p:cNvGrpSpPr/>
-        <p:nvPr/>
-      </p:nvGrpSpPr>
-      <p:grpSpPr>
-        <a:xfrm>
-          <a:off x="0" y="0"/>
-          <a:ext cx="0" cy="0"/>
-          <a:chOff x="0" y="0"/>
-          <a:chExt cx="0" cy="0"/>
-        </a:xfrm>
-      </p:grpSpPr>
-      <p:sp>
-        <p:nvSpPr>
-          <p:cNvPr id="2" name="Title 1">
-            <a:extLst>
-              <a:ext uri="{FF2B5EF4-FFF2-40B4-BE49-F238E27FC236}">
-                <a16:creationId xmlns:a16="http://schemas.microsoft.com/office/drawing/2014/main" id="{0780CD9E-9EEE-7FA4-44EF-F177A13C978B}"/>
-              </a:ext>
-            </a:extLst>
-          </p:cNvPr>
-          <p:cNvSpPr>
-            <a:spLocks noGrp="1"/>
-          </p:cNvSpPr>
-          <p:nvPr>
-            <p:ph type="title"/>
-          </p:nvPr>
-        </p:nvSpPr>
-        <p:spPr/>
-        <p:txBody>
-          <a:bodyPr>
-            <a:normAutofit/>
-          </a:bodyPr>
-          <a:lstStyle/>
-          <a:p>
-            <a:r>
-              <a:rPr lang="en-IN" sz="3200" dirty="0">
-                <a:solidFill>
-                  <a:schemeClr val="bg1"/>
-                </a:solidFill>
-                <a:latin typeface="Calibri" panose="020F0502020204030204" pitchFamily="34" charset="0"/>
-                <a:ea typeface="Calibri" panose="020F0502020204030204" pitchFamily="34" charset="0"/>
-                <a:cs typeface="Calibri" panose="020F0502020204030204" pitchFamily="34" charset="0"/>
-              </a:rPr>
-              <a:t>Handling Class Imbalance</a:t>
-            </a:r>
-          </a:p>
-        </p:txBody>
-      </p:sp>
-      <p:sp>
-        <p:nvSpPr>
-          <p:cNvPr id="3" name="Content Placeholder 2">
-            <a:extLst>
-              <a:ext uri="{FF2B5EF4-FFF2-40B4-BE49-F238E27FC236}">
-                <a16:creationId xmlns:a16="http://schemas.microsoft.com/office/drawing/2014/main" id="{E2E53785-046E-593C-DF90-E46B1E7DE22D}"/>
-              </a:ext>
-            </a:extLst>
-          </p:cNvPr>
-          <p:cNvSpPr>
-            <a:spLocks noGrp="1"/>
-          </p:cNvSpPr>
-          <p:nvPr>
-            <p:ph idx="1"/>
-          </p:nvPr>
-        </p:nvSpPr>
-        <p:spPr/>
-        <p:txBody>
-          <a:bodyPr>
-            <a:normAutofit/>
-          </a:bodyPr>
-          <a:lstStyle/>
-          <a:p>
-            <a:r>
-              <a:rPr lang="en-US" sz="2000" dirty="0">
-                <a:solidFill>
-                  <a:schemeClr val="accent4">
-                    <a:lumMod val="50000"/>
-                  </a:schemeClr>
-                </a:solidFill>
-                <a:latin typeface="Calibri" panose="020F0502020204030204" pitchFamily="34" charset="0"/>
-                <a:ea typeface="Calibri" panose="020F0502020204030204" pitchFamily="34" charset="0"/>
-                <a:cs typeface="Calibri" panose="020F0502020204030204" pitchFamily="34" charset="0"/>
-              </a:rPr>
-              <a:t>Challenges of Class Imbalance</a:t>
-            </a:r>
-          </a:p>
-          <a:p>
-            <a:r>
-              <a:rPr lang="en-US" sz="2000" dirty="0">
-                <a:latin typeface="Calibri" panose="020F0502020204030204" pitchFamily="34" charset="0"/>
-                <a:ea typeface="Calibri" panose="020F0502020204030204" pitchFamily="34" charset="0"/>
-                <a:cs typeface="Calibri" panose="020F0502020204030204" pitchFamily="34" charset="0"/>
-              </a:rPr>
-              <a:t>Can lead to biased model performance favoring majority classes</a:t>
-            </a:r>
-          </a:p>
-          <a:p>
-            <a:r>
-              <a:rPr lang="en-US" sz="2000" dirty="0">
-                <a:solidFill>
-                  <a:schemeClr val="accent4">
-                    <a:lumMod val="50000"/>
-                  </a:schemeClr>
-                </a:solidFill>
-                <a:latin typeface="Calibri" panose="020F0502020204030204" pitchFamily="34" charset="0"/>
-                <a:ea typeface="Calibri" panose="020F0502020204030204" pitchFamily="34" charset="0"/>
-                <a:cs typeface="Calibri" panose="020F0502020204030204" pitchFamily="34" charset="0"/>
-              </a:rPr>
-              <a:t>Techniques to Address Imbalance</a:t>
-            </a:r>
-          </a:p>
-          <a:p>
-            <a:r>
-              <a:rPr lang="en-US" sz="2000" dirty="0">
-                <a:solidFill>
-                  <a:schemeClr val="bg1"/>
-                </a:solidFill>
-                <a:latin typeface="Calibri" panose="020F0502020204030204" pitchFamily="34" charset="0"/>
-                <a:ea typeface="Calibri" panose="020F0502020204030204" pitchFamily="34" charset="0"/>
-                <a:cs typeface="Calibri" panose="020F0502020204030204" pitchFamily="34" charset="0"/>
-              </a:rPr>
-              <a:t>SMOTE</a:t>
-            </a:r>
-            <a:r>
-              <a:rPr lang="en-US" sz="2000" dirty="0">
-                <a:latin typeface="Calibri" panose="020F0502020204030204" pitchFamily="34" charset="0"/>
-                <a:ea typeface="Calibri" panose="020F0502020204030204" pitchFamily="34" charset="0"/>
-                <a:cs typeface="Calibri" panose="020F0502020204030204" pitchFamily="34" charset="0"/>
-              </a:rPr>
-              <a:t> (Synthetic Minority Over-sampling Technique): Generates synthetic samples for minority classes</a:t>
-            </a:r>
-          </a:p>
-          <a:p>
-            <a:r>
-              <a:rPr lang="en-US" sz="2000" dirty="0">
-                <a:solidFill>
-                  <a:schemeClr val="bg1"/>
-                </a:solidFill>
-                <a:latin typeface="Calibri" panose="020F0502020204030204" pitchFamily="34" charset="0"/>
-                <a:ea typeface="Calibri" panose="020F0502020204030204" pitchFamily="34" charset="0"/>
-                <a:cs typeface="Calibri" panose="020F0502020204030204" pitchFamily="34" charset="0"/>
-              </a:rPr>
-              <a:t>Adjusting Class Weights</a:t>
-            </a:r>
-            <a:r>
-              <a:rPr lang="en-US" sz="2000" dirty="0">
-                <a:latin typeface="Calibri" panose="020F0502020204030204" pitchFamily="34" charset="0"/>
-                <a:ea typeface="Calibri" panose="020F0502020204030204" pitchFamily="34" charset="0"/>
-                <a:cs typeface="Calibri" panose="020F0502020204030204" pitchFamily="34" charset="0"/>
-              </a:rPr>
-              <a:t>: Penalizing the model more for misclassifying minority classes</a:t>
-            </a:r>
-          </a:p>
-          <a:p>
-            <a:r>
-              <a:rPr lang="en-US" sz="2000" dirty="0">
-                <a:solidFill>
-                  <a:schemeClr val="bg1"/>
-                </a:solidFill>
-                <a:latin typeface="Calibri" panose="020F0502020204030204" pitchFamily="34" charset="0"/>
-                <a:ea typeface="Calibri" panose="020F0502020204030204" pitchFamily="34" charset="0"/>
-                <a:cs typeface="Calibri" panose="020F0502020204030204" pitchFamily="34" charset="0"/>
-              </a:rPr>
-              <a:t>Ensemble Methods</a:t>
-            </a:r>
-            <a:r>
-              <a:rPr lang="en-US" sz="2000" dirty="0">
-                <a:latin typeface="Calibri" panose="020F0502020204030204" pitchFamily="34" charset="0"/>
-                <a:ea typeface="Calibri" panose="020F0502020204030204" pitchFamily="34" charset="0"/>
-                <a:cs typeface="Calibri" panose="020F0502020204030204" pitchFamily="34" charset="0"/>
-              </a:rPr>
-              <a:t>: Combining multiple models to improve minority class predictions</a:t>
-            </a:r>
-            <a:endParaRPr lang="en-IN" sz="2000" dirty="0">
-              <a:latin typeface="Calibri" panose="020F0502020204030204" pitchFamily="34" charset="0"/>
-              <a:ea typeface="Calibri" panose="020F0502020204030204" pitchFamily="34" charset="0"/>
-              <a:cs typeface="Calibri" panose="020F0502020204030204" pitchFamily="34" charset="0"/>
-            </a:endParaRPr>
-          </a:p>
-        </p:txBody>
-      </p:sp>
-    </p:spTree>
-    <p:extLst>
-      <p:ext uri="{BB962C8B-B14F-4D97-AF65-F5344CB8AC3E}">
-        <p14:creationId xmlns:p14="http://schemas.microsoft.com/office/powerpoint/2010/main" val="283918245"/>
-      </p:ext>
-    </p:extLst>
-  </p:cSld>
-  <p:clrMapOvr>
-    <a:masterClrMapping/>
-  </p:clrMapOvr>
-</p:sld>
-</file>
-
-<file path=ppt/slides/slide44.xml><?xml version="1.0" encoding="utf-8"?>
-<p:sld xmlns:a="http://schemas.openxmlformats.org/drawingml/2006/main" xmlns:r="http://schemas.openxmlformats.org/officeDocument/2006/relationships" xmlns:p="http://schemas.openxmlformats.org/presentationml/2006/main">
-  <p:cSld>
-    <p:spTree>
-      <p:nvGrpSpPr>
-        <p:cNvPr id="1" name=""/>
-        <p:cNvGrpSpPr/>
-        <p:nvPr/>
-      </p:nvGrpSpPr>
-      <p:grpSpPr>
-        <a:xfrm>
-          <a:off x="0" y="0"/>
-          <a:ext cx="0" cy="0"/>
-          <a:chOff x="0" y="0"/>
-          <a:chExt cx="0" cy="0"/>
-        </a:xfrm>
-      </p:grpSpPr>
-      <p:pic>
-        <p:nvPicPr>
-          <p:cNvPr id="5" name="Content Placeholder 4">
-            <a:extLst>
-              <a:ext uri="{FF2B5EF4-FFF2-40B4-BE49-F238E27FC236}">
-                <a16:creationId xmlns:a16="http://schemas.microsoft.com/office/drawing/2014/main" id="{16811ADA-D80D-41AF-BB43-5A0B1C87501C}"/>
-              </a:ext>
-            </a:extLst>
-          </p:cNvPr>
-          <p:cNvPicPr>
-            <a:picLocks noGrp="1" noChangeAspect="1"/>
-          </p:cNvPicPr>
-          <p:nvPr>
-            <p:ph idx="1"/>
-          </p:nvPr>
-        </p:nvPicPr>
-        <p:blipFill>
-          <a:blip r:embed="rId2">
-            <a:extLst>
-              <a:ext uri="{28A0092B-C50C-407E-A947-70E740481C1C}">
-                <a14:useLocalDpi xmlns:a14="http://schemas.microsoft.com/office/drawing/2010/main" val="0"/>
-              </a:ext>
-            </a:extLst>
-          </a:blip>
-          <a:stretch>
-            <a:fillRect/>
-          </a:stretch>
-        </p:blipFill>
-        <p:spPr>
-          <a:xfrm>
-            <a:off x="1899139" y="457200"/>
-            <a:ext cx="7866184" cy="2256692"/>
-          </a:xfrm>
-        </p:spPr>
-      </p:pic>
-      <p:pic>
-        <p:nvPicPr>
-          <p:cNvPr id="7" name="Picture 6">
-            <a:extLst>
-              <a:ext uri="{FF2B5EF4-FFF2-40B4-BE49-F238E27FC236}">
-                <a16:creationId xmlns:a16="http://schemas.microsoft.com/office/drawing/2014/main" id="{0C592469-4839-585F-E209-13E386120B3B}"/>
+                <a16:creationId xmlns:a16="http://schemas.microsoft.com/office/drawing/2014/main" id="{8DEAEFC4-0FEB-1A38-0D13-70852C7B7E63}"/>
               </a:ext>
             </a:extLst>
           </p:cNvPr>
@@ -18296,8 +17706,8 @@
         </p:blipFill>
         <p:spPr>
           <a:xfrm>
-            <a:off x="1899138" y="2895525"/>
-            <a:ext cx="7983415" cy="2602598"/>
+            <a:off x="2133602" y="3276600"/>
+            <a:ext cx="6037384" cy="2315751"/>
           </a:xfrm>
           <a:prstGeom prst="rect">
             <a:avLst/>
@@ -18317,7 +17727,7 @@
 </p:sld>
 </file>
 
-<file path=ppt/slides/slide45.xml><?xml version="1.0" encoding="utf-8"?>
+<file path=ppt/slides/slide41.xml><?xml version="1.0" encoding="utf-8"?>
 <p:sld xmlns:a="http://schemas.openxmlformats.org/drawingml/2006/main" xmlns:r="http://schemas.openxmlformats.org/officeDocument/2006/relationships" xmlns:p="http://schemas.openxmlformats.org/presentationml/2006/main">
   <p:cSld>
     <p:spTree>
@@ -18431,7 +17841,7 @@
 </p:sld>
 </file>
 
-<file path=ppt/slides/slide46.xml><?xml version="1.0" encoding="utf-8"?>
+<file path=ppt/slides/slide42.xml><?xml version="1.0" encoding="utf-8"?>
 <p:sld xmlns:a="http://schemas.openxmlformats.org/drawingml/2006/main" xmlns:r="http://schemas.openxmlformats.org/officeDocument/2006/relationships" xmlns:p="http://schemas.openxmlformats.org/presentationml/2006/main">
   <p:cSld>
     <p:spTree>
@@ -18595,7 +18005,7 @@
 </p:sld>
 </file>
 
-<file path=ppt/slides/slide47.xml><?xml version="1.0" encoding="utf-8"?>
+<file path=ppt/slides/slide43.xml><?xml version="1.0" encoding="utf-8"?>
 <p:sld xmlns:a="http://schemas.openxmlformats.org/drawingml/2006/main" xmlns:r="http://schemas.openxmlformats.org/officeDocument/2006/relationships" xmlns:p="http://schemas.openxmlformats.org/presentationml/2006/main">
   <p:cSld>
     <p:spTree>
@@ -18735,7 +18145,7 @@
 </p:sld>
 </file>
 
-<file path=ppt/slides/slide48.xml><?xml version="1.0" encoding="utf-8"?>
+<file path=ppt/slides/slide44.xml><?xml version="1.0" encoding="utf-8"?>
 <p:sld xmlns:a="http://schemas.openxmlformats.org/drawingml/2006/main" xmlns:r="http://schemas.openxmlformats.org/officeDocument/2006/relationships" xmlns:p="http://schemas.openxmlformats.org/presentationml/2006/main">
   <p:cSld>
     <p:spTree>
@@ -18911,7 +18321,7 @@
 </p:sld>
 </file>
 
-<file path=ppt/slides/slide49.xml><?xml version="1.0" encoding="utf-8"?>
+<file path=ppt/slides/slide45.xml><?xml version="1.0" encoding="utf-8"?>
 <p:sld xmlns:a="http://schemas.openxmlformats.org/drawingml/2006/main" xmlns:r="http://schemas.openxmlformats.org/officeDocument/2006/relationships" xmlns:p="http://schemas.openxmlformats.org/presentationml/2006/main">
   <p:cSld>
     <p:spTree>
@@ -19066,6 +18476,317 @@
     <p:extLst>
       <p:ext uri="{BB962C8B-B14F-4D97-AF65-F5344CB8AC3E}">
         <p14:creationId xmlns:p14="http://schemas.microsoft.com/office/powerpoint/2010/main" val="2115350718"/>
+      </p:ext>
+    </p:extLst>
+  </p:cSld>
+  <p:clrMapOvr>
+    <a:masterClrMapping/>
+  </p:clrMapOvr>
+</p:sld>
+</file>
+
+<file path=ppt/slides/slide46.xml><?xml version="1.0" encoding="utf-8"?>
+<p:sld xmlns:a="http://schemas.openxmlformats.org/drawingml/2006/main" xmlns:r="http://schemas.openxmlformats.org/officeDocument/2006/relationships" xmlns:p="http://schemas.openxmlformats.org/presentationml/2006/main">
+  <p:cSld>
+    <p:spTree>
+      <p:nvGrpSpPr>
+        <p:cNvPr id="1" name=""/>
+        <p:cNvGrpSpPr/>
+        <p:nvPr/>
+      </p:nvGrpSpPr>
+      <p:grpSpPr>
+        <a:xfrm>
+          <a:off x="0" y="0"/>
+          <a:ext cx="0" cy="0"/>
+          <a:chOff x="0" y="0"/>
+          <a:chExt cx="0" cy="0"/>
+        </a:xfrm>
+      </p:grpSpPr>
+      <p:sp>
+        <p:nvSpPr>
+          <p:cNvPr id="2" name="Title 1">
+            <a:extLst>
+              <a:ext uri="{FF2B5EF4-FFF2-40B4-BE49-F238E27FC236}">
+                <a16:creationId xmlns:a16="http://schemas.microsoft.com/office/drawing/2014/main" id="{5604AC4D-E8E0-D64C-5F38-09C4DEF9535C}"/>
+              </a:ext>
+            </a:extLst>
+          </p:cNvPr>
+          <p:cNvSpPr>
+            <a:spLocks noGrp="1"/>
+          </p:cNvSpPr>
+          <p:nvPr>
+            <p:ph type="title"/>
+          </p:nvPr>
+        </p:nvSpPr>
+        <p:spPr/>
+        <p:txBody>
+          <a:bodyPr>
+            <a:normAutofit/>
+          </a:bodyPr>
+          <a:lstStyle/>
+          <a:p>
+            <a:r>
+              <a:rPr lang="en-US" sz="3200" b="1" i="0" u="none" strike="noStrike" dirty="0">
+                <a:solidFill>
+                  <a:srgbClr val="000000"/>
+                </a:solidFill>
+                <a:effectLst/>
+                <a:latin typeface="Calibri" panose="020F0502020204030204" pitchFamily="34" charset="0"/>
+                <a:ea typeface="Calibri" panose="020F0502020204030204" pitchFamily="34" charset="0"/>
+                <a:cs typeface="Calibri" panose="020F0502020204030204" pitchFamily="34" charset="0"/>
+              </a:rPr>
+              <a:t>Final Evaluation on Test Set</a:t>
+            </a:r>
+            <a:endParaRPr lang="en-IN" sz="3200" dirty="0">
+              <a:latin typeface="Calibri" panose="020F0502020204030204" pitchFamily="34" charset="0"/>
+              <a:ea typeface="Calibri" panose="020F0502020204030204" pitchFamily="34" charset="0"/>
+              <a:cs typeface="Calibri" panose="020F0502020204030204" pitchFamily="34" charset="0"/>
+            </a:endParaRPr>
+          </a:p>
+        </p:txBody>
+      </p:sp>
+      <p:pic>
+        <p:nvPicPr>
+          <p:cNvPr id="7" name="Content Placeholder 6">
+            <a:extLst>
+              <a:ext uri="{FF2B5EF4-FFF2-40B4-BE49-F238E27FC236}">
+                <a16:creationId xmlns:a16="http://schemas.microsoft.com/office/drawing/2014/main" id="{5BF1CF01-38FE-EAE7-4E21-39B5866C649B}"/>
+              </a:ext>
+            </a:extLst>
+          </p:cNvPr>
+          <p:cNvPicPr>
+            <a:picLocks noGrp="1" noChangeAspect="1"/>
+          </p:cNvPicPr>
+          <p:nvPr>
+            <p:ph idx="1"/>
+          </p:nvPr>
+        </p:nvPicPr>
+        <p:blipFill>
+          <a:blip r:embed="rId2">
+            <a:extLst>
+              <a:ext uri="{28A0092B-C50C-407E-A947-70E740481C1C}">
+                <a14:useLocalDpi xmlns:a14="http://schemas.microsoft.com/office/drawing/2010/main" val="0"/>
+              </a:ext>
+            </a:extLst>
+          </a:blip>
+          <a:stretch>
+            <a:fillRect/>
+          </a:stretch>
+        </p:blipFill>
+        <p:spPr>
+          <a:xfrm>
+            <a:off x="2250832" y="2414955"/>
+            <a:ext cx="7221414" cy="2801814"/>
+          </a:xfrm>
+        </p:spPr>
+      </p:pic>
+    </p:spTree>
+    <p:extLst>
+      <p:ext uri="{BB962C8B-B14F-4D97-AF65-F5344CB8AC3E}">
+        <p14:creationId xmlns:p14="http://schemas.microsoft.com/office/powerpoint/2010/main" val="1535658590"/>
+      </p:ext>
+    </p:extLst>
+  </p:cSld>
+  <p:clrMapOvr>
+    <a:masterClrMapping/>
+  </p:clrMapOvr>
+</p:sld>
+</file>
+
+<file path=ppt/slides/slide47.xml><?xml version="1.0" encoding="utf-8"?>
+<p:sld xmlns:a="http://schemas.openxmlformats.org/drawingml/2006/main" xmlns:r="http://schemas.openxmlformats.org/officeDocument/2006/relationships" xmlns:p="http://schemas.openxmlformats.org/presentationml/2006/main">
+  <p:cSld>
+    <p:spTree>
+      <p:nvGrpSpPr>
+        <p:cNvPr id="1" name=""/>
+        <p:cNvGrpSpPr/>
+        <p:nvPr/>
+      </p:nvGrpSpPr>
+      <p:grpSpPr>
+        <a:xfrm>
+          <a:off x="0" y="0"/>
+          <a:ext cx="0" cy="0"/>
+          <a:chOff x="0" y="0"/>
+          <a:chExt cx="0" cy="0"/>
+        </a:xfrm>
+      </p:grpSpPr>
+      <p:sp>
+        <p:nvSpPr>
+          <p:cNvPr id="2" name="Title 1">
+            <a:extLst>
+              <a:ext uri="{FF2B5EF4-FFF2-40B4-BE49-F238E27FC236}">
+                <a16:creationId xmlns:a16="http://schemas.microsoft.com/office/drawing/2014/main" id="{DFBAB713-487B-CCEF-54AD-BE3F4A35B284}"/>
+              </a:ext>
+            </a:extLst>
+          </p:cNvPr>
+          <p:cNvSpPr>
+            <a:spLocks noGrp="1"/>
+          </p:cNvSpPr>
+          <p:nvPr>
+            <p:ph type="title"/>
+          </p:nvPr>
+        </p:nvSpPr>
+        <p:spPr/>
+        <p:txBody>
+          <a:bodyPr>
+            <a:normAutofit/>
+          </a:bodyPr>
+          <a:lstStyle/>
+          <a:p>
+            <a:r>
+              <a:rPr lang="en-IN" sz="3200" dirty="0">
+                <a:solidFill>
+                  <a:schemeClr val="bg1"/>
+                </a:solidFill>
+                <a:latin typeface="Calibri" panose="020F0502020204030204" pitchFamily="34" charset="0"/>
+                <a:ea typeface="Calibri" panose="020F0502020204030204" pitchFamily="34" charset="0"/>
+                <a:cs typeface="Calibri" panose="020F0502020204030204" pitchFamily="34" charset="0"/>
+              </a:rPr>
+              <a:t>Conclusion</a:t>
+            </a:r>
+          </a:p>
+        </p:txBody>
+      </p:sp>
+      <p:sp>
+        <p:nvSpPr>
+          <p:cNvPr id="3" name="Content Placeholder 2">
+            <a:extLst>
+              <a:ext uri="{FF2B5EF4-FFF2-40B4-BE49-F238E27FC236}">
+                <a16:creationId xmlns:a16="http://schemas.microsoft.com/office/drawing/2014/main" id="{745C6758-A230-E57D-5704-EA785471D620}"/>
+              </a:ext>
+            </a:extLst>
+          </p:cNvPr>
+          <p:cNvSpPr>
+            <a:spLocks noGrp="1"/>
+          </p:cNvSpPr>
+          <p:nvPr>
+            <p:ph idx="1"/>
+          </p:nvPr>
+        </p:nvSpPr>
+        <p:spPr/>
+        <p:txBody>
+          <a:bodyPr>
+            <a:normAutofit lnSpcReduction="10000"/>
+          </a:bodyPr>
+          <a:lstStyle/>
+          <a:p>
+            <a:r>
+              <a:rPr lang="en-US" dirty="0">
+                <a:latin typeface="Calibri" panose="020F0502020204030204" pitchFamily="34" charset="0"/>
+                <a:ea typeface="Calibri" panose="020F0502020204030204" pitchFamily="34" charset="0"/>
+                <a:cs typeface="Calibri" panose="020F0502020204030204" pitchFamily="34" charset="0"/>
+              </a:rPr>
+              <a:t>Based on the analysis and model evaluation, we found that the Random Forest model, after hyperparameter tuning and addressing class imbalance with SMOTE, achieved the best performance on the test dataset, surpassing the baseline models and other models like Logistic Regression, XGBoost, KNN, Decision Tree, and Catboost.</a:t>
+            </a:r>
+          </a:p>
+          <a:p>
+            <a:r>
+              <a:rPr lang="en-US" dirty="0">
+                <a:latin typeface="Calibri" panose="020F0502020204030204" pitchFamily="34" charset="0"/>
+                <a:ea typeface="Calibri" panose="020F0502020204030204" pitchFamily="34" charset="0"/>
+                <a:cs typeface="Calibri" panose="020F0502020204030204" pitchFamily="34" charset="0"/>
+              </a:rPr>
+              <a:t>The model's effectiveness is further highlighted by its ability to correctly classify a significant portion of the samples and demonstrates improvements over the baseline F1-score, precision, and recall.</a:t>
+            </a:r>
+          </a:p>
+        </p:txBody>
+      </p:sp>
+    </p:spTree>
+    <p:extLst>
+      <p:ext uri="{BB962C8B-B14F-4D97-AF65-F5344CB8AC3E}">
+        <p14:creationId xmlns:p14="http://schemas.microsoft.com/office/powerpoint/2010/main" val="1448428256"/>
+      </p:ext>
+    </p:extLst>
+  </p:cSld>
+  <p:clrMapOvr>
+    <a:masterClrMapping/>
+  </p:clrMapOvr>
+</p:sld>
+</file>
+
+<file path=ppt/slides/slide48.xml><?xml version="1.0" encoding="utf-8"?>
+<p:sld xmlns:a="http://schemas.openxmlformats.org/drawingml/2006/main" xmlns:r="http://schemas.openxmlformats.org/officeDocument/2006/relationships" xmlns:p="http://schemas.openxmlformats.org/presentationml/2006/main">
+  <p:cSld>
+    <p:spTree>
+      <p:nvGrpSpPr>
+        <p:cNvPr id="1" name=""/>
+        <p:cNvGrpSpPr/>
+        <p:nvPr/>
+      </p:nvGrpSpPr>
+      <p:grpSpPr>
+        <a:xfrm>
+          <a:off x="0" y="0"/>
+          <a:ext cx="0" cy="0"/>
+          <a:chOff x="0" y="0"/>
+          <a:chExt cx="0" cy="0"/>
+        </a:xfrm>
+      </p:grpSpPr>
+      <p:sp>
+        <p:nvSpPr>
+          <p:cNvPr id="3" name="Content Placeholder 2">
+            <a:extLst>
+              <a:ext uri="{FF2B5EF4-FFF2-40B4-BE49-F238E27FC236}">
+                <a16:creationId xmlns:a16="http://schemas.microsoft.com/office/drawing/2014/main" id="{5CC510F7-722C-A69F-58AE-BE23E9ACB20D}"/>
+              </a:ext>
+            </a:extLst>
+          </p:cNvPr>
+          <p:cNvSpPr>
+            <a:spLocks noGrp="1"/>
+          </p:cNvSpPr>
+          <p:nvPr>
+            <p:ph idx="1"/>
+          </p:nvPr>
+        </p:nvSpPr>
+        <p:spPr/>
+        <p:txBody>
+          <a:bodyPr>
+            <a:normAutofit fontScale="92500" lnSpcReduction="20000"/>
+          </a:bodyPr>
+          <a:lstStyle/>
+          <a:p>
+            <a:r>
+              <a:rPr lang="en-US" sz="2600" dirty="0">
+                <a:latin typeface="Calibri" panose="020F0502020204030204" pitchFamily="34" charset="0"/>
+                <a:ea typeface="Calibri" panose="020F0502020204030204" pitchFamily="34" charset="0"/>
+                <a:cs typeface="Calibri" panose="020F0502020204030204" pitchFamily="34" charset="0"/>
+              </a:rPr>
+              <a:t>Furthermore, we utilized feature importance analysis to gain insights into the contributing factors influencing the predictions, providing valuable information for understanding the underlying relationships within the data.</a:t>
+            </a:r>
+          </a:p>
+          <a:p>
+            <a:r>
+              <a:rPr lang="en-US" sz="2600" dirty="0">
+                <a:latin typeface="Calibri" panose="020F0502020204030204" pitchFamily="34" charset="0"/>
+                <a:ea typeface="Calibri" panose="020F0502020204030204" pitchFamily="34" charset="0"/>
+                <a:cs typeface="Calibri" panose="020F0502020204030204" pitchFamily="34" charset="0"/>
+              </a:rPr>
+              <a:t>The confusion matrix analysis and the visualization of misclassified examples offer further insights into the strengths and limitations of the chosen model.</a:t>
+            </a:r>
+          </a:p>
+          <a:p>
+            <a:r>
+              <a:rPr lang="en-US" sz="2600" dirty="0">
+                <a:latin typeface="Calibri" panose="020F0502020204030204" pitchFamily="34" charset="0"/>
+                <a:ea typeface="Calibri" panose="020F0502020204030204" pitchFamily="34" charset="0"/>
+                <a:cs typeface="Calibri" panose="020F0502020204030204" pitchFamily="34" charset="0"/>
+              </a:rPr>
+              <a:t>Overall, the project demonstrates a successful machine learning approach to predicting the target variable while offering insights for further research and development of more sophisticated models.</a:t>
+            </a:r>
+            <a:endParaRPr lang="en-IN" sz="2600" dirty="0">
+              <a:latin typeface="Calibri" panose="020F0502020204030204" pitchFamily="34" charset="0"/>
+              <a:ea typeface="Calibri" panose="020F0502020204030204" pitchFamily="34" charset="0"/>
+              <a:cs typeface="Calibri" panose="020F0502020204030204" pitchFamily="34" charset="0"/>
+            </a:endParaRPr>
+          </a:p>
+          <a:p>
+            <a:endParaRPr lang="en-IN" dirty="0"/>
+          </a:p>
+        </p:txBody>
+      </p:sp>
+    </p:spTree>
+    <p:extLst>
+      <p:ext uri="{BB962C8B-B14F-4D97-AF65-F5344CB8AC3E}">
+        <p14:creationId xmlns:p14="http://schemas.microsoft.com/office/powerpoint/2010/main" val="699937715"/>
       </p:ext>
     </p:extLst>
   </p:cSld>
@@ -19190,317 +18911,6 @@
     <p:extLst>
       <p:ext uri="{BB962C8B-B14F-4D97-AF65-F5344CB8AC3E}">
         <p14:creationId xmlns:p14="http://schemas.microsoft.com/office/powerpoint/2010/main" val="1280350389"/>
-      </p:ext>
-    </p:extLst>
-  </p:cSld>
-  <p:clrMapOvr>
-    <a:masterClrMapping/>
-  </p:clrMapOvr>
-</p:sld>
-</file>
-
-<file path=ppt/slides/slide50.xml><?xml version="1.0" encoding="utf-8"?>
-<p:sld xmlns:a="http://schemas.openxmlformats.org/drawingml/2006/main" xmlns:r="http://schemas.openxmlformats.org/officeDocument/2006/relationships" xmlns:p="http://schemas.openxmlformats.org/presentationml/2006/main">
-  <p:cSld>
-    <p:spTree>
-      <p:nvGrpSpPr>
-        <p:cNvPr id="1" name=""/>
-        <p:cNvGrpSpPr/>
-        <p:nvPr/>
-      </p:nvGrpSpPr>
-      <p:grpSpPr>
-        <a:xfrm>
-          <a:off x="0" y="0"/>
-          <a:ext cx="0" cy="0"/>
-          <a:chOff x="0" y="0"/>
-          <a:chExt cx="0" cy="0"/>
-        </a:xfrm>
-      </p:grpSpPr>
-      <p:sp>
-        <p:nvSpPr>
-          <p:cNvPr id="2" name="Title 1">
-            <a:extLst>
-              <a:ext uri="{FF2B5EF4-FFF2-40B4-BE49-F238E27FC236}">
-                <a16:creationId xmlns:a16="http://schemas.microsoft.com/office/drawing/2014/main" id="{5604AC4D-E8E0-D64C-5F38-09C4DEF9535C}"/>
-              </a:ext>
-            </a:extLst>
-          </p:cNvPr>
-          <p:cNvSpPr>
-            <a:spLocks noGrp="1"/>
-          </p:cNvSpPr>
-          <p:nvPr>
-            <p:ph type="title"/>
-          </p:nvPr>
-        </p:nvSpPr>
-        <p:spPr/>
-        <p:txBody>
-          <a:bodyPr>
-            <a:normAutofit/>
-          </a:bodyPr>
-          <a:lstStyle/>
-          <a:p>
-            <a:r>
-              <a:rPr lang="en-US" sz="3200" b="1" i="0" u="none" strike="noStrike" dirty="0">
-                <a:solidFill>
-                  <a:srgbClr val="000000"/>
-                </a:solidFill>
-                <a:effectLst/>
-                <a:latin typeface="Calibri" panose="020F0502020204030204" pitchFamily="34" charset="0"/>
-                <a:ea typeface="Calibri" panose="020F0502020204030204" pitchFamily="34" charset="0"/>
-                <a:cs typeface="Calibri" panose="020F0502020204030204" pitchFamily="34" charset="0"/>
-              </a:rPr>
-              <a:t>Final Evaluation on Test Set</a:t>
-            </a:r>
-            <a:endParaRPr lang="en-IN" sz="3200" dirty="0">
-              <a:latin typeface="Calibri" panose="020F0502020204030204" pitchFamily="34" charset="0"/>
-              <a:ea typeface="Calibri" panose="020F0502020204030204" pitchFamily="34" charset="0"/>
-              <a:cs typeface="Calibri" panose="020F0502020204030204" pitchFamily="34" charset="0"/>
-            </a:endParaRPr>
-          </a:p>
-        </p:txBody>
-      </p:sp>
-      <p:pic>
-        <p:nvPicPr>
-          <p:cNvPr id="5" name="Content Placeholder 4">
-            <a:extLst>
-              <a:ext uri="{FF2B5EF4-FFF2-40B4-BE49-F238E27FC236}">
-                <a16:creationId xmlns:a16="http://schemas.microsoft.com/office/drawing/2014/main" id="{8AB23C63-7836-793A-8BA3-81936762E1B9}"/>
-              </a:ext>
-            </a:extLst>
-          </p:cNvPr>
-          <p:cNvPicPr>
-            <a:picLocks noGrp="1" noChangeAspect="1"/>
-          </p:cNvPicPr>
-          <p:nvPr>
-            <p:ph idx="1"/>
-          </p:nvPr>
-        </p:nvPicPr>
-        <p:blipFill>
-          <a:blip r:embed="rId2">
-            <a:extLst>
-              <a:ext uri="{28A0092B-C50C-407E-A947-70E740481C1C}">
-                <a14:useLocalDpi xmlns:a14="http://schemas.microsoft.com/office/drawing/2010/main" val="0"/>
-              </a:ext>
-            </a:extLst>
-          </a:blip>
-          <a:stretch>
-            <a:fillRect/>
-          </a:stretch>
-        </p:blipFill>
-        <p:spPr>
-          <a:xfrm>
-            <a:off x="2215662" y="2403230"/>
-            <a:ext cx="6881446" cy="2778369"/>
-          </a:xfrm>
-        </p:spPr>
-      </p:pic>
-    </p:spTree>
-    <p:extLst>
-      <p:ext uri="{BB962C8B-B14F-4D97-AF65-F5344CB8AC3E}">
-        <p14:creationId xmlns:p14="http://schemas.microsoft.com/office/powerpoint/2010/main" val="1535658590"/>
-      </p:ext>
-    </p:extLst>
-  </p:cSld>
-  <p:clrMapOvr>
-    <a:masterClrMapping/>
-  </p:clrMapOvr>
-</p:sld>
-</file>
-
-<file path=ppt/slides/slide51.xml><?xml version="1.0" encoding="utf-8"?>
-<p:sld xmlns:a="http://schemas.openxmlformats.org/drawingml/2006/main" xmlns:r="http://schemas.openxmlformats.org/officeDocument/2006/relationships" xmlns:p="http://schemas.openxmlformats.org/presentationml/2006/main">
-  <p:cSld>
-    <p:spTree>
-      <p:nvGrpSpPr>
-        <p:cNvPr id="1" name=""/>
-        <p:cNvGrpSpPr/>
-        <p:nvPr/>
-      </p:nvGrpSpPr>
-      <p:grpSpPr>
-        <a:xfrm>
-          <a:off x="0" y="0"/>
-          <a:ext cx="0" cy="0"/>
-          <a:chOff x="0" y="0"/>
-          <a:chExt cx="0" cy="0"/>
-        </a:xfrm>
-      </p:grpSpPr>
-      <p:sp>
-        <p:nvSpPr>
-          <p:cNvPr id="2" name="Title 1">
-            <a:extLst>
-              <a:ext uri="{FF2B5EF4-FFF2-40B4-BE49-F238E27FC236}">
-                <a16:creationId xmlns:a16="http://schemas.microsoft.com/office/drawing/2014/main" id="{DFBAB713-487B-CCEF-54AD-BE3F4A35B284}"/>
-              </a:ext>
-            </a:extLst>
-          </p:cNvPr>
-          <p:cNvSpPr>
-            <a:spLocks noGrp="1"/>
-          </p:cNvSpPr>
-          <p:nvPr>
-            <p:ph type="title"/>
-          </p:nvPr>
-        </p:nvSpPr>
-        <p:spPr/>
-        <p:txBody>
-          <a:bodyPr>
-            <a:normAutofit/>
-          </a:bodyPr>
-          <a:lstStyle/>
-          <a:p>
-            <a:r>
-              <a:rPr lang="en-IN" sz="3200" dirty="0">
-                <a:solidFill>
-                  <a:schemeClr val="bg1"/>
-                </a:solidFill>
-                <a:latin typeface="Calibri" panose="020F0502020204030204" pitchFamily="34" charset="0"/>
-                <a:ea typeface="Calibri" panose="020F0502020204030204" pitchFamily="34" charset="0"/>
-                <a:cs typeface="Calibri" panose="020F0502020204030204" pitchFamily="34" charset="0"/>
-              </a:rPr>
-              <a:t>Conclusion</a:t>
-            </a:r>
-          </a:p>
-        </p:txBody>
-      </p:sp>
-      <p:sp>
-        <p:nvSpPr>
-          <p:cNvPr id="3" name="Content Placeholder 2">
-            <a:extLst>
-              <a:ext uri="{FF2B5EF4-FFF2-40B4-BE49-F238E27FC236}">
-                <a16:creationId xmlns:a16="http://schemas.microsoft.com/office/drawing/2014/main" id="{745C6758-A230-E57D-5704-EA785471D620}"/>
-              </a:ext>
-            </a:extLst>
-          </p:cNvPr>
-          <p:cNvSpPr>
-            <a:spLocks noGrp="1"/>
-          </p:cNvSpPr>
-          <p:nvPr>
-            <p:ph idx="1"/>
-          </p:nvPr>
-        </p:nvSpPr>
-        <p:spPr/>
-        <p:txBody>
-          <a:bodyPr>
-            <a:normAutofit lnSpcReduction="10000"/>
-          </a:bodyPr>
-          <a:lstStyle/>
-          <a:p>
-            <a:r>
-              <a:rPr lang="en-US" dirty="0">
-                <a:latin typeface="Calibri" panose="020F0502020204030204" pitchFamily="34" charset="0"/>
-                <a:ea typeface="Calibri" panose="020F0502020204030204" pitchFamily="34" charset="0"/>
-                <a:cs typeface="Calibri" panose="020F0502020204030204" pitchFamily="34" charset="0"/>
-              </a:rPr>
-              <a:t>Based on the analysis and model evaluation, we found that the Random Forest model, after hyperparameter tuning and addressing class imbalance with SMOTE, achieved the best performance on the test dataset, surpassing the baseline models and other models like Logistic Regression, XGBoost, KNN, Decision Tree, and Catboost.</a:t>
-            </a:r>
-          </a:p>
-          <a:p>
-            <a:r>
-              <a:rPr lang="en-US" dirty="0">
-                <a:latin typeface="Calibri" panose="020F0502020204030204" pitchFamily="34" charset="0"/>
-                <a:ea typeface="Calibri" panose="020F0502020204030204" pitchFamily="34" charset="0"/>
-                <a:cs typeface="Calibri" panose="020F0502020204030204" pitchFamily="34" charset="0"/>
-              </a:rPr>
-              <a:t>The model's effectiveness is further highlighted by its ability to correctly classify a significant portion of the samples and demonstrates improvements over the baseline F1-score, precision, and recall.</a:t>
-            </a:r>
-          </a:p>
-        </p:txBody>
-      </p:sp>
-    </p:spTree>
-    <p:extLst>
-      <p:ext uri="{BB962C8B-B14F-4D97-AF65-F5344CB8AC3E}">
-        <p14:creationId xmlns:p14="http://schemas.microsoft.com/office/powerpoint/2010/main" val="1448428256"/>
-      </p:ext>
-    </p:extLst>
-  </p:cSld>
-  <p:clrMapOvr>
-    <a:masterClrMapping/>
-  </p:clrMapOvr>
-</p:sld>
-</file>
-
-<file path=ppt/slides/slide52.xml><?xml version="1.0" encoding="utf-8"?>
-<p:sld xmlns:a="http://schemas.openxmlformats.org/drawingml/2006/main" xmlns:r="http://schemas.openxmlformats.org/officeDocument/2006/relationships" xmlns:p="http://schemas.openxmlformats.org/presentationml/2006/main">
-  <p:cSld>
-    <p:spTree>
-      <p:nvGrpSpPr>
-        <p:cNvPr id="1" name=""/>
-        <p:cNvGrpSpPr/>
-        <p:nvPr/>
-      </p:nvGrpSpPr>
-      <p:grpSpPr>
-        <a:xfrm>
-          <a:off x="0" y="0"/>
-          <a:ext cx="0" cy="0"/>
-          <a:chOff x="0" y="0"/>
-          <a:chExt cx="0" cy="0"/>
-        </a:xfrm>
-      </p:grpSpPr>
-      <p:sp>
-        <p:nvSpPr>
-          <p:cNvPr id="3" name="Content Placeholder 2">
-            <a:extLst>
-              <a:ext uri="{FF2B5EF4-FFF2-40B4-BE49-F238E27FC236}">
-                <a16:creationId xmlns:a16="http://schemas.microsoft.com/office/drawing/2014/main" id="{5CC510F7-722C-A69F-58AE-BE23E9ACB20D}"/>
-              </a:ext>
-            </a:extLst>
-          </p:cNvPr>
-          <p:cNvSpPr>
-            <a:spLocks noGrp="1"/>
-          </p:cNvSpPr>
-          <p:nvPr>
-            <p:ph idx="1"/>
-          </p:nvPr>
-        </p:nvSpPr>
-        <p:spPr/>
-        <p:txBody>
-          <a:bodyPr>
-            <a:normAutofit fontScale="92500" lnSpcReduction="20000"/>
-          </a:bodyPr>
-          <a:lstStyle/>
-          <a:p>
-            <a:r>
-              <a:rPr lang="en-US" sz="2600" dirty="0">
-                <a:latin typeface="Calibri" panose="020F0502020204030204" pitchFamily="34" charset="0"/>
-                <a:ea typeface="Calibri" panose="020F0502020204030204" pitchFamily="34" charset="0"/>
-                <a:cs typeface="Calibri" panose="020F0502020204030204" pitchFamily="34" charset="0"/>
-              </a:rPr>
-              <a:t>Furthermore, we utilized feature importance analysis to gain insights into the contributing factors influencing the predictions, providing valuable information for understanding the underlying relationships within the data.</a:t>
-            </a:r>
-          </a:p>
-          <a:p>
-            <a:r>
-              <a:rPr lang="en-US" sz="2600" dirty="0">
-                <a:latin typeface="Calibri" panose="020F0502020204030204" pitchFamily="34" charset="0"/>
-                <a:ea typeface="Calibri" panose="020F0502020204030204" pitchFamily="34" charset="0"/>
-                <a:cs typeface="Calibri" panose="020F0502020204030204" pitchFamily="34" charset="0"/>
-              </a:rPr>
-              <a:t>The confusion matrix analysis and the visualization of misclassified examples offer further insights into the strengths and limitations of the chosen model.</a:t>
-            </a:r>
-          </a:p>
-          <a:p>
-            <a:r>
-              <a:rPr lang="en-US" sz="2600" dirty="0">
-                <a:latin typeface="Calibri" panose="020F0502020204030204" pitchFamily="34" charset="0"/>
-                <a:ea typeface="Calibri" panose="020F0502020204030204" pitchFamily="34" charset="0"/>
-                <a:cs typeface="Calibri" panose="020F0502020204030204" pitchFamily="34" charset="0"/>
-              </a:rPr>
-              <a:t>Overall, the project demonstrates a successful machine learning approach to predicting the target variable while offering insights for further research and development of more sophisticated models.</a:t>
-            </a:r>
-            <a:endParaRPr lang="en-IN" sz="2600" dirty="0">
-              <a:latin typeface="Calibri" panose="020F0502020204030204" pitchFamily="34" charset="0"/>
-              <a:ea typeface="Calibri" panose="020F0502020204030204" pitchFamily="34" charset="0"/>
-              <a:cs typeface="Calibri" panose="020F0502020204030204" pitchFamily="34" charset="0"/>
-            </a:endParaRPr>
-          </a:p>
-          <a:p>
-            <a:endParaRPr lang="en-IN" dirty="0"/>
-          </a:p>
-        </p:txBody>
-      </p:sp>
-    </p:spTree>
-    <p:extLst>
-      <p:ext uri="{BB962C8B-B14F-4D97-AF65-F5344CB8AC3E}">
-        <p14:creationId xmlns:p14="http://schemas.microsoft.com/office/powerpoint/2010/main" val="699937715"/>
       </p:ext>
     </p:extLst>
   </p:cSld>

--- a/Cyber Security.pptx
+++ b/Cyber Security.pptx
@@ -40,19 +40,16 @@
     <p:sldId id="303" r:id="rId34"/>
     <p:sldId id="304" r:id="rId35"/>
     <p:sldId id="275" r:id="rId36"/>
-    <p:sldId id="305" r:id="rId37"/>
-    <p:sldId id="306" r:id="rId38"/>
-    <p:sldId id="274" r:id="rId39"/>
-    <p:sldId id="277" r:id="rId40"/>
-    <p:sldId id="284" r:id="rId41"/>
-    <p:sldId id="278" r:id="rId42"/>
-    <p:sldId id="279" r:id="rId43"/>
-    <p:sldId id="280" r:id="rId44"/>
-    <p:sldId id="281" r:id="rId45"/>
-    <p:sldId id="282" r:id="rId46"/>
-    <p:sldId id="283" r:id="rId47"/>
-    <p:sldId id="307" r:id="rId48"/>
-    <p:sldId id="308" r:id="rId49"/>
+    <p:sldId id="306" r:id="rId37"/>
+    <p:sldId id="274" r:id="rId38"/>
+    <p:sldId id="277" r:id="rId39"/>
+    <p:sldId id="284" r:id="rId40"/>
+    <p:sldId id="278" r:id="rId41"/>
+    <p:sldId id="279" r:id="rId42"/>
+    <p:sldId id="280" r:id="rId43"/>
+    <p:sldId id="281" r:id="rId44"/>
+    <p:sldId id="282" r:id="rId45"/>
+    <p:sldId id="307" r:id="rId46"/>
   </p:sldIdLst>
   <p:sldSz cx="12192000" cy="6858000"/>
   <p:notesSz cx="6858000" cy="9144000"/>
@@ -209,7 +206,7 @@
           <a:noFill/>
           <a:extLst>
             <a:ext uri="{909E8E84-426E-40dd-AFC4-6F175D3DCCD1}">
-              <a14:hiddenFill xmlns="" xmlns:a14="http://schemas.microsoft.com/office/drawing/2010/main">
+              <a14:hiddenFill xmlns:a14="http://schemas.microsoft.com/office/drawing/2010/main" xmlns="">
                 <a:solidFill>
                   <a:srgbClr val="FFFFFF"/>
                 </a:solidFill>
@@ -269,7 +266,7 @@
             </a:ln>
             <a:extLst>
               <a:ext uri="{91240B29-F687-4f45-9708-019B960494DF}">
-                <a14:hiddenLine xmlns="" xmlns:a14="http://schemas.microsoft.com/office/drawing/2010/main" w="9525">
+                <a14:hiddenLine xmlns:a14="http://schemas.microsoft.com/office/drawing/2010/main" xmlns="" w="9525">
                   <a:solidFill>
                     <a:srgbClr val="000000"/>
                   </a:solidFill>
@@ -359,7 +356,7 @@
             </a:ln>
             <a:extLst>
               <a:ext uri="{91240B29-F687-4f45-9708-019B960494DF}">
-                <a14:hiddenLine xmlns="" xmlns:a14="http://schemas.microsoft.com/office/drawing/2010/main" w="9525">
+                <a14:hiddenLine xmlns:a14="http://schemas.microsoft.com/office/drawing/2010/main" xmlns="" w="9525">
                   <a:solidFill>
                     <a:srgbClr val="000000"/>
                   </a:solidFill>
@@ -449,7 +446,7 @@
             </a:ln>
             <a:extLst>
               <a:ext uri="{91240B29-F687-4f45-9708-019B960494DF}">
-                <a14:hiddenLine xmlns="" xmlns:a14="http://schemas.microsoft.com/office/drawing/2010/main" w="9525">
+                <a14:hiddenLine xmlns:a14="http://schemas.microsoft.com/office/drawing/2010/main" xmlns="" w="9525">
                   <a:solidFill>
                     <a:srgbClr val="000000"/>
                   </a:solidFill>
@@ -483,7 +480,7 @@
             </a:ln>
             <a:extLst>
               <a:ext uri="{91240B29-F687-4f45-9708-019B960494DF}">
-                <a14:hiddenLine xmlns="" xmlns:a14="http://schemas.microsoft.com/office/drawing/2010/main" w="9525">
+                <a14:hiddenLine xmlns:a14="http://schemas.microsoft.com/office/drawing/2010/main" xmlns="" w="9525">
                   <a:solidFill>
                     <a:srgbClr val="000000"/>
                   </a:solidFill>
@@ -573,7 +570,7 @@
             </a:ln>
             <a:extLst>
               <a:ext uri="{91240B29-F687-4f45-9708-019B960494DF}">
-                <a14:hiddenLine xmlns="" xmlns:a14="http://schemas.microsoft.com/office/drawing/2010/main" w="9525">
+                <a14:hiddenLine xmlns:a14="http://schemas.microsoft.com/office/drawing/2010/main" xmlns="" w="9525">
                   <a:solidFill>
                     <a:srgbClr val="000000"/>
                   </a:solidFill>
@@ -635,7 +632,7 @@
             </a:ln>
             <a:extLst>
               <a:ext uri="{91240B29-F687-4f45-9708-019B960494DF}">
-                <a14:hiddenLine xmlns="" xmlns:a14="http://schemas.microsoft.com/office/drawing/2010/main" w="9525">
+                <a14:hiddenLine xmlns:a14="http://schemas.microsoft.com/office/drawing/2010/main" xmlns="" w="9525">
                   <a:solidFill>
                     <a:srgbClr val="000000"/>
                   </a:solidFill>
@@ -697,7 +694,7 @@
             </a:ln>
             <a:extLst>
               <a:ext uri="{91240B29-F687-4f45-9708-019B960494DF}">
-                <a14:hiddenLine xmlns="" xmlns:a14="http://schemas.microsoft.com/office/drawing/2010/main" w="9525">
+                <a14:hiddenLine xmlns:a14="http://schemas.microsoft.com/office/drawing/2010/main" xmlns="" w="9525">
                   <a:solidFill>
                     <a:srgbClr val="000000"/>
                   </a:solidFill>
@@ -787,7 +784,7 @@
             </a:ln>
             <a:extLst>
               <a:ext uri="{91240B29-F687-4f45-9708-019B960494DF}">
-                <a14:hiddenLine xmlns="" xmlns:a14="http://schemas.microsoft.com/office/drawing/2010/main" w="9525">
+                <a14:hiddenLine xmlns:a14="http://schemas.microsoft.com/office/drawing/2010/main" xmlns="" w="9525">
                   <a:solidFill>
                     <a:srgbClr val="000000"/>
                   </a:solidFill>
@@ -849,7 +846,7 @@
             </a:ln>
             <a:extLst>
               <a:ext uri="{91240B29-F687-4f45-9708-019B960494DF}">
-                <a14:hiddenLine xmlns="" xmlns:a14="http://schemas.microsoft.com/office/drawing/2010/main" w="9525">
+                <a14:hiddenLine xmlns:a14="http://schemas.microsoft.com/office/drawing/2010/main" xmlns="" w="9525">
                   <a:solidFill>
                     <a:srgbClr val="000000"/>
                   </a:solidFill>
@@ -911,7 +908,7 @@
             </a:ln>
             <a:extLst>
               <a:ext uri="{91240B29-F687-4f45-9708-019B960494DF}">
-                <a14:hiddenLine xmlns="" xmlns:a14="http://schemas.microsoft.com/office/drawing/2010/main" w="9525">
+                <a14:hiddenLine xmlns:a14="http://schemas.microsoft.com/office/drawing/2010/main" xmlns="" w="9525">
                   <a:solidFill>
                     <a:srgbClr val="000000"/>
                   </a:solidFill>
@@ -1001,7 +998,7 @@
             </a:ln>
             <a:extLst>
               <a:ext uri="{91240B29-F687-4f45-9708-019B960494DF}">
-                <a14:hiddenLine xmlns="" xmlns:a14="http://schemas.microsoft.com/office/drawing/2010/main" w="9525">
+                <a14:hiddenLine xmlns:a14="http://schemas.microsoft.com/office/drawing/2010/main" xmlns="" w="9525">
                   <a:solidFill>
                     <a:srgbClr val="000000"/>
                   </a:solidFill>
@@ -1091,7 +1088,7 @@
             </a:ln>
             <a:extLst>
               <a:ext uri="{91240B29-F687-4f45-9708-019B960494DF}">
-                <a14:hiddenLine xmlns="" xmlns:a14="http://schemas.microsoft.com/office/drawing/2010/main" w="9525">
+                <a14:hiddenLine xmlns:a14="http://schemas.microsoft.com/office/drawing/2010/main" xmlns="" w="9525">
                   <a:solidFill>
                     <a:srgbClr val="000000"/>
                   </a:solidFill>
@@ -1153,7 +1150,7 @@
             </a:ln>
             <a:extLst>
               <a:ext uri="{91240B29-F687-4f45-9708-019B960494DF}">
-                <a14:hiddenLine xmlns="" xmlns:a14="http://schemas.microsoft.com/office/drawing/2010/main" w="9525">
+                <a14:hiddenLine xmlns:a14="http://schemas.microsoft.com/office/drawing/2010/main" xmlns="" w="9525">
                   <a:solidFill>
                     <a:srgbClr val="000000"/>
                   </a:solidFill>
@@ -1263,7 +1260,7 @@
             </a:ln>
             <a:extLst>
               <a:ext uri="{91240B29-F687-4f45-9708-019B960494DF}">
-                <a14:hiddenLine xmlns="" xmlns:a14="http://schemas.microsoft.com/office/drawing/2010/main" w="9525">
+                <a14:hiddenLine xmlns:a14="http://schemas.microsoft.com/office/drawing/2010/main" xmlns="" w="9525">
                   <a:solidFill>
                     <a:srgbClr val="000000"/>
                   </a:solidFill>
@@ -1325,7 +1322,7 @@
             </a:ln>
             <a:extLst>
               <a:ext uri="{91240B29-F687-4f45-9708-019B960494DF}">
-                <a14:hiddenLine xmlns="" xmlns:a14="http://schemas.microsoft.com/office/drawing/2010/main" w="9525">
+                <a14:hiddenLine xmlns:a14="http://schemas.microsoft.com/office/drawing/2010/main" xmlns="" w="9525">
                   <a:solidFill>
                     <a:srgbClr val="000000"/>
                   </a:solidFill>
@@ -1415,7 +1412,7 @@
             </a:ln>
             <a:extLst>
               <a:ext uri="{91240B29-F687-4f45-9708-019B960494DF}">
-                <a14:hiddenLine xmlns="" xmlns:a14="http://schemas.microsoft.com/office/drawing/2010/main" w="9525">
+                <a14:hiddenLine xmlns:a14="http://schemas.microsoft.com/office/drawing/2010/main" xmlns="" w="9525">
                   <a:solidFill>
                     <a:srgbClr val="000000"/>
                   </a:solidFill>
@@ -1505,7 +1502,7 @@
             </a:ln>
             <a:extLst>
               <a:ext uri="{91240B29-F687-4f45-9708-019B960494DF}">
-                <a14:hiddenLine xmlns="" xmlns:a14="http://schemas.microsoft.com/office/drawing/2010/main" w="9525">
+                <a14:hiddenLine xmlns:a14="http://schemas.microsoft.com/office/drawing/2010/main" xmlns="" w="9525">
                   <a:solidFill>
                     <a:srgbClr val="000000"/>
                   </a:solidFill>
@@ -1567,7 +1564,7 @@
             </a:ln>
             <a:extLst>
               <a:ext uri="{91240B29-F687-4f45-9708-019B960494DF}">
-                <a14:hiddenLine xmlns="" xmlns:a14="http://schemas.microsoft.com/office/drawing/2010/main" w="9525">
+                <a14:hiddenLine xmlns:a14="http://schemas.microsoft.com/office/drawing/2010/main" xmlns="" w="9525">
                   <a:solidFill>
                     <a:srgbClr val="000000"/>
                   </a:solidFill>
@@ -1657,7 +1654,7 @@
             </a:ln>
             <a:extLst>
               <a:ext uri="{91240B29-F687-4f45-9708-019B960494DF}">
-                <a14:hiddenLine xmlns="" xmlns:a14="http://schemas.microsoft.com/office/drawing/2010/main" w="9525">
+                <a14:hiddenLine xmlns:a14="http://schemas.microsoft.com/office/drawing/2010/main" xmlns="" w="9525">
                   <a:solidFill>
                     <a:srgbClr val="000000"/>
                   </a:solidFill>
@@ -1747,7 +1744,7 @@
             </a:ln>
             <a:extLst>
               <a:ext uri="{91240B29-F687-4f45-9708-019B960494DF}">
-                <a14:hiddenLine xmlns="" xmlns:a14="http://schemas.microsoft.com/office/drawing/2010/main" w="9525">
+                <a14:hiddenLine xmlns:a14="http://schemas.microsoft.com/office/drawing/2010/main" xmlns="" w="9525">
                   <a:solidFill>
                     <a:srgbClr val="000000"/>
                   </a:solidFill>
@@ -1803,7 +1800,7 @@
             </a:ln>
             <a:extLst>
               <a:ext uri="{91240B29-F687-4f45-9708-019B960494DF}">
-                <a14:hiddenLine xmlns="" xmlns:a14="http://schemas.microsoft.com/office/drawing/2010/main" w="9525">
+                <a14:hiddenLine xmlns:a14="http://schemas.microsoft.com/office/drawing/2010/main" xmlns="" w="9525">
                   <a:solidFill>
                     <a:srgbClr val="000000"/>
                   </a:solidFill>
@@ -1893,7 +1890,7 @@
             </a:ln>
             <a:extLst>
               <a:ext uri="{91240B29-F687-4f45-9708-019B960494DF}">
-                <a14:hiddenLine xmlns="" xmlns:a14="http://schemas.microsoft.com/office/drawing/2010/main" w="9525">
+                <a14:hiddenLine xmlns:a14="http://schemas.microsoft.com/office/drawing/2010/main" xmlns="" w="9525">
                   <a:solidFill>
                     <a:srgbClr val="000000"/>
                   </a:solidFill>
@@ -1949,7 +1946,7 @@
             </a:ln>
             <a:extLst>
               <a:ext uri="{91240B29-F687-4f45-9708-019B960494DF}">
-                <a14:hiddenLine xmlns="" xmlns:a14="http://schemas.microsoft.com/office/drawing/2010/main" w="9525">
+                <a14:hiddenLine xmlns:a14="http://schemas.microsoft.com/office/drawing/2010/main" xmlns="" w="9525">
                   <a:solidFill>
                     <a:srgbClr val="000000"/>
                   </a:solidFill>
@@ -2039,7 +2036,7 @@
             </a:ln>
             <a:extLst>
               <a:ext uri="{91240B29-F687-4f45-9708-019B960494DF}">
-                <a14:hiddenLine xmlns="" xmlns:a14="http://schemas.microsoft.com/office/drawing/2010/main" w="9525">
+                <a14:hiddenLine xmlns:a14="http://schemas.microsoft.com/office/drawing/2010/main" xmlns="" w="9525">
                   <a:solidFill>
                     <a:srgbClr val="000000"/>
                   </a:solidFill>
@@ -2107,7 +2104,7 @@
             </a:ln>
             <a:extLst>
               <a:ext uri="{91240B29-F687-4f45-9708-019B960494DF}">
-                <a14:hiddenLine xmlns="" xmlns:a14="http://schemas.microsoft.com/office/drawing/2010/main" w="9525">
+                <a14:hiddenLine xmlns:a14="http://schemas.microsoft.com/office/drawing/2010/main" xmlns="" w="9525">
                   <a:solidFill>
                     <a:srgbClr val="000000"/>
                   </a:solidFill>
@@ -2197,7 +2194,7 @@
             </a:ln>
             <a:extLst>
               <a:ext uri="{91240B29-F687-4f45-9708-019B960494DF}">
-                <a14:hiddenLine xmlns="" xmlns:a14="http://schemas.microsoft.com/office/drawing/2010/main" w="9525">
+                <a14:hiddenLine xmlns:a14="http://schemas.microsoft.com/office/drawing/2010/main" xmlns="" w="9525">
                   <a:solidFill>
                     <a:srgbClr val="000000"/>
                   </a:solidFill>
@@ -2265,7 +2262,7 @@
             </a:ln>
             <a:extLst>
               <a:ext uri="{91240B29-F687-4f45-9708-019B960494DF}">
-                <a14:hiddenLine xmlns="" xmlns:a14="http://schemas.microsoft.com/office/drawing/2010/main" w="9525">
+                <a14:hiddenLine xmlns:a14="http://schemas.microsoft.com/office/drawing/2010/main" xmlns="" w="9525">
                   <a:solidFill>
                     <a:srgbClr val="000000"/>
                   </a:solidFill>
@@ -2355,7 +2352,7 @@
             </a:ln>
             <a:extLst>
               <a:ext uri="{91240B29-F687-4f45-9708-019B960494DF}">
-                <a14:hiddenLine xmlns="" xmlns:a14="http://schemas.microsoft.com/office/drawing/2010/main" w="9525">
+                <a14:hiddenLine xmlns:a14="http://schemas.microsoft.com/office/drawing/2010/main" xmlns="" w="9525">
                   <a:solidFill>
                     <a:srgbClr val="000000"/>
                   </a:solidFill>
@@ -2389,7 +2386,7 @@
             </a:ln>
             <a:extLst>
               <a:ext uri="{91240B29-F687-4f45-9708-019B960494DF}">
-                <a14:hiddenLine xmlns="" xmlns:a14="http://schemas.microsoft.com/office/drawing/2010/main" w="9525">
+                <a14:hiddenLine xmlns:a14="http://schemas.microsoft.com/office/drawing/2010/main" xmlns="" w="9525">
                   <a:solidFill>
                     <a:srgbClr val="000000"/>
                   </a:solidFill>
@@ -2479,7 +2476,7 @@
             </a:ln>
             <a:extLst>
               <a:ext uri="{91240B29-F687-4f45-9708-019B960494DF}">
-                <a14:hiddenLine xmlns="" xmlns:a14="http://schemas.microsoft.com/office/drawing/2010/main" w="9525">
+                <a14:hiddenLine xmlns:a14="http://schemas.microsoft.com/office/drawing/2010/main" xmlns="" w="9525">
                   <a:solidFill>
                     <a:srgbClr val="000000"/>
                   </a:solidFill>
@@ -2541,7 +2538,7 @@
             </a:ln>
             <a:extLst>
               <a:ext uri="{91240B29-F687-4f45-9708-019B960494DF}">
-                <a14:hiddenLine xmlns="" xmlns:a14="http://schemas.microsoft.com/office/drawing/2010/main" w="9525">
+                <a14:hiddenLine xmlns:a14="http://schemas.microsoft.com/office/drawing/2010/main" xmlns="" w="9525">
                   <a:solidFill>
                     <a:srgbClr val="000000"/>
                   </a:solidFill>
@@ -2603,7 +2600,7 @@
             </a:ln>
             <a:extLst>
               <a:ext uri="{91240B29-F687-4f45-9708-019B960494DF}">
-                <a14:hiddenLine xmlns="" xmlns:a14="http://schemas.microsoft.com/office/drawing/2010/main" w="9525">
+                <a14:hiddenLine xmlns:a14="http://schemas.microsoft.com/office/drawing/2010/main" xmlns="" w="9525">
                   <a:solidFill>
                     <a:srgbClr val="000000"/>
                   </a:solidFill>
@@ -2693,7 +2690,7 @@
             </a:ln>
             <a:extLst>
               <a:ext uri="{91240B29-F687-4f45-9708-019B960494DF}">
-                <a14:hiddenLine xmlns="" xmlns:a14="http://schemas.microsoft.com/office/drawing/2010/main" w="9525">
+                <a14:hiddenLine xmlns:a14="http://schemas.microsoft.com/office/drawing/2010/main" xmlns="" w="9525">
                   <a:solidFill>
                     <a:srgbClr val="000000"/>
                   </a:solidFill>
@@ -2761,7 +2758,7 @@
             </a:ln>
             <a:extLst>
               <a:ext uri="{91240B29-F687-4f45-9708-019B960494DF}">
-                <a14:hiddenLine xmlns="" xmlns:a14="http://schemas.microsoft.com/office/drawing/2010/main" w="9525">
+                <a14:hiddenLine xmlns:a14="http://schemas.microsoft.com/office/drawing/2010/main" xmlns="" w="9525">
                   <a:solidFill>
                     <a:srgbClr val="000000"/>
                   </a:solidFill>
@@ -2823,7 +2820,7 @@
             </a:ln>
             <a:extLst>
               <a:ext uri="{91240B29-F687-4f45-9708-019B960494DF}">
-                <a14:hiddenLine xmlns="" xmlns:a14="http://schemas.microsoft.com/office/drawing/2010/main" w="9525">
+                <a14:hiddenLine xmlns:a14="http://schemas.microsoft.com/office/drawing/2010/main" xmlns="" w="9525">
                   <a:solidFill>
                     <a:srgbClr val="000000"/>
                   </a:solidFill>
@@ -2913,7 +2910,7 @@
             </a:ln>
             <a:extLst>
               <a:ext uri="{91240B29-F687-4f45-9708-019B960494DF}">
-                <a14:hiddenLine xmlns="" xmlns:a14="http://schemas.microsoft.com/office/drawing/2010/main" w="9525">
+                <a14:hiddenLine xmlns:a14="http://schemas.microsoft.com/office/drawing/2010/main" xmlns="" w="9525">
                   <a:solidFill>
                     <a:srgbClr val="000000"/>
                   </a:solidFill>
@@ -2975,7 +2972,7 @@
             </a:ln>
             <a:extLst>
               <a:ext uri="{91240B29-F687-4f45-9708-019B960494DF}">
-                <a14:hiddenLine xmlns="" xmlns:a14="http://schemas.microsoft.com/office/drawing/2010/main" w="9525">
+                <a14:hiddenLine xmlns:a14="http://schemas.microsoft.com/office/drawing/2010/main" xmlns="" w="9525">
                   <a:solidFill>
                     <a:srgbClr val="000000"/>
                   </a:solidFill>
@@ -3065,7 +3062,7 @@
             </a:ln>
             <a:extLst>
               <a:ext uri="{91240B29-F687-4f45-9708-019B960494DF}">
-                <a14:hiddenLine xmlns="" xmlns:a14="http://schemas.microsoft.com/office/drawing/2010/main" w="9525">
+                <a14:hiddenLine xmlns:a14="http://schemas.microsoft.com/office/drawing/2010/main" xmlns="" w="9525">
                   <a:solidFill>
                     <a:srgbClr val="000000"/>
                   </a:solidFill>
@@ -3127,7 +3124,7 @@
             </a:ln>
             <a:extLst>
               <a:ext uri="{91240B29-F687-4f45-9708-019B960494DF}">
-                <a14:hiddenLine xmlns="" xmlns:a14="http://schemas.microsoft.com/office/drawing/2010/main" w="9525">
+                <a14:hiddenLine xmlns:a14="http://schemas.microsoft.com/office/drawing/2010/main" xmlns="" w="9525">
                   <a:solidFill>
                     <a:srgbClr val="000000"/>
                   </a:solidFill>
@@ -3217,7 +3214,7 @@
             </a:ln>
             <a:extLst>
               <a:ext uri="{91240B29-F687-4f45-9708-019B960494DF}">
-                <a14:hiddenLine xmlns="" xmlns:a14="http://schemas.microsoft.com/office/drawing/2010/main" w="9525">
+                <a14:hiddenLine xmlns:a14="http://schemas.microsoft.com/office/drawing/2010/main" xmlns="" w="9525">
                   <a:solidFill>
                     <a:srgbClr val="000000"/>
                   </a:solidFill>
@@ -3251,7 +3248,7 @@
             </a:ln>
             <a:extLst>
               <a:ext uri="{91240B29-F687-4f45-9708-019B960494DF}">
-                <a14:hiddenLine xmlns="" xmlns:a14="http://schemas.microsoft.com/office/drawing/2010/main" w="9525">
+                <a14:hiddenLine xmlns:a14="http://schemas.microsoft.com/office/drawing/2010/main" xmlns="" w="9525">
                   <a:solidFill>
                     <a:srgbClr val="000000"/>
                   </a:solidFill>
@@ -3316,7 +3313,7 @@
             </a:ln>
             <a:extLst>
               <a:ext uri="{91240B29-F687-4f45-9708-019B960494DF}">
-                <a14:hiddenLine xmlns="" xmlns:a14="http://schemas.microsoft.com/office/drawing/2010/main" w="9525">
+                <a14:hiddenLine xmlns:a14="http://schemas.microsoft.com/office/drawing/2010/main" xmlns="" w="9525">
                   <a:solidFill>
                     <a:srgbClr val="000000"/>
                   </a:solidFill>
@@ -3406,7 +3403,7 @@
             </a:ln>
             <a:extLst>
               <a:ext uri="{91240B29-F687-4f45-9708-019B960494DF}">
-                <a14:hiddenLine xmlns="" xmlns:a14="http://schemas.microsoft.com/office/drawing/2010/main" w="9525">
+                <a14:hiddenLine xmlns:a14="http://schemas.microsoft.com/office/drawing/2010/main" xmlns="" w="9525">
                   <a:solidFill>
                     <a:srgbClr val="000000"/>
                   </a:solidFill>
@@ -3468,7 +3465,7 @@
             </a:ln>
             <a:extLst>
               <a:ext uri="{91240B29-F687-4f45-9708-019B960494DF}">
-                <a14:hiddenLine xmlns="" xmlns:a14="http://schemas.microsoft.com/office/drawing/2010/main" w="9525">
+                <a14:hiddenLine xmlns:a14="http://schemas.microsoft.com/office/drawing/2010/main" xmlns="" w="9525">
                   <a:solidFill>
                     <a:srgbClr val="000000"/>
                   </a:solidFill>
@@ -3558,7 +3555,7 @@
             </a:ln>
             <a:extLst>
               <a:ext uri="{91240B29-F687-4f45-9708-019B960494DF}">
-                <a14:hiddenLine xmlns="" xmlns:a14="http://schemas.microsoft.com/office/drawing/2010/main" w="9525">
+                <a14:hiddenLine xmlns:a14="http://schemas.microsoft.com/office/drawing/2010/main" xmlns="" w="9525">
                   <a:solidFill>
                     <a:srgbClr val="000000"/>
                   </a:solidFill>
@@ -3648,7 +3645,7 @@
             </a:ln>
             <a:extLst>
               <a:ext uri="{91240B29-F687-4f45-9708-019B960494DF}">
-                <a14:hiddenLine xmlns="" xmlns:a14="http://schemas.microsoft.com/office/drawing/2010/main" w="9525">
+                <a14:hiddenLine xmlns:a14="http://schemas.microsoft.com/office/drawing/2010/main" xmlns="" w="9525">
                   <a:solidFill>
                     <a:srgbClr val="000000"/>
                   </a:solidFill>
@@ -3713,7 +3710,7 @@
             </a:ln>
             <a:extLst>
               <a:ext uri="{91240B29-F687-4f45-9708-019B960494DF}">
-                <a14:hiddenLine xmlns="" xmlns:a14="http://schemas.microsoft.com/office/drawing/2010/main" w="9525">
+                <a14:hiddenLine xmlns:a14="http://schemas.microsoft.com/office/drawing/2010/main" xmlns="" w="9525">
                   <a:solidFill>
                     <a:srgbClr val="000000"/>
                   </a:solidFill>
@@ -3775,7 +3772,7 @@
             </a:ln>
             <a:extLst>
               <a:ext uri="{91240B29-F687-4f45-9708-019B960494DF}">
-                <a14:hiddenLine xmlns="" xmlns:a14="http://schemas.microsoft.com/office/drawing/2010/main" w="9525">
+                <a14:hiddenLine xmlns:a14="http://schemas.microsoft.com/office/drawing/2010/main" xmlns="" w="9525">
                   <a:solidFill>
                     <a:srgbClr val="000000"/>
                   </a:solidFill>
@@ -3865,7 +3862,7 @@
             </a:ln>
             <a:extLst>
               <a:ext uri="{91240B29-F687-4f45-9708-019B960494DF}">
-                <a14:hiddenLine xmlns="" xmlns:a14="http://schemas.microsoft.com/office/drawing/2010/main" w="9525">
+                <a14:hiddenLine xmlns:a14="http://schemas.microsoft.com/office/drawing/2010/main" xmlns="" w="9525">
                   <a:solidFill>
                     <a:srgbClr val="000000"/>
                   </a:solidFill>
@@ -3955,7 +3952,7 @@
             </a:ln>
             <a:extLst>
               <a:ext uri="{91240B29-F687-4f45-9708-019B960494DF}">
-                <a14:hiddenLine xmlns="" xmlns:a14="http://schemas.microsoft.com/office/drawing/2010/main" w="9525">
+                <a14:hiddenLine xmlns:a14="http://schemas.microsoft.com/office/drawing/2010/main" xmlns="" w="9525">
                   <a:solidFill>
                     <a:srgbClr val="000000"/>
                   </a:solidFill>
@@ -4017,7 +4014,7 @@
             </a:ln>
             <a:extLst>
               <a:ext uri="{91240B29-F687-4f45-9708-019B960494DF}">
-                <a14:hiddenLine xmlns="" xmlns:a14="http://schemas.microsoft.com/office/drawing/2010/main" w="9525">
+                <a14:hiddenLine xmlns:a14="http://schemas.microsoft.com/office/drawing/2010/main" xmlns="" w="9525">
                   <a:solidFill>
                     <a:srgbClr val="000000"/>
                   </a:solidFill>
@@ -4137,7 +4134,7 @@
             </a:ln>
             <a:extLst>
               <a:ext uri="{91240B29-F687-4f45-9708-019B960494DF}">
-                <a14:hiddenLine xmlns="" xmlns:a14="http://schemas.microsoft.com/office/drawing/2010/main" w="9525">
+                <a14:hiddenLine xmlns:a14="http://schemas.microsoft.com/office/drawing/2010/main" xmlns="" w="9525">
                   <a:solidFill>
                     <a:srgbClr val="000000"/>
                   </a:solidFill>
@@ -4205,7 +4202,7 @@
             </a:ln>
             <a:extLst>
               <a:ext uri="{91240B29-F687-4f45-9708-019B960494DF}">
-                <a14:hiddenLine xmlns="" xmlns:a14="http://schemas.microsoft.com/office/drawing/2010/main" w="9525">
+                <a14:hiddenLine xmlns:a14="http://schemas.microsoft.com/office/drawing/2010/main" xmlns="" w="9525">
                   <a:solidFill>
                     <a:srgbClr val="000000"/>
                   </a:solidFill>
@@ -4295,7 +4292,7 @@
             </a:ln>
             <a:extLst>
               <a:ext uri="{91240B29-F687-4f45-9708-019B960494DF}">
-                <a14:hiddenLine xmlns="" xmlns:a14="http://schemas.microsoft.com/office/drawing/2010/main" w="9525">
+                <a14:hiddenLine xmlns:a14="http://schemas.microsoft.com/office/drawing/2010/main" xmlns="" w="9525">
                   <a:solidFill>
                     <a:srgbClr val="000000"/>
                   </a:solidFill>
@@ -4435,7 +4432,7 @@
           <a:p>
             <a:fld id="{9318CF01-2EC1-40B6-9CFD-D6FDEDF71867}" type="datetimeFigureOut">
               <a:rPr lang="en-IN" smtClean="0"/>
-              <a:t>04-10-2024</a:t>
+              <a:t>05-10-2024</a:t>
             </a:fld>
             <a:endParaRPr lang="en-IN"/>
           </a:p>
@@ -4702,7 +4699,7 @@
           <a:p>
             <a:fld id="{9318CF01-2EC1-40B6-9CFD-D6FDEDF71867}" type="datetimeFigureOut">
               <a:rPr lang="en-IN" smtClean="0"/>
-              <a:t>04-10-2024</a:t>
+              <a:t>05-10-2024</a:t>
             </a:fld>
             <a:endParaRPr lang="en-IN"/>
           </a:p>
@@ -4898,7 +4895,7 @@
           <a:p>
             <a:fld id="{9318CF01-2EC1-40B6-9CFD-D6FDEDF71867}" type="datetimeFigureOut">
               <a:rPr lang="en-IN" smtClean="0"/>
-              <a:t>04-10-2024</a:t>
+              <a:t>05-10-2024</a:t>
             </a:fld>
             <a:endParaRPr lang="en-IN"/>
           </a:p>
@@ -5161,7 +5158,7 @@
           <a:p>
             <a:fld id="{9318CF01-2EC1-40B6-9CFD-D6FDEDF71867}" type="datetimeFigureOut">
               <a:rPr lang="en-IN" smtClean="0"/>
-              <a:t>04-10-2024</a:t>
+              <a:t>05-10-2024</a:t>
             </a:fld>
             <a:endParaRPr lang="en-IN"/>
           </a:p>
@@ -5595,7 +5592,7 @@
           <a:p>
             <a:fld id="{9318CF01-2EC1-40B6-9CFD-D6FDEDF71867}" type="datetimeFigureOut">
               <a:rPr lang="en-IN" smtClean="0"/>
-              <a:t>04-10-2024</a:t>
+              <a:t>05-10-2024</a:t>
             </a:fld>
             <a:endParaRPr lang="en-IN"/>
           </a:p>
@@ -6141,7 +6138,7 @@
           <a:p>
             <a:fld id="{9318CF01-2EC1-40B6-9CFD-D6FDEDF71867}" type="datetimeFigureOut">
               <a:rPr lang="en-IN" smtClean="0"/>
-              <a:t>04-10-2024</a:t>
+              <a:t>05-10-2024</a:t>
             </a:fld>
             <a:endParaRPr lang="en-IN"/>
           </a:p>
@@ -6861,7 +6858,7 @@
           <a:p>
             <a:fld id="{9318CF01-2EC1-40B6-9CFD-D6FDEDF71867}" type="datetimeFigureOut">
               <a:rPr lang="en-IN" smtClean="0"/>
-              <a:t>04-10-2024</a:t>
+              <a:t>05-10-2024</a:t>
             </a:fld>
             <a:endParaRPr lang="en-IN"/>
           </a:p>
@@ -7031,7 +7028,7 @@
           <a:p>
             <a:fld id="{9318CF01-2EC1-40B6-9CFD-D6FDEDF71867}" type="datetimeFigureOut">
               <a:rPr lang="en-IN" smtClean="0"/>
-              <a:t>04-10-2024</a:t>
+              <a:t>05-10-2024</a:t>
             </a:fld>
             <a:endParaRPr lang="en-IN"/>
           </a:p>
@@ -7211,7 +7208,7 @@
           <a:p>
             <a:fld id="{9318CF01-2EC1-40B6-9CFD-D6FDEDF71867}" type="datetimeFigureOut">
               <a:rPr lang="en-IN" smtClean="0"/>
-              <a:t>04-10-2024</a:t>
+              <a:t>05-10-2024</a:t>
             </a:fld>
             <a:endParaRPr lang="en-IN"/>
           </a:p>
@@ -7381,7 +7378,7 @@
           <a:p>
             <a:fld id="{9318CF01-2EC1-40B6-9CFD-D6FDEDF71867}" type="datetimeFigureOut">
               <a:rPr lang="en-IN" smtClean="0"/>
-              <a:t>04-10-2024</a:t>
+              <a:t>05-10-2024</a:t>
             </a:fld>
             <a:endParaRPr lang="en-IN"/>
           </a:p>
@@ -7631,7 +7628,7 @@
           <a:p>
             <a:fld id="{9318CF01-2EC1-40B6-9CFD-D6FDEDF71867}" type="datetimeFigureOut">
               <a:rPr lang="en-IN" smtClean="0"/>
-              <a:t>04-10-2024</a:t>
+              <a:t>05-10-2024</a:t>
             </a:fld>
             <a:endParaRPr lang="en-IN"/>
           </a:p>
@@ -7863,7 +7860,7 @@
           <a:p>
             <a:fld id="{9318CF01-2EC1-40B6-9CFD-D6FDEDF71867}" type="datetimeFigureOut">
               <a:rPr lang="en-IN" smtClean="0"/>
-              <a:t>04-10-2024</a:t>
+              <a:t>05-10-2024</a:t>
             </a:fld>
             <a:endParaRPr lang="en-IN"/>
           </a:p>
@@ -8244,7 +8241,7 @@
           <a:p>
             <a:fld id="{9318CF01-2EC1-40B6-9CFD-D6FDEDF71867}" type="datetimeFigureOut">
               <a:rPr lang="en-IN" smtClean="0"/>
-              <a:t>04-10-2024</a:t>
+              <a:t>05-10-2024</a:t>
             </a:fld>
             <a:endParaRPr lang="en-IN"/>
           </a:p>
@@ -8362,7 +8359,7 @@
           <a:p>
             <a:fld id="{9318CF01-2EC1-40B6-9CFD-D6FDEDF71867}" type="datetimeFigureOut">
               <a:rPr lang="en-IN" smtClean="0"/>
-              <a:t>04-10-2024</a:t>
+              <a:t>05-10-2024</a:t>
             </a:fld>
             <a:endParaRPr lang="en-IN"/>
           </a:p>
@@ -8457,7 +8454,7 @@
           <a:p>
             <a:fld id="{9318CF01-2EC1-40B6-9CFD-D6FDEDF71867}" type="datetimeFigureOut">
               <a:rPr lang="en-IN" smtClean="0"/>
-              <a:t>04-10-2024</a:t>
+              <a:t>05-10-2024</a:t>
             </a:fld>
             <a:endParaRPr lang="en-IN"/>
           </a:p>
@@ -8706,7 +8703,7 @@
           <a:p>
             <a:fld id="{9318CF01-2EC1-40B6-9CFD-D6FDEDF71867}" type="datetimeFigureOut">
               <a:rPr lang="en-IN" smtClean="0"/>
-              <a:t>04-10-2024</a:t>
+              <a:t>05-10-2024</a:t>
             </a:fld>
             <a:endParaRPr lang="en-IN"/>
           </a:p>
@@ -8986,7 +8983,7 @@
           <a:p>
             <a:fld id="{9318CF01-2EC1-40B6-9CFD-D6FDEDF71867}" type="datetimeFigureOut">
               <a:rPr lang="en-IN" smtClean="0"/>
-              <a:t>04-10-2024</a:t>
+              <a:t>05-10-2024</a:t>
             </a:fld>
             <a:endParaRPr lang="en-IN"/>
           </a:p>
@@ -9102,7 +9099,7 @@
           <a:noFill/>
           <a:extLst>
             <a:ext uri="{909E8E84-426E-40dd-AFC4-6F175D3DCCD1}">
-              <a14:hiddenFill xmlns="" xmlns:a14="http://schemas.microsoft.com/office/drawing/2010/main">
+              <a14:hiddenFill xmlns:a14="http://schemas.microsoft.com/office/drawing/2010/main" xmlns="">
                 <a:solidFill>
                   <a:srgbClr val="FFFFFF"/>
                 </a:solidFill>
@@ -9176,7 +9173,7 @@
               </a:ln>
               <a:extLst>
                 <a:ext uri="{91240B29-F687-4f45-9708-019B960494DF}">
-                  <a14:hiddenLine xmlns="" xmlns:a14="http://schemas.microsoft.com/office/drawing/2010/main" w="9525">
+                  <a14:hiddenLine xmlns:a14="http://schemas.microsoft.com/office/drawing/2010/main" xmlns="" w="9525">
                     <a:solidFill>
                       <a:srgbClr val="000000"/>
                     </a:solidFill>
@@ -9266,7 +9263,7 @@
               </a:ln>
               <a:extLst>
                 <a:ext uri="{91240B29-F687-4f45-9708-019B960494DF}">
-                  <a14:hiddenLine xmlns="" xmlns:a14="http://schemas.microsoft.com/office/drawing/2010/main" w="9525">
+                  <a14:hiddenLine xmlns:a14="http://schemas.microsoft.com/office/drawing/2010/main" xmlns="" w="9525">
                     <a:solidFill>
                       <a:srgbClr val="000000"/>
                     </a:solidFill>
@@ -9356,7 +9353,7 @@
               </a:ln>
               <a:extLst>
                 <a:ext uri="{91240B29-F687-4f45-9708-019B960494DF}">
-                  <a14:hiddenLine xmlns="" xmlns:a14="http://schemas.microsoft.com/office/drawing/2010/main" w="9525">
+                  <a14:hiddenLine xmlns:a14="http://schemas.microsoft.com/office/drawing/2010/main" xmlns="" w="9525">
                     <a:solidFill>
                       <a:srgbClr val="000000"/>
                     </a:solidFill>
@@ -9418,7 +9415,7 @@
               </a:ln>
               <a:extLst>
                 <a:ext uri="{91240B29-F687-4f45-9708-019B960494DF}">
-                  <a14:hiddenLine xmlns="" xmlns:a14="http://schemas.microsoft.com/office/drawing/2010/main" w="9525">
+                  <a14:hiddenLine xmlns:a14="http://schemas.microsoft.com/office/drawing/2010/main" xmlns="" w="9525">
                     <a:solidFill>
                       <a:srgbClr val="000000"/>
                     </a:solidFill>
@@ -9508,7 +9505,7 @@
               </a:ln>
               <a:extLst>
                 <a:ext uri="{91240B29-F687-4f45-9708-019B960494DF}">
-                  <a14:hiddenLine xmlns="" xmlns:a14="http://schemas.microsoft.com/office/drawing/2010/main" w="9525">
+                  <a14:hiddenLine xmlns:a14="http://schemas.microsoft.com/office/drawing/2010/main" xmlns="" w="9525">
                     <a:solidFill>
                       <a:srgbClr val="000000"/>
                     </a:solidFill>
@@ -9570,7 +9567,7 @@
               </a:ln>
               <a:extLst>
                 <a:ext uri="{91240B29-F687-4f45-9708-019B960494DF}">
-                  <a14:hiddenLine xmlns="" xmlns:a14="http://schemas.microsoft.com/office/drawing/2010/main" w="9525">
+                  <a14:hiddenLine xmlns:a14="http://schemas.microsoft.com/office/drawing/2010/main" xmlns="" w="9525">
                     <a:solidFill>
                       <a:srgbClr val="000000"/>
                     </a:solidFill>
@@ -9632,7 +9629,7 @@
               </a:ln>
               <a:extLst>
                 <a:ext uri="{91240B29-F687-4f45-9708-019B960494DF}">
-                  <a14:hiddenLine xmlns="" xmlns:a14="http://schemas.microsoft.com/office/drawing/2010/main" w="9525">
+                  <a14:hiddenLine xmlns:a14="http://schemas.microsoft.com/office/drawing/2010/main" xmlns="" w="9525">
                     <a:solidFill>
                       <a:srgbClr val="000000"/>
                     </a:solidFill>
@@ -9722,7 +9719,7 @@
               </a:ln>
               <a:extLst>
                 <a:ext uri="{91240B29-F687-4f45-9708-019B960494DF}">
-                  <a14:hiddenLine xmlns="" xmlns:a14="http://schemas.microsoft.com/office/drawing/2010/main" w="9525">
+                  <a14:hiddenLine xmlns:a14="http://schemas.microsoft.com/office/drawing/2010/main" xmlns="" w="9525">
                     <a:solidFill>
                       <a:srgbClr val="000000"/>
                     </a:solidFill>
@@ -9812,7 +9809,7 @@
               </a:ln>
               <a:extLst>
                 <a:ext uri="{91240B29-F687-4f45-9708-019B960494DF}">
-                  <a14:hiddenLine xmlns="" xmlns:a14="http://schemas.microsoft.com/office/drawing/2010/main" w="9525">
+                  <a14:hiddenLine xmlns:a14="http://schemas.microsoft.com/office/drawing/2010/main" xmlns="" w="9525">
                     <a:solidFill>
                       <a:srgbClr val="000000"/>
                     </a:solidFill>
@@ -9874,7 +9871,7 @@
               </a:ln>
               <a:extLst>
                 <a:ext uri="{91240B29-F687-4f45-9708-019B960494DF}">
-                  <a14:hiddenLine xmlns="" xmlns:a14="http://schemas.microsoft.com/office/drawing/2010/main" w="9525">
+                  <a14:hiddenLine xmlns:a14="http://schemas.microsoft.com/office/drawing/2010/main" xmlns="" w="9525">
                     <a:solidFill>
                       <a:srgbClr val="000000"/>
                     </a:solidFill>
@@ -9984,7 +9981,7 @@
               </a:ln>
               <a:extLst>
                 <a:ext uri="{91240B29-F687-4f45-9708-019B960494DF}">
-                  <a14:hiddenLine xmlns="" xmlns:a14="http://schemas.microsoft.com/office/drawing/2010/main" w="9525">
+                  <a14:hiddenLine xmlns:a14="http://schemas.microsoft.com/office/drawing/2010/main" xmlns="" w="9525">
                     <a:solidFill>
                       <a:srgbClr val="000000"/>
                     </a:solidFill>
@@ -10068,7 +10065,7 @@
               </a:ln>
               <a:extLst>
                 <a:ext uri="{91240B29-F687-4f45-9708-019B960494DF}">
-                  <a14:hiddenLine xmlns="" xmlns:a14="http://schemas.microsoft.com/office/drawing/2010/main" w="9525">
+                  <a14:hiddenLine xmlns:a14="http://schemas.microsoft.com/office/drawing/2010/main" xmlns="" w="9525">
                     <a:solidFill>
                       <a:srgbClr val="000000"/>
                     </a:solidFill>
@@ -10130,7 +10127,7 @@
               </a:ln>
               <a:extLst>
                 <a:ext uri="{91240B29-F687-4f45-9708-019B960494DF}">
-                  <a14:hiddenLine xmlns="" xmlns:a14="http://schemas.microsoft.com/office/drawing/2010/main" w="9525">
+                  <a14:hiddenLine xmlns:a14="http://schemas.microsoft.com/office/drawing/2010/main" xmlns="" w="9525">
                     <a:solidFill>
                       <a:srgbClr val="000000"/>
                     </a:solidFill>
@@ -10192,7 +10189,7 @@
               </a:ln>
               <a:extLst>
                 <a:ext uri="{91240B29-F687-4f45-9708-019B960494DF}">
-                  <a14:hiddenLine xmlns="" xmlns:a14="http://schemas.microsoft.com/office/drawing/2010/main" w="9525">
+                  <a14:hiddenLine xmlns:a14="http://schemas.microsoft.com/office/drawing/2010/main" xmlns="" w="9525">
                     <a:solidFill>
                       <a:srgbClr val="000000"/>
                     </a:solidFill>
@@ -10282,7 +10279,7 @@
               </a:ln>
               <a:extLst>
                 <a:ext uri="{91240B29-F687-4f45-9708-019B960494DF}">
-                  <a14:hiddenLine xmlns="" xmlns:a14="http://schemas.microsoft.com/office/drawing/2010/main" w="9525">
+                  <a14:hiddenLine xmlns:a14="http://schemas.microsoft.com/office/drawing/2010/main" xmlns="" w="9525">
                     <a:solidFill>
                       <a:srgbClr val="000000"/>
                     </a:solidFill>
@@ -10316,7 +10313,7 @@
               </a:ln>
               <a:extLst>
                 <a:ext uri="{91240B29-F687-4f45-9708-019B960494DF}">
-                  <a14:hiddenLine xmlns="" xmlns:a14="http://schemas.microsoft.com/office/drawing/2010/main" w="9525">
+                  <a14:hiddenLine xmlns:a14="http://schemas.microsoft.com/office/drawing/2010/main" xmlns="" w="9525">
                     <a:solidFill>
                       <a:srgbClr val="000000"/>
                     </a:solidFill>
@@ -10381,7 +10378,7 @@
               </a:ln>
               <a:extLst>
                 <a:ext uri="{91240B29-F687-4f45-9708-019B960494DF}">
-                  <a14:hiddenLine xmlns="" xmlns:a14="http://schemas.microsoft.com/office/drawing/2010/main" w="9525">
+                  <a14:hiddenLine xmlns:a14="http://schemas.microsoft.com/office/drawing/2010/main" xmlns="" w="9525">
                     <a:solidFill>
                       <a:srgbClr val="000000"/>
                     </a:solidFill>
@@ -10471,7 +10468,7 @@
               </a:ln>
               <a:extLst>
                 <a:ext uri="{91240B29-F687-4f45-9708-019B960494DF}">
-                  <a14:hiddenLine xmlns="" xmlns:a14="http://schemas.microsoft.com/office/drawing/2010/main" w="9525">
+                  <a14:hiddenLine xmlns:a14="http://schemas.microsoft.com/office/drawing/2010/main" xmlns="" w="9525">
                     <a:solidFill>
                       <a:srgbClr val="000000"/>
                     </a:solidFill>
@@ -10533,7 +10530,7 @@
               </a:ln>
               <a:extLst>
                 <a:ext uri="{91240B29-F687-4f45-9708-019B960494DF}">
-                  <a14:hiddenLine xmlns="" xmlns:a14="http://schemas.microsoft.com/office/drawing/2010/main" w="9525">
+                  <a14:hiddenLine xmlns:a14="http://schemas.microsoft.com/office/drawing/2010/main" xmlns="" w="9525">
                     <a:solidFill>
                       <a:srgbClr val="000000"/>
                     </a:solidFill>
@@ -10623,7 +10620,7 @@
               </a:ln>
               <a:extLst>
                 <a:ext uri="{91240B29-F687-4f45-9708-019B960494DF}">
-                  <a14:hiddenLine xmlns="" xmlns:a14="http://schemas.microsoft.com/office/drawing/2010/main" w="9525">
+                  <a14:hiddenLine xmlns:a14="http://schemas.microsoft.com/office/drawing/2010/main" xmlns="" w="9525">
                     <a:solidFill>
                       <a:srgbClr val="000000"/>
                     </a:solidFill>
@@ -10688,7 +10685,7 @@
               </a:ln>
               <a:extLst>
                 <a:ext uri="{91240B29-F687-4f45-9708-019B960494DF}">
-                  <a14:hiddenLine xmlns="" xmlns:a14="http://schemas.microsoft.com/office/drawing/2010/main" w="9525">
+                  <a14:hiddenLine xmlns:a14="http://schemas.microsoft.com/office/drawing/2010/main" xmlns="" w="9525">
                     <a:solidFill>
                       <a:srgbClr val="000000"/>
                     </a:solidFill>
@@ -10750,7 +10747,7 @@
               </a:ln>
               <a:extLst>
                 <a:ext uri="{91240B29-F687-4f45-9708-019B960494DF}">
-                  <a14:hiddenLine xmlns="" xmlns:a14="http://schemas.microsoft.com/office/drawing/2010/main" w="9525">
+                  <a14:hiddenLine xmlns:a14="http://schemas.microsoft.com/office/drawing/2010/main" xmlns="" w="9525">
                     <a:solidFill>
                       <a:srgbClr val="000000"/>
                     </a:solidFill>
@@ -10840,7 +10837,7 @@
               </a:ln>
               <a:extLst>
                 <a:ext uri="{91240B29-F687-4f45-9708-019B960494DF}">
-                  <a14:hiddenLine xmlns="" xmlns:a14="http://schemas.microsoft.com/office/drawing/2010/main" w="9525">
+                  <a14:hiddenLine xmlns:a14="http://schemas.microsoft.com/office/drawing/2010/main" xmlns="" w="9525">
                     <a:solidFill>
                       <a:srgbClr val="000000"/>
                     </a:solidFill>
@@ -10930,7 +10927,7 @@
               </a:ln>
               <a:extLst>
                 <a:ext uri="{91240B29-F687-4f45-9708-019B960494DF}">
-                  <a14:hiddenLine xmlns="" xmlns:a14="http://schemas.microsoft.com/office/drawing/2010/main" w="9525">
+                  <a14:hiddenLine xmlns:a14="http://schemas.microsoft.com/office/drawing/2010/main" xmlns="" w="9525">
                     <a:solidFill>
                       <a:srgbClr val="000000"/>
                     </a:solidFill>
@@ -10995,7 +10992,7 @@
               </a:ln>
               <a:extLst>
                 <a:ext uri="{91240B29-F687-4f45-9708-019B960494DF}">
-                  <a14:hiddenLine xmlns="" xmlns:a14="http://schemas.microsoft.com/office/drawing/2010/main" w="9525">
+                  <a14:hiddenLine xmlns:a14="http://schemas.microsoft.com/office/drawing/2010/main" xmlns="" w="9525">
                     <a:solidFill>
                       <a:srgbClr val="000000"/>
                     </a:solidFill>
@@ -11115,7 +11112,7 @@
               </a:ln>
               <a:extLst>
                 <a:ext uri="{91240B29-F687-4f45-9708-019B960494DF}">
-                  <a14:hiddenLine xmlns="" xmlns:a14="http://schemas.microsoft.com/office/drawing/2010/main" w="9525">
+                  <a14:hiddenLine xmlns:a14="http://schemas.microsoft.com/office/drawing/2010/main" xmlns="" w="9525">
                     <a:solidFill>
                       <a:srgbClr val="000000"/>
                     </a:solidFill>
@@ -11213,7 +11210,7 @@
               </a:ln>
               <a:extLst>
                 <a:ext uri="{91240B29-F687-4f45-9708-019B960494DF}">
-                  <a14:hiddenLine xmlns="" xmlns:a14="http://schemas.microsoft.com/office/drawing/2010/main" w="9525">
+                  <a14:hiddenLine xmlns:a14="http://schemas.microsoft.com/office/drawing/2010/main" xmlns="" w="9525">
                     <a:solidFill>
                       <a:srgbClr val="000000"/>
                     </a:solidFill>
@@ -11328,7 +11325,7 @@
               </a:ln>
               <a:extLst>
                 <a:ext uri="{91240B29-F687-4f45-9708-019B960494DF}">
-                  <a14:hiddenLine xmlns="" xmlns:a14="http://schemas.microsoft.com/office/drawing/2010/main" w="9525">
+                  <a14:hiddenLine xmlns:a14="http://schemas.microsoft.com/office/drawing/2010/main" xmlns="" w="9525">
                     <a:solidFill>
                       <a:srgbClr val="000000"/>
                     </a:solidFill>
@@ -11418,7 +11415,7 @@
               </a:ln>
               <a:extLst>
                 <a:ext uri="{91240B29-F687-4f45-9708-019B960494DF}">
-                  <a14:hiddenLine xmlns="" xmlns:a14="http://schemas.microsoft.com/office/drawing/2010/main" w="9525">
+                  <a14:hiddenLine xmlns:a14="http://schemas.microsoft.com/office/drawing/2010/main" xmlns="" w="9525">
                     <a:solidFill>
                       <a:srgbClr val="000000"/>
                     </a:solidFill>
@@ -11483,7 +11480,7 @@
               </a:ln>
               <a:extLst>
                 <a:ext uri="{91240B29-F687-4f45-9708-019B960494DF}">
-                  <a14:hiddenLine xmlns="" xmlns:a14="http://schemas.microsoft.com/office/drawing/2010/main" w="9525">
+                  <a14:hiddenLine xmlns:a14="http://schemas.microsoft.com/office/drawing/2010/main" xmlns="" w="9525">
                     <a:solidFill>
                       <a:srgbClr val="000000"/>
                     </a:solidFill>
@@ -11573,7 +11570,7 @@
               </a:ln>
               <a:extLst>
                 <a:ext uri="{91240B29-F687-4f45-9708-019B960494DF}">
-                  <a14:hiddenLine xmlns="" xmlns:a14="http://schemas.microsoft.com/office/drawing/2010/main" w="9525">
+                  <a14:hiddenLine xmlns:a14="http://schemas.microsoft.com/office/drawing/2010/main" xmlns="" w="9525">
                     <a:solidFill>
                       <a:srgbClr val="000000"/>
                     </a:solidFill>
@@ -11641,7 +11638,7 @@
               </a:ln>
               <a:extLst>
                 <a:ext uri="{91240B29-F687-4f45-9708-019B960494DF}">
-                  <a14:hiddenLine xmlns="" xmlns:a14="http://schemas.microsoft.com/office/drawing/2010/main" w="9525">
+                  <a14:hiddenLine xmlns:a14="http://schemas.microsoft.com/office/drawing/2010/main" xmlns="" w="9525">
                     <a:solidFill>
                       <a:srgbClr val="000000"/>
                     </a:solidFill>
@@ -11731,7 +11728,7 @@
               </a:ln>
               <a:extLst>
                 <a:ext uri="{91240B29-F687-4f45-9708-019B960494DF}">
-                  <a14:hiddenLine xmlns="" xmlns:a14="http://schemas.microsoft.com/office/drawing/2010/main" w="9525">
+                  <a14:hiddenLine xmlns:a14="http://schemas.microsoft.com/office/drawing/2010/main" xmlns="" w="9525">
                     <a:solidFill>
                       <a:srgbClr val="000000"/>
                     </a:solidFill>
@@ -11799,7 +11796,7 @@
               </a:ln>
               <a:extLst>
                 <a:ext uri="{91240B29-F687-4f45-9708-019B960494DF}">
-                  <a14:hiddenLine xmlns="" xmlns:a14="http://schemas.microsoft.com/office/drawing/2010/main" w="9525">
+                  <a14:hiddenLine xmlns:a14="http://schemas.microsoft.com/office/drawing/2010/main" xmlns="" w="9525">
                     <a:solidFill>
                       <a:srgbClr val="000000"/>
                     </a:solidFill>
@@ -11889,7 +11886,7 @@
               </a:ln>
               <a:extLst>
                 <a:ext uri="{91240B29-F687-4f45-9708-019B960494DF}">
-                  <a14:hiddenLine xmlns="" xmlns:a14="http://schemas.microsoft.com/office/drawing/2010/main" w="9525">
+                  <a14:hiddenLine xmlns:a14="http://schemas.microsoft.com/office/drawing/2010/main" xmlns="" w="9525">
                     <a:solidFill>
                       <a:srgbClr val="000000"/>
                     </a:solidFill>
@@ -11923,7 +11920,7 @@
               </a:ln>
               <a:extLst>
                 <a:ext uri="{91240B29-F687-4f45-9708-019B960494DF}">
-                  <a14:hiddenLine xmlns="" xmlns:a14="http://schemas.microsoft.com/office/drawing/2010/main" w="9525">
+                  <a14:hiddenLine xmlns:a14="http://schemas.microsoft.com/office/drawing/2010/main" xmlns="" w="9525">
                     <a:solidFill>
                       <a:srgbClr val="000000"/>
                     </a:solidFill>
@@ -12063,7 +12060,7 @@
           <a:p>
             <a:fld id="{9318CF01-2EC1-40B6-9CFD-D6FDEDF71867}" type="datetimeFigureOut">
               <a:rPr lang="en-IN" smtClean="0"/>
-              <a:t>04-10-2024</a:t>
+              <a:t>05-10-2024</a:t>
             </a:fld>
             <a:endParaRPr lang="en-IN"/>
           </a:p>
@@ -14850,10 +14847,10 @@
       </p:sp>
       <p:pic>
         <p:nvPicPr>
-          <p:cNvPr id="7" name="Picture 6">
+          <p:cNvPr id="4" name="Picture 3">
             <a:extLst>
               <a:ext uri="{FF2B5EF4-FFF2-40B4-BE49-F238E27FC236}">
-                <a16:creationId xmlns:a16="http://schemas.microsoft.com/office/drawing/2014/main" id="{F3BCBDC1-60B9-B27F-506E-7DAAC0740CC2}"/>
+                <a16:creationId xmlns:a16="http://schemas.microsoft.com/office/drawing/2014/main" id="{E49DABCD-5E6A-A862-4844-2137A811AFB3}"/>
               </a:ext>
             </a:extLst>
           </p:cNvPr>
@@ -14876,8 +14873,8 @@
         </p:blipFill>
         <p:spPr>
           <a:xfrm>
-            <a:off x="2555631" y="3341077"/>
-            <a:ext cx="6693877" cy="2450123"/>
+            <a:off x="2438400" y="3429000"/>
+            <a:ext cx="6893169" cy="2362200"/>
           </a:xfrm>
           <a:prstGeom prst="rect">
             <a:avLst/>
@@ -15276,10 +15273,10 @@
       </p:sp>
       <p:pic>
         <p:nvPicPr>
-          <p:cNvPr id="4" name="Picture 3">
+          <p:cNvPr id="5" name="Picture 4">
             <a:extLst>
               <a:ext uri="{FF2B5EF4-FFF2-40B4-BE49-F238E27FC236}">
-                <a16:creationId xmlns:a16="http://schemas.microsoft.com/office/drawing/2014/main" id="{DAA819A2-854E-24E1-2C6A-619B4747A36F}"/>
+                <a16:creationId xmlns:a16="http://schemas.microsoft.com/office/drawing/2014/main" id="{BB0E61A4-9C95-5D3B-1C83-002142C60255}"/>
               </a:ext>
             </a:extLst>
           </p:cNvPr>
@@ -15302,8 +15299,8 @@
         </p:blipFill>
         <p:spPr>
           <a:xfrm>
-            <a:off x="2121877" y="3428999"/>
-            <a:ext cx="7725508" cy="2233247"/>
+            <a:off x="2356338" y="3429000"/>
+            <a:ext cx="5509847" cy="2139462"/>
           </a:xfrm>
           <a:prstGeom prst="rect">
             <a:avLst/>
@@ -15671,10 +15668,10 @@
       </p:sp>
       <p:pic>
         <p:nvPicPr>
-          <p:cNvPr id="5" name="Picture 4">
+          <p:cNvPr id="4" name="Picture 3">
             <a:extLst>
               <a:ext uri="{FF2B5EF4-FFF2-40B4-BE49-F238E27FC236}">
-                <a16:creationId xmlns:a16="http://schemas.microsoft.com/office/drawing/2014/main" id="{AE0708A8-B26C-EC90-ED14-7FD0FBA0C934}"/>
+                <a16:creationId xmlns:a16="http://schemas.microsoft.com/office/drawing/2014/main" id="{71B58928-143D-54B3-BC76-B15600D78870}"/>
               </a:ext>
             </a:extLst>
           </p:cNvPr>
@@ -15697,8 +15694,8 @@
         </p:blipFill>
         <p:spPr>
           <a:xfrm>
-            <a:off x="2473569" y="3610708"/>
-            <a:ext cx="7115908" cy="2426677"/>
+            <a:off x="2895600" y="3429000"/>
+            <a:ext cx="5814646" cy="2104292"/>
           </a:xfrm>
           <a:prstGeom prst="rect">
             <a:avLst/>
@@ -16069,10 +16066,10 @@
       </p:grpSpPr>
       <p:pic>
         <p:nvPicPr>
-          <p:cNvPr id="6" name="Content Placeholder 5">
+          <p:cNvPr id="5" name="Content Placeholder 4">
             <a:extLst>
               <a:ext uri="{FF2B5EF4-FFF2-40B4-BE49-F238E27FC236}">
-                <a16:creationId xmlns:a16="http://schemas.microsoft.com/office/drawing/2014/main" id="{D0A3E20C-6E08-74E8-A5E1-57E4BD4591B5}"/>
+                <a16:creationId xmlns:a16="http://schemas.microsoft.com/office/drawing/2014/main" id="{F96F2427-E90A-34B6-FDCA-719F4422EEF6}"/>
               </a:ext>
             </a:extLst>
           </p:cNvPr>
@@ -16097,8 +16094,8 @@
         </p:blipFill>
         <p:spPr>
           <a:xfrm>
-            <a:off x="1957754" y="1195754"/>
-            <a:ext cx="7690338" cy="3317631"/>
+            <a:off x="2403231" y="1817078"/>
+            <a:ext cx="7080737" cy="3200400"/>
           </a:xfrm>
         </p:spPr>
       </p:pic>
@@ -16716,10 +16713,10 @@
       </p:sp>
       <p:pic>
         <p:nvPicPr>
-          <p:cNvPr id="7" name="Content Placeholder 6">
+          <p:cNvPr id="6" name="Content Placeholder 5">
             <a:extLst>
               <a:ext uri="{FF2B5EF4-FFF2-40B4-BE49-F238E27FC236}">
-                <a16:creationId xmlns:a16="http://schemas.microsoft.com/office/drawing/2014/main" id="{A64B41F8-9C60-D017-7A0D-D50F1521FDB9}"/>
+                <a16:creationId xmlns:a16="http://schemas.microsoft.com/office/drawing/2014/main" id="{8FCB9E77-246C-C050-4645-3904FDC6D642}"/>
               </a:ext>
             </a:extLst>
           </p:cNvPr>
@@ -16744,8 +16741,8 @@
         </p:blipFill>
         <p:spPr>
           <a:xfrm>
-            <a:off x="2063262" y="2274276"/>
-            <a:ext cx="7772400" cy="2860431"/>
+            <a:off x="2016368" y="2731477"/>
+            <a:ext cx="6693877" cy="2637692"/>
           </a:xfrm>
         </p:spPr>
       </p:pic>
@@ -16933,170 +16930,12 @@
           <a:chExt cx="0" cy="0"/>
         </a:xfrm>
       </p:grpSpPr>
-      <p:sp>
-        <p:nvSpPr>
-          <p:cNvPr id="2" name="Title 1">
+      <p:pic>
+        <p:nvPicPr>
+          <p:cNvPr id="3" name="Picture 2">
             <a:extLst>
               <a:ext uri="{FF2B5EF4-FFF2-40B4-BE49-F238E27FC236}">
-                <a16:creationId xmlns:a16="http://schemas.microsoft.com/office/drawing/2014/main" id="{61F4D957-1185-755B-CAD7-8DD5770C0C58}"/>
-              </a:ext>
-            </a:extLst>
-          </p:cNvPr>
-          <p:cNvSpPr>
-            <a:spLocks noGrp="1"/>
-          </p:cNvSpPr>
-          <p:nvPr>
-            <p:ph type="title"/>
-          </p:nvPr>
-        </p:nvSpPr>
-        <p:spPr/>
-        <p:txBody>
-          <a:bodyPr>
-            <a:normAutofit/>
-          </a:bodyPr>
-          <a:lstStyle/>
-          <a:p>
-            <a:r>
-              <a:rPr lang="en-IN" sz="3200" dirty="0">
-                <a:solidFill>
-                  <a:schemeClr val="bg1"/>
-                </a:solidFill>
-                <a:latin typeface="Calibri" panose="020F0502020204030204" pitchFamily="34" charset="0"/>
-                <a:ea typeface="Calibri" panose="020F0502020204030204" pitchFamily="34" charset="0"/>
-                <a:cs typeface="Calibri" panose="020F0502020204030204" pitchFamily="34" charset="0"/>
-              </a:rPr>
-              <a:t>Comparison with Other Algorithms</a:t>
-            </a:r>
-          </a:p>
-        </p:txBody>
-      </p:sp>
-      <p:sp>
-        <p:nvSpPr>
-          <p:cNvPr id="3" name="Content Placeholder 2">
-            <a:extLst>
-              <a:ext uri="{FF2B5EF4-FFF2-40B4-BE49-F238E27FC236}">
-                <a16:creationId xmlns:a16="http://schemas.microsoft.com/office/drawing/2014/main" id="{C53E7230-F579-A644-422D-430174F8D25B}"/>
-              </a:ext>
-            </a:extLst>
-          </p:cNvPr>
-          <p:cNvSpPr>
-            <a:spLocks noGrp="1"/>
-          </p:cNvSpPr>
-          <p:nvPr>
-            <p:ph idx="1"/>
-          </p:nvPr>
-        </p:nvSpPr>
-        <p:spPr/>
-        <p:txBody>
-          <a:bodyPr>
-            <a:normAutofit lnSpcReduction="10000"/>
-          </a:bodyPr>
-          <a:lstStyle/>
-          <a:p>
-            <a:pPr marL="0" indent="0">
-              <a:buNone/>
-            </a:pPr>
-            <a:r>
-              <a:rPr lang="en-US" dirty="0">
-                <a:solidFill>
-                  <a:schemeClr val="accent4">
-                    <a:lumMod val="50000"/>
-                  </a:schemeClr>
-                </a:solidFill>
-              </a:rPr>
-              <a:t>Random Forest vs. Decision Trees:</a:t>
-            </a:r>
-          </a:p>
-          <a:p>
-            <a:pPr marL="0" indent="0">
-              <a:buNone/>
-            </a:pPr>
-            <a:r>
-              <a:rPr lang="en-US" dirty="0"/>
-              <a:t>	Decision Trees: Simple and interpretable, but prone to overfitting.</a:t>
-            </a:r>
-          </a:p>
-          <a:p>
-            <a:pPr marL="0" indent="0">
-              <a:buNone/>
-            </a:pPr>
-            <a:r>
-              <a:rPr lang="en-US" dirty="0"/>
-              <a:t>	Random Forest: More accurate and robust due to ensemble learning.</a:t>
-            </a:r>
-          </a:p>
-          <a:p>
-            <a:pPr marL="0" indent="0">
-              <a:buNone/>
-            </a:pPr>
-            <a:r>
-              <a:rPr lang="en-US" dirty="0">
-                <a:solidFill>
-                  <a:schemeClr val="accent4">
-                    <a:lumMod val="50000"/>
-                  </a:schemeClr>
-                </a:solidFill>
-              </a:rPr>
-              <a:t>Random Forest vs. Gradient Boosting:</a:t>
-            </a:r>
-          </a:p>
-          <a:p>
-            <a:pPr marL="0" indent="0">
-              <a:buNone/>
-            </a:pPr>
-            <a:r>
-              <a:rPr lang="en-US" dirty="0"/>
-              <a:t>	Gradient Boosting: Generally has better accuracy, but slower training times.</a:t>
-            </a:r>
-          </a:p>
-          <a:p>
-            <a:pPr marL="0" indent="0">
-              <a:buNone/>
-            </a:pPr>
-            <a:r>
-              <a:rPr lang="en-US" dirty="0"/>
-              <a:t>	Random Forest: Easier to tune and parallelize.</a:t>
-            </a:r>
-            <a:endParaRPr lang="en-IN" dirty="0"/>
-          </a:p>
-        </p:txBody>
-      </p:sp>
-    </p:spTree>
-    <p:extLst>
-      <p:ext uri="{BB962C8B-B14F-4D97-AF65-F5344CB8AC3E}">
-        <p14:creationId xmlns:p14="http://schemas.microsoft.com/office/powerpoint/2010/main" val="1486791272"/>
-      </p:ext>
-    </p:extLst>
-  </p:cSld>
-  <p:clrMapOvr>
-    <a:masterClrMapping/>
-  </p:clrMapOvr>
-</p:sld>
-</file>
-
-<file path=ppt/slides/slide37.xml><?xml version="1.0" encoding="utf-8"?>
-<p:sld xmlns:a="http://schemas.openxmlformats.org/drawingml/2006/main" xmlns:r="http://schemas.openxmlformats.org/officeDocument/2006/relationships" xmlns:p="http://schemas.openxmlformats.org/presentationml/2006/main">
-  <p:cSld>
-    <p:spTree>
-      <p:nvGrpSpPr>
-        <p:cNvPr id="1" name=""/>
-        <p:cNvGrpSpPr/>
-        <p:nvPr/>
-      </p:nvGrpSpPr>
-      <p:grpSpPr>
-        <a:xfrm>
-          <a:off x="0" y="0"/>
-          <a:ext cx="0" cy="0"/>
-          <a:chOff x="0" y="0"/>
-          <a:chExt cx="0" cy="0"/>
-        </a:xfrm>
-      </p:grpSpPr>
-      <p:pic>
-        <p:nvPicPr>
-          <p:cNvPr id="4" name="Picture 3">
-            <a:extLst>
-              <a:ext uri="{FF2B5EF4-FFF2-40B4-BE49-F238E27FC236}">
-                <a16:creationId xmlns:a16="http://schemas.microsoft.com/office/drawing/2014/main" id="{57E41102-D762-D460-0C4E-3A381639348B}"/>
+                <a16:creationId xmlns:a16="http://schemas.microsoft.com/office/drawing/2014/main" id="{7A030930-27BB-D2CF-300F-A52C903514EF}"/>
               </a:ext>
             </a:extLst>
           </p:cNvPr>
@@ -17119,8 +16958,8 @@
         </p:blipFill>
         <p:spPr>
           <a:xfrm>
-            <a:off x="1535723" y="1301262"/>
-            <a:ext cx="9355015" cy="2954215"/>
+            <a:off x="1946032" y="1395046"/>
+            <a:ext cx="7831014" cy="3763108"/>
           </a:xfrm>
           <a:prstGeom prst="rect">
             <a:avLst/>
@@ -17140,7 +16979,7 @@
 </p:sld>
 </file>
 
-<file path=ppt/slides/slide38.xml><?xml version="1.0" encoding="utf-8"?>
+<file path=ppt/slides/slide37.xml><?xml version="1.0" encoding="utf-8"?>
 <p:sld xmlns:a="http://schemas.openxmlformats.org/drawingml/2006/main" xmlns:r="http://schemas.openxmlformats.org/officeDocument/2006/relationships" xmlns:p="http://schemas.openxmlformats.org/presentationml/2006/main">
   <p:cSld>
     <p:spTree>
@@ -17287,7 +17126,7 @@
 </p:sld>
 </file>
 
-<file path=ppt/slides/slide39.xml><?xml version="1.0" encoding="utf-8"?>
+<file path=ppt/slides/slide38.xml><?xml version="1.0" encoding="utf-8"?>
 <p:sld xmlns:a="http://schemas.openxmlformats.org/drawingml/2006/main" xmlns:r="http://schemas.openxmlformats.org/officeDocument/2006/relationships" xmlns:p="http://schemas.openxmlformats.org/presentationml/2006/main">
   <p:cSld>
     <p:spTree>
@@ -17477,6 +17316,108 @@
     <p:extLst>
       <p:ext uri="{BB962C8B-B14F-4D97-AF65-F5344CB8AC3E}">
         <p14:creationId xmlns:p14="http://schemas.microsoft.com/office/powerpoint/2010/main" val="283918245"/>
+      </p:ext>
+    </p:extLst>
+  </p:cSld>
+  <p:clrMapOvr>
+    <a:masterClrMapping/>
+  </p:clrMapOvr>
+</p:sld>
+</file>
+
+<file path=ppt/slides/slide39.xml><?xml version="1.0" encoding="utf-8"?>
+<p:sld xmlns:a="http://schemas.openxmlformats.org/drawingml/2006/main" xmlns:r="http://schemas.openxmlformats.org/officeDocument/2006/relationships" xmlns:p="http://schemas.openxmlformats.org/presentationml/2006/main">
+  <p:cSld>
+    <p:spTree>
+      <p:nvGrpSpPr>
+        <p:cNvPr id="1" name=""/>
+        <p:cNvGrpSpPr/>
+        <p:nvPr/>
+      </p:nvGrpSpPr>
+      <p:grpSpPr>
+        <a:xfrm>
+          <a:off x="0" y="0"/>
+          <a:ext cx="0" cy="0"/>
+          <a:chOff x="0" y="0"/>
+          <a:chExt cx="0" cy="0"/>
+        </a:xfrm>
+      </p:grpSpPr>
+      <p:pic>
+        <p:nvPicPr>
+          <p:cNvPr id="3" name="Picture 2">
+            <a:extLst>
+              <a:ext uri="{FF2B5EF4-FFF2-40B4-BE49-F238E27FC236}">
+                <a16:creationId xmlns:a16="http://schemas.microsoft.com/office/drawing/2014/main" id="{DEF8A4E6-6FF4-B3F0-23FA-3F4BE3DD4F3B}"/>
+              </a:ext>
+            </a:extLst>
+          </p:cNvPr>
+          <p:cNvPicPr>
+            <a:picLocks noChangeAspect="1"/>
+          </p:cNvPicPr>
+          <p:nvPr/>
+        </p:nvPicPr>
+        <p:blipFill>
+          <a:blip r:embed="rId2">
+            <a:extLst>
+              <a:ext uri="{28A0092B-C50C-407E-A947-70E740481C1C}">
+                <a14:useLocalDpi xmlns:a14="http://schemas.microsoft.com/office/drawing/2010/main" val="0"/>
+              </a:ext>
+            </a:extLst>
+          </a:blip>
+          <a:stretch>
+            <a:fillRect/>
+          </a:stretch>
+        </p:blipFill>
+        <p:spPr>
+          <a:xfrm>
+            <a:off x="2215661" y="691663"/>
+            <a:ext cx="7151077" cy="2485291"/>
+          </a:xfrm>
+          <a:prstGeom prst="rect">
+            <a:avLst/>
+          </a:prstGeom>
+        </p:spPr>
+      </p:pic>
+      <p:pic>
+        <p:nvPicPr>
+          <p:cNvPr id="5" name="Picture 4">
+            <a:extLst>
+              <a:ext uri="{FF2B5EF4-FFF2-40B4-BE49-F238E27FC236}">
+                <a16:creationId xmlns:a16="http://schemas.microsoft.com/office/drawing/2014/main" id="{A66BCF43-020A-5C58-3A69-21DA1BD026F3}"/>
+              </a:ext>
+            </a:extLst>
+          </p:cNvPr>
+          <p:cNvPicPr>
+            <a:picLocks noChangeAspect="1"/>
+          </p:cNvPicPr>
+          <p:nvPr/>
+        </p:nvPicPr>
+        <p:blipFill>
+          <a:blip r:embed="rId3">
+            <a:extLst>
+              <a:ext uri="{28A0092B-C50C-407E-A947-70E740481C1C}">
+                <a14:useLocalDpi xmlns:a14="http://schemas.microsoft.com/office/drawing/2010/main" val="0"/>
+              </a:ext>
+            </a:extLst>
+          </a:blip>
+          <a:stretch>
+            <a:fillRect/>
+          </a:stretch>
+        </p:blipFill>
+        <p:spPr>
+          <a:xfrm>
+            <a:off x="1957753" y="3825323"/>
+            <a:ext cx="7584831" cy="2341014"/>
+          </a:xfrm>
+          <a:prstGeom prst="rect">
+            <a:avLst/>
+          </a:prstGeom>
+        </p:spPr>
+      </p:pic>
+    </p:spTree>
+    <p:extLst>
+      <p:ext uri="{BB962C8B-B14F-4D97-AF65-F5344CB8AC3E}">
+        <p14:creationId xmlns:p14="http://schemas.microsoft.com/office/powerpoint/2010/main" val="2526227990"/>
       </p:ext>
     </p:extLst>
   </p:cSld>
@@ -17642,108 +17583,6 @@
           <a:chExt cx="0" cy="0"/>
         </a:xfrm>
       </p:grpSpPr>
-      <p:pic>
-        <p:nvPicPr>
-          <p:cNvPr id="6" name="Picture 5">
-            <a:extLst>
-              <a:ext uri="{FF2B5EF4-FFF2-40B4-BE49-F238E27FC236}">
-                <a16:creationId xmlns:a16="http://schemas.microsoft.com/office/drawing/2014/main" id="{E8E41794-56A9-D859-17D3-F8EE091F86D2}"/>
-              </a:ext>
-            </a:extLst>
-          </p:cNvPr>
-          <p:cNvPicPr>
-            <a:picLocks noChangeAspect="1"/>
-          </p:cNvPicPr>
-          <p:nvPr/>
-        </p:nvPicPr>
-        <p:blipFill>
-          <a:blip r:embed="rId2">
-            <a:extLst>
-              <a:ext uri="{28A0092B-C50C-407E-A947-70E740481C1C}">
-                <a14:useLocalDpi xmlns:a14="http://schemas.microsoft.com/office/drawing/2010/main" val="0"/>
-              </a:ext>
-            </a:extLst>
-          </a:blip>
-          <a:stretch>
-            <a:fillRect/>
-          </a:stretch>
-        </p:blipFill>
-        <p:spPr>
-          <a:xfrm>
-            <a:off x="2133601" y="538818"/>
-            <a:ext cx="6037384" cy="2063705"/>
-          </a:xfrm>
-          <a:prstGeom prst="rect">
-            <a:avLst/>
-          </a:prstGeom>
-        </p:spPr>
-      </p:pic>
-      <p:pic>
-        <p:nvPicPr>
-          <p:cNvPr id="9" name="Picture 8">
-            <a:extLst>
-              <a:ext uri="{FF2B5EF4-FFF2-40B4-BE49-F238E27FC236}">
-                <a16:creationId xmlns:a16="http://schemas.microsoft.com/office/drawing/2014/main" id="{8DEAEFC4-0FEB-1A38-0D13-70852C7B7E63}"/>
-              </a:ext>
-            </a:extLst>
-          </p:cNvPr>
-          <p:cNvPicPr>
-            <a:picLocks noChangeAspect="1"/>
-          </p:cNvPicPr>
-          <p:nvPr/>
-        </p:nvPicPr>
-        <p:blipFill>
-          <a:blip r:embed="rId3">
-            <a:extLst>
-              <a:ext uri="{28A0092B-C50C-407E-A947-70E740481C1C}">
-                <a14:useLocalDpi xmlns:a14="http://schemas.microsoft.com/office/drawing/2010/main" val="0"/>
-              </a:ext>
-            </a:extLst>
-          </a:blip>
-          <a:stretch>
-            <a:fillRect/>
-          </a:stretch>
-        </p:blipFill>
-        <p:spPr>
-          <a:xfrm>
-            <a:off x="2133602" y="3276600"/>
-            <a:ext cx="6037384" cy="2315751"/>
-          </a:xfrm>
-          <a:prstGeom prst="rect">
-            <a:avLst/>
-          </a:prstGeom>
-        </p:spPr>
-      </p:pic>
-    </p:spTree>
-    <p:extLst>
-      <p:ext uri="{BB962C8B-B14F-4D97-AF65-F5344CB8AC3E}">
-        <p14:creationId xmlns:p14="http://schemas.microsoft.com/office/powerpoint/2010/main" val="2526227990"/>
-      </p:ext>
-    </p:extLst>
-  </p:cSld>
-  <p:clrMapOvr>
-    <a:masterClrMapping/>
-  </p:clrMapOvr>
-</p:sld>
-</file>
-
-<file path=ppt/slides/slide41.xml><?xml version="1.0" encoding="utf-8"?>
-<p:sld xmlns:a="http://schemas.openxmlformats.org/drawingml/2006/main" xmlns:r="http://schemas.openxmlformats.org/officeDocument/2006/relationships" xmlns:p="http://schemas.openxmlformats.org/presentationml/2006/main">
-  <p:cSld>
-    <p:spTree>
-      <p:nvGrpSpPr>
-        <p:cNvPr id="1" name=""/>
-        <p:cNvGrpSpPr/>
-        <p:nvPr/>
-      </p:nvGrpSpPr>
-      <p:grpSpPr>
-        <a:xfrm>
-          <a:off x="0" y="0"/>
-          <a:ext cx="0" cy="0"/>
-          <a:chOff x="0" y="0"/>
-          <a:chExt cx="0" cy="0"/>
-        </a:xfrm>
-      </p:grpSpPr>
       <p:sp>
         <p:nvSpPr>
           <p:cNvPr id="2" name="Title 1">
@@ -17841,7 +17680,7 @@
 </p:sld>
 </file>
 
-<file path=ppt/slides/slide42.xml><?xml version="1.0" encoding="utf-8"?>
+<file path=ppt/slides/slide41.xml><?xml version="1.0" encoding="utf-8"?>
 <p:sld xmlns:a="http://schemas.openxmlformats.org/drawingml/2006/main" xmlns:r="http://schemas.openxmlformats.org/officeDocument/2006/relationships" xmlns:p="http://schemas.openxmlformats.org/presentationml/2006/main">
   <p:cSld>
     <p:spTree>
@@ -18005,7 +17844,7 @@
 </p:sld>
 </file>
 
-<file path=ppt/slides/slide43.xml><?xml version="1.0" encoding="utf-8"?>
+<file path=ppt/slides/slide42.xml><?xml version="1.0" encoding="utf-8"?>
 <p:sld xmlns:a="http://schemas.openxmlformats.org/drawingml/2006/main" xmlns:r="http://schemas.openxmlformats.org/officeDocument/2006/relationships" xmlns:p="http://schemas.openxmlformats.org/presentationml/2006/main">
   <p:cSld>
     <p:spTree>
@@ -18145,7 +17984,7 @@
 </p:sld>
 </file>
 
-<file path=ppt/slides/slide44.xml><?xml version="1.0" encoding="utf-8"?>
+<file path=ppt/slides/slide43.xml><?xml version="1.0" encoding="utf-8"?>
 <p:sld xmlns:a="http://schemas.openxmlformats.org/drawingml/2006/main" xmlns:r="http://schemas.openxmlformats.org/officeDocument/2006/relationships" xmlns:p="http://schemas.openxmlformats.org/presentationml/2006/main">
   <p:cSld>
     <p:spTree>
@@ -18321,7 +18160,7 @@
 </p:sld>
 </file>
 
-<file path=ppt/slides/slide45.xml><?xml version="1.0" encoding="utf-8"?>
+<file path=ppt/slides/slide44.xml><?xml version="1.0" encoding="utf-8"?>
 <p:sld xmlns:a="http://schemas.openxmlformats.org/drawingml/2006/main" xmlns:r="http://schemas.openxmlformats.org/officeDocument/2006/relationships" xmlns:p="http://schemas.openxmlformats.org/presentationml/2006/main">
   <p:cSld>
     <p:spTree>
@@ -18485,115 +18324,7 @@
 </p:sld>
 </file>
 
-<file path=ppt/slides/slide46.xml><?xml version="1.0" encoding="utf-8"?>
-<p:sld xmlns:a="http://schemas.openxmlformats.org/drawingml/2006/main" xmlns:r="http://schemas.openxmlformats.org/officeDocument/2006/relationships" xmlns:p="http://schemas.openxmlformats.org/presentationml/2006/main">
-  <p:cSld>
-    <p:spTree>
-      <p:nvGrpSpPr>
-        <p:cNvPr id="1" name=""/>
-        <p:cNvGrpSpPr/>
-        <p:nvPr/>
-      </p:nvGrpSpPr>
-      <p:grpSpPr>
-        <a:xfrm>
-          <a:off x="0" y="0"/>
-          <a:ext cx="0" cy="0"/>
-          <a:chOff x="0" y="0"/>
-          <a:chExt cx="0" cy="0"/>
-        </a:xfrm>
-      </p:grpSpPr>
-      <p:sp>
-        <p:nvSpPr>
-          <p:cNvPr id="2" name="Title 1">
-            <a:extLst>
-              <a:ext uri="{FF2B5EF4-FFF2-40B4-BE49-F238E27FC236}">
-                <a16:creationId xmlns:a16="http://schemas.microsoft.com/office/drawing/2014/main" id="{5604AC4D-E8E0-D64C-5F38-09C4DEF9535C}"/>
-              </a:ext>
-            </a:extLst>
-          </p:cNvPr>
-          <p:cNvSpPr>
-            <a:spLocks noGrp="1"/>
-          </p:cNvSpPr>
-          <p:nvPr>
-            <p:ph type="title"/>
-          </p:nvPr>
-        </p:nvSpPr>
-        <p:spPr/>
-        <p:txBody>
-          <a:bodyPr>
-            <a:normAutofit/>
-          </a:bodyPr>
-          <a:lstStyle/>
-          <a:p>
-            <a:r>
-              <a:rPr lang="en-US" sz="3200" b="1" i="0" u="none" strike="noStrike" dirty="0">
-                <a:solidFill>
-                  <a:srgbClr val="000000"/>
-                </a:solidFill>
-                <a:effectLst/>
-                <a:latin typeface="Calibri" panose="020F0502020204030204" pitchFamily="34" charset="0"/>
-                <a:ea typeface="Calibri" panose="020F0502020204030204" pitchFamily="34" charset="0"/>
-                <a:cs typeface="Calibri" panose="020F0502020204030204" pitchFamily="34" charset="0"/>
-              </a:rPr>
-              <a:t>Final Evaluation on Test Set</a:t>
-            </a:r>
-            <a:endParaRPr lang="en-IN" sz="3200" dirty="0">
-              <a:latin typeface="Calibri" panose="020F0502020204030204" pitchFamily="34" charset="0"/>
-              <a:ea typeface="Calibri" panose="020F0502020204030204" pitchFamily="34" charset="0"/>
-              <a:cs typeface="Calibri" panose="020F0502020204030204" pitchFamily="34" charset="0"/>
-            </a:endParaRPr>
-          </a:p>
-        </p:txBody>
-      </p:sp>
-      <p:pic>
-        <p:nvPicPr>
-          <p:cNvPr id="7" name="Content Placeholder 6">
-            <a:extLst>
-              <a:ext uri="{FF2B5EF4-FFF2-40B4-BE49-F238E27FC236}">
-                <a16:creationId xmlns:a16="http://schemas.microsoft.com/office/drawing/2014/main" id="{5BF1CF01-38FE-EAE7-4E21-39B5866C649B}"/>
-              </a:ext>
-            </a:extLst>
-          </p:cNvPr>
-          <p:cNvPicPr>
-            <a:picLocks noGrp="1" noChangeAspect="1"/>
-          </p:cNvPicPr>
-          <p:nvPr>
-            <p:ph idx="1"/>
-          </p:nvPr>
-        </p:nvPicPr>
-        <p:blipFill>
-          <a:blip r:embed="rId2">
-            <a:extLst>
-              <a:ext uri="{28A0092B-C50C-407E-A947-70E740481C1C}">
-                <a14:useLocalDpi xmlns:a14="http://schemas.microsoft.com/office/drawing/2010/main" val="0"/>
-              </a:ext>
-            </a:extLst>
-          </a:blip>
-          <a:stretch>
-            <a:fillRect/>
-          </a:stretch>
-        </p:blipFill>
-        <p:spPr>
-          <a:xfrm>
-            <a:off x="2250832" y="2414955"/>
-            <a:ext cx="7221414" cy="2801814"/>
-          </a:xfrm>
-        </p:spPr>
-      </p:pic>
-    </p:spTree>
-    <p:extLst>
-      <p:ext uri="{BB962C8B-B14F-4D97-AF65-F5344CB8AC3E}">
-        <p14:creationId xmlns:p14="http://schemas.microsoft.com/office/powerpoint/2010/main" val="1535658590"/>
-      </p:ext>
-    </p:extLst>
-  </p:cSld>
-  <p:clrMapOvr>
-    <a:masterClrMapping/>
-  </p:clrMapOvr>
-</p:sld>
-</file>
-
-<file path=ppt/slides/slide47.xml><?xml version="1.0" encoding="utf-8"?>
+<file path=ppt/slides/slide45.xml><?xml version="1.0" encoding="utf-8"?>
 <p:sld xmlns:a="http://schemas.openxmlformats.org/drawingml/2006/main" xmlns:r="http://schemas.openxmlformats.org/officeDocument/2006/relationships" xmlns:p="http://schemas.openxmlformats.org/presentationml/2006/main">
   <p:cSld>
     <p:spTree>
@@ -18666,7 +18397,7 @@
         <p:spPr/>
         <p:txBody>
           <a:bodyPr>
-            <a:normAutofit lnSpcReduction="10000"/>
+            <a:normAutofit/>
           </a:bodyPr>
           <a:lstStyle/>
           <a:p>
@@ -18676,7 +18407,7 @@
                 <a:ea typeface="Calibri" panose="020F0502020204030204" pitchFamily="34" charset="0"/>
                 <a:cs typeface="Calibri" panose="020F0502020204030204" pitchFamily="34" charset="0"/>
               </a:rPr>
-              <a:t>Based on the analysis and model evaluation, we found that the Random Forest model, after hyperparameter tuning and addressing class imbalance with SMOTE, achieved the best performance on the test dataset, surpassing the baseline models and other models like Logistic Regression, XGBoost, KNN, Decision Tree, and Catboost.</a:t>
+              <a:t>Based on the evaluation metrics, particularly accuracy, precision, recall, and F1-score, XGBoost emerged as the best-performing model for this project.</a:t>
             </a:r>
           </a:p>
           <a:p>
@@ -18686,7 +18417,17 @@
                 <a:ea typeface="Calibri" panose="020F0502020204030204" pitchFamily="34" charset="0"/>
                 <a:cs typeface="Calibri" panose="020F0502020204030204" pitchFamily="34" charset="0"/>
               </a:rPr>
-              <a:t>The model's effectiveness is further highlighted by its ability to correctly classify a significant portion of the samples and demonstrates improvements over the baseline F1-score, precision, and recall.</a:t>
+              <a:t>Hyperparameter tuning and feature importance analysis further enhanced the model's effectiveness.</a:t>
+            </a:r>
+          </a:p>
+          <a:p>
+            <a:r>
+              <a:rPr lang="en-US" dirty="0">
+                <a:latin typeface="Calibri" panose="020F0502020204030204" pitchFamily="34" charset="0"/>
+                <a:ea typeface="Calibri" panose="020F0502020204030204" pitchFamily="34" charset="0"/>
+                <a:cs typeface="Calibri" panose="020F0502020204030204" pitchFamily="34" charset="0"/>
+              </a:rPr>
+              <a:t>The final evaluation on the test set demonstrated a significant improvement over the baseline and confirmed XGBoost's robust performance in predicting the target variable.</a:t>
             </a:r>
           </a:p>
         </p:txBody>
@@ -18695,98 +18436,6 @@
     <p:extLst>
       <p:ext uri="{BB962C8B-B14F-4D97-AF65-F5344CB8AC3E}">
         <p14:creationId xmlns:p14="http://schemas.microsoft.com/office/powerpoint/2010/main" val="1448428256"/>
-      </p:ext>
-    </p:extLst>
-  </p:cSld>
-  <p:clrMapOvr>
-    <a:masterClrMapping/>
-  </p:clrMapOvr>
-</p:sld>
-</file>
-
-<file path=ppt/slides/slide48.xml><?xml version="1.0" encoding="utf-8"?>
-<p:sld xmlns:a="http://schemas.openxmlformats.org/drawingml/2006/main" xmlns:r="http://schemas.openxmlformats.org/officeDocument/2006/relationships" xmlns:p="http://schemas.openxmlformats.org/presentationml/2006/main">
-  <p:cSld>
-    <p:spTree>
-      <p:nvGrpSpPr>
-        <p:cNvPr id="1" name=""/>
-        <p:cNvGrpSpPr/>
-        <p:nvPr/>
-      </p:nvGrpSpPr>
-      <p:grpSpPr>
-        <a:xfrm>
-          <a:off x="0" y="0"/>
-          <a:ext cx="0" cy="0"/>
-          <a:chOff x="0" y="0"/>
-          <a:chExt cx="0" cy="0"/>
-        </a:xfrm>
-      </p:grpSpPr>
-      <p:sp>
-        <p:nvSpPr>
-          <p:cNvPr id="3" name="Content Placeholder 2">
-            <a:extLst>
-              <a:ext uri="{FF2B5EF4-FFF2-40B4-BE49-F238E27FC236}">
-                <a16:creationId xmlns:a16="http://schemas.microsoft.com/office/drawing/2014/main" id="{5CC510F7-722C-A69F-58AE-BE23E9ACB20D}"/>
-              </a:ext>
-            </a:extLst>
-          </p:cNvPr>
-          <p:cNvSpPr>
-            <a:spLocks noGrp="1"/>
-          </p:cNvSpPr>
-          <p:nvPr>
-            <p:ph idx="1"/>
-          </p:nvPr>
-        </p:nvSpPr>
-        <p:spPr/>
-        <p:txBody>
-          <a:bodyPr>
-            <a:normAutofit fontScale="92500" lnSpcReduction="20000"/>
-          </a:bodyPr>
-          <a:lstStyle/>
-          <a:p>
-            <a:r>
-              <a:rPr lang="en-US" sz="2600" dirty="0">
-                <a:latin typeface="Calibri" panose="020F0502020204030204" pitchFamily="34" charset="0"/>
-                <a:ea typeface="Calibri" panose="020F0502020204030204" pitchFamily="34" charset="0"/>
-                <a:cs typeface="Calibri" panose="020F0502020204030204" pitchFamily="34" charset="0"/>
-              </a:rPr>
-              <a:t>Furthermore, we utilized feature importance analysis to gain insights into the contributing factors influencing the predictions, providing valuable information for understanding the underlying relationships within the data.</a:t>
-            </a:r>
-          </a:p>
-          <a:p>
-            <a:r>
-              <a:rPr lang="en-US" sz="2600" dirty="0">
-                <a:latin typeface="Calibri" panose="020F0502020204030204" pitchFamily="34" charset="0"/>
-                <a:ea typeface="Calibri" panose="020F0502020204030204" pitchFamily="34" charset="0"/>
-                <a:cs typeface="Calibri" panose="020F0502020204030204" pitchFamily="34" charset="0"/>
-              </a:rPr>
-              <a:t>The confusion matrix analysis and the visualization of misclassified examples offer further insights into the strengths and limitations of the chosen model.</a:t>
-            </a:r>
-          </a:p>
-          <a:p>
-            <a:r>
-              <a:rPr lang="en-US" sz="2600" dirty="0">
-                <a:latin typeface="Calibri" panose="020F0502020204030204" pitchFamily="34" charset="0"/>
-                <a:ea typeface="Calibri" panose="020F0502020204030204" pitchFamily="34" charset="0"/>
-                <a:cs typeface="Calibri" panose="020F0502020204030204" pitchFamily="34" charset="0"/>
-              </a:rPr>
-              <a:t>Overall, the project demonstrates a successful machine learning approach to predicting the target variable while offering insights for further research and development of more sophisticated models.</a:t>
-            </a:r>
-            <a:endParaRPr lang="en-IN" sz="2600" dirty="0">
-              <a:latin typeface="Calibri" panose="020F0502020204030204" pitchFamily="34" charset="0"/>
-              <a:ea typeface="Calibri" panose="020F0502020204030204" pitchFamily="34" charset="0"/>
-              <a:cs typeface="Calibri" panose="020F0502020204030204" pitchFamily="34" charset="0"/>
-            </a:endParaRPr>
-          </a:p>
-          <a:p>
-            <a:endParaRPr lang="en-IN" dirty="0"/>
-          </a:p>
-        </p:txBody>
-      </p:sp>
-    </p:spTree>
-    <p:extLst>
-      <p:ext uri="{BB962C8B-B14F-4D97-AF65-F5344CB8AC3E}">
-        <p14:creationId xmlns:p14="http://schemas.microsoft.com/office/powerpoint/2010/main" val="699937715"/>
       </p:ext>
     </p:extLst>
   </p:cSld>
